--- a/IR資訊檢索_第9組_FinalProject.pptx
+++ b/IR資訊檢索_第9組_FinalProject.pptx
@@ -1938,7 +1938,7 @@
       </p:grpSpPr>
       <p:sp>
         <p:nvSpPr>
-          <p:cNvPr id="223" name="Google Shape;223;g1b10206152f_0_50:notes"/>
+          <p:cNvPr id="223" name="Google Shape;223;g1b10206152f_0_155:notes"/>
           <p:cNvSpPr/>
           <p:nvPr>
             <p:ph idx="2" type="sldImg"/>
@@ -1973,7 +1973,7 @@
       </p:sp>
       <p:sp>
         <p:nvSpPr>
-          <p:cNvPr id="224" name="Google Shape;224;g1b10206152f_0_50:notes"/>
+          <p:cNvPr id="224" name="Google Shape;224;g1b10206152f_0_155:notes"/>
           <p:cNvSpPr txBox="1"/>
           <p:nvPr>
             <p:ph idx="1" type="body"/>
@@ -2037,7 +2037,7 @@
       </p:grpSpPr>
       <p:sp>
         <p:nvSpPr>
-          <p:cNvPr id="230" name="Google Shape;230;g1b10206152f_0_155:notes"/>
+          <p:cNvPr id="230" name="Google Shape;230;g1b10206152f_0_50:notes"/>
           <p:cNvSpPr/>
           <p:nvPr>
             <p:ph idx="2" type="sldImg"/>
@@ -2072,7 +2072,7 @@
       </p:sp>
       <p:sp>
         <p:nvSpPr>
-          <p:cNvPr id="231" name="Google Shape;231;g1b10206152f_0_155:notes"/>
+          <p:cNvPr id="231" name="Google Shape;231;g1b10206152f_0_50:notes"/>
           <p:cNvSpPr txBox="1"/>
           <p:nvPr>
             <p:ph idx="1" type="body"/>
@@ -2136,7 +2136,7 @@
       </p:grpSpPr>
       <p:sp>
         <p:nvSpPr>
-          <p:cNvPr id="237" name="Google Shape;237;g1b10206152f_0_121:notes"/>
+          <p:cNvPr id="237" name="Google Shape;237;g1b10206152f_0_143:notes"/>
           <p:cNvSpPr/>
           <p:nvPr>
             <p:ph idx="2" type="sldImg"/>
@@ -2171,7 +2171,7 @@
       </p:sp>
       <p:sp>
         <p:nvSpPr>
-          <p:cNvPr id="238" name="Google Shape;238;g1b10206152f_0_121:notes"/>
+          <p:cNvPr id="238" name="Google Shape;238;g1b10206152f_0_143:notes"/>
           <p:cNvSpPr txBox="1"/>
           <p:nvPr>
             <p:ph idx="1" type="body"/>
@@ -2221,7 +2221,7 @@
   <p:cSld>
     <p:spTree>
       <p:nvGrpSpPr>
-        <p:cNvPr id="245" name="Shape 245"/>
+        <p:cNvPr id="243" name="Shape 243"/>
         <p:cNvGrpSpPr/>
         <p:nvPr/>
       </p:nvGrpSpPr>
@@ -2235,7 +2235,7 @@
       </p:grpSpPr>
       <p:sp>
         <p:nvSpPr>
-          <p:cNvPr id="246" name="Google Shape;246;g1b10206152f_0_76:notes"/>
+          <p:cNvPr id="244" name="Google Shape;244;g1b10206152f_0_0:notes"/>
           <p:cNvSpPr/>
           <p:nvPr>
             <p:ph idx="2" type="sldImg"/>
@@ -2270,7 +2270,7 @@
       </p:sp>
       <p:sp>
         <p:nvSpPr>
-          <p:cNvPr id="247" name="Google Shape;247;g1b10206152f_0_76:notes"/>
+          <p:cNvPr id="245" name="Google Shape;245;g1b10206152f_0_0:notes"/>
           <p:cNvSpPr txBox="1"/>
           <p:nvPr>
             <p:ph idx="1" type="body"/>
@@ -2320,7 +2320,7 @@
   <p:cSld>
     <p:spTree>
       <p:nvGrpSpPr>
-        <p:cNvPr id="252" name="Shape 252"/>
+        <p:cNvPr id="251" name="Shape 251"/>
         <p:cNvGrpSpPr/>
         <p:nvPr/>
       </p:nvGrpSpPr>
@@ -2334,7 +2334,7 @@
       </p:grpSpPr>
       <p:sp>
         <p:nvSpPr>
-          <p:cNvPr id="253" name="Google Shape;253;g1b10206152f_0_59:notes"/>
+          <p:cNvPr id="252" name="Google Shape;252;g1b10206152f_0_121:notes"/>
           <p:cNvSpPr/>
           <p:nvPr>
             <p:ph idx="2" type="sldImg"/>
@@ -2369,7 +2369,7 @@
       </p:sp>
       <p:sp>
         <p:nvSpPr>
-          <p:cNvPr id="254" name="Google Shape;254;g1b10206152f_0_59:notes"/>
+          <p:cNvPr id="253" name="Google Shape;253;g1b10206152f_0_121:notes"/>
           <p:cNvSpPr txBox="1"/>
           <p:nvPr>
             <p:ph idx="1" type="body"/>
@@ -2433,7 +2433,7 @@
       </p:grpSpPr>
       <p:sp>
         <p:nvSpPr>
-          <p:cNvPr id="261" name="Google Shape;261;g1b10206152f_0_143:notes"/>
+          <p:cNvPr id="261" name="Google Shape;261;g1b10206152f_0_76:notes"/>
           <p:cNvSpPr/>
           <p:nvPr>
             <p:ph idx="2" type="sldImg"/>
@@ -2468,7 +2468,7 @@
       </p:sp>
       <p:sp>
         <p:nvSpPr>
-          <p:cNvPr id="262" name="Google Shape;262;g1b10206152f_0_143:notes"/>
+          <p:cNvPr id="262" name="Google Shape;262;g1b10206152f_0_76:notes"/>
           <p:cNvSpPr txBox="1"/>
           <p:nvPr>
             <p:ph idx="1" type="body"/>
@@ -2532,7 +2532,7 @@
       </p:grpSpPr>
       <p:sp>
         <p:nvSpPr>
-          <p:cNvPr id="268" name="Google Shape;268;g1b10206152f_0_0:notes"/>
+          <p:cNvPr id="268" name="Google Shape;268;g1b10206152f_0_59:notes"/>
           <p:cNvSpPr/>
           <p:nvPr>
             <p:ph idx="2" type="sldImg"/>
@@ -2567,7 +2567,7 @@
       </p:sp>
       <p:sp>
         <p:nvSpPr>
-          <p:cNvPr id="269" name="Google Shape;269;g1b10206152f_0_0:notes"/>
+          <p:cNvPr id="269" name="Google Shape;269;g1b10206152f_0_59:notes"/>
           <p:cNvSpPr txBox="1"/>
           <p:nvPr>
             <p:ph idx="1" type="body"/>
@@ -10842,7 +10842,7 @@
               <a:buNone/>
             </a:pPr>
             <a:r>
-              <a:rPr lang="zh-TW" sz="3200">
+              <a:rPr lang="zh-TW" sz="3000">
                 <a:latin typeface="Arial"/>
                 <a:ea typeface="Arial"/>
                 <a:cs typeface="Arial"/>
@@ -10851,7 +10851,7 @@
               <a:t>Evalution: </a:t>
             </a:r>
             <a:r>
-              <a:rPr lang="zh-TW" sz="3200">
+              <a:rPr lang="zh-TW" sz="3000">
                 <a:latin typeface="Arial"/>
                 <a:ea typeface="Arial"/>
                 <a:cs typeface="Arial"/>
@@ -11765,7 +11765,7 @@
               <a:buNone/>
             </a:pPr>
             <a:r>
-              <a:rPr lang="zh-TW" sz="3200">
+              <a:rPr lang="zh-TW" sz="3000">
                 <a:latin typeface="Arial"/>
                 <a:ea typeface="Arial"/>
                 <a:cs typeface="Arial"/>
@@ -11774,7 +11774,7 @@
               <a:t>Evalution: </a:t>
             </a:r>
             <a:r>
-              <a:rPr lang="zh-TW" sz="3200">
+              <a:rPr lang="zh-TW" sz="3000">
                 <a:latin typeface="Arial"/>
                 <a:ea typeface="Arial"/>
                 <a:cs typeface="Arial"/>
@@ -12002,7 +12002,7 @@
               <a:buNone/>
             </a:pPr>
             <a:r>
-              <a:rPr lang="zh-TW" sz="3200">
+              <a:rPr lang="zh-TW" sz="3000">
                 <a:latin typeface="Arial"/>
                 <a:ea typeface="Arial"/>
                 <a:cs typeface="Arial"/>
@@ -12011,7 +12011,7 @@
               <a:t>Evalution: </a:t>
             </a:r>
             <a:r>
-              <a:rPr lang="zh-TW" sz="3200">
+              <a:rPr lang="zh-TW" sz="3000">
                 <a:latin typeface="Arial"/>
                 <a:ea typeface="Arial"/>
                 <a:cs typeface="Arial"/>
@@ -12281,7 +12281,7 @@
               <a:buNone/>
             </a:pPr>
             <a:r>
-              <a:rPr lang="zh-TW" sz="3200">
+              <a:rPr lang="zh-TW" sz="3000">
                 <a:latin typeface="Arial"/>
                 <a:ea typeface="Arial"/>
                 <a:cs typeface="Arial"/>
@@ -12289,7 +12289,7 @@
               </a:rPr>
               <a:t>Environment</a:t>
             </a:r>
-            <a:endParaRPr sz="3200">
+            <a:endParaRPr sz="3000">
               <a:latin typeface="Arial"/>
               <a:ea typeface="Arial"/>
               <a:cs typeface="Arial"/>
@@ -12533,8 +12533,8 @@
         </p:nvSpPr>
         <p:spPr>
           <a:xfrm>
-            <a:off x="730000" y="1318650"/>
-            <a:ext cx="3300900" cy="1687200"/>
+            <a:off x="729450" y="1318650"/>
+            <a:ext cx="7688400" cy="535200"/>
           </a:xfrm>
           <a:prstGeom prst="rect">
             <a:avLst/>
@@ -12542,7 +12542,7 @@
         </p:spPr>
         <p:txBody>
           <a:bodyPr anchorCtr="0" anchor="t" bIns="91425" lIns="91425" spcFirstLastPara="1" rIns="91425" wrap="square" tIns="91425">
-            <a:normAutofit/>
+            <a:normAutofit fontScale="90000"/>
           </a:bodyPr>
           <a:lstStyle/>
           <a:p>
@@ -12578,45 +12578,6 @@
           <p:cNvPr id="94" name="Google Shape;94;p14"/>
           <p:cNvSpPr txBox="1"/>
           <p:nvPr>
-            <p:ph idx="1" type="subTitle"/>
-          </p:nvPr>
-        </p:nvSpPr>
-        <p:spPr>
-          <a:xfrm>
-            <a:off x="724950" y="3161525"/>
-            <a:ext cx="3300900" cy="759000"/>
-          </a:xfrm>
-          <a:prstGeom prst="rect">
-            <a:avLst/>
-          </a:prstGeom>
-        </p:spPr>
-        <p:txBody>
-          <a:bodyPr anchorCtr="0" anchor="t" bIns="91425" lIns="91425" spcFirstLastPara="1" rIns="91425" wrap="square" tIns="91425">
-            <a:normAutofit/>
-          </a:bodyPr>
-          <a:lstStyle/>
-          <a:p>
-            <a:pPr indent="0" lvl="0" marL="0" rtl="0" algn="l">
-              <a:spcBef>
-                <a:spcPts val="0"/>
-              </a:spcBef>
-              <a:spcAft>
-                <a:spcPts val="0"/>
-              </a:spcAft>
-              <a:buNone/>
-            </a:pPr>
-            <a:r>
-              <a:t/>
-            </a:r>
-            <a:endParaRPr/>
-          </a:p>
-        </p:txBody>
-      </p:sp>
-      <p:sp>
-        <p:nvSpPr>
-          <p:cNvPr id="95" name="Google Shape;95;p14"/>
-          <p:cNvSpPr txBox="1"/>
-          <p:nvPr>
             <p:ph idx="12" type="sldNum"/>
           </p:nvPr>
         </p:nvSpPr>
@@ -12654,16 +12615,16 @@
       </p:sp>
       <p:sp>
         <p:nvSpPr>
-          <p:cNvPr id="96" name="Google Shape;96;p14"/>
+          <p:cNvPr id="95" name="Google Shape;95;p14"/>
           <p:cNvSpPr txBox="1"/>
           <p:nvPr>
-            <p:ph idx="2" type="body"/>
+            <p:ph idx="1" type="body"/>
           </p:nvPr>
         </p:nvSpPr>
         <p:spPr>
           <a:xfrm>
-            <a:off x="5161900" y="534600"/>
-            <a:ext cx="3374400" cy="4074300"/>
+            <a:off x="729325" y="2078875"/>
+            <a:ext cx="3774300" cy="2261100"/>
           </a:xfrm>
           <a:prstGeom prst="rect">
             <a:avLst/>
@@ -12830,18 +12791,41 @@
               <a:sym typeface="Arial"/>
             </a:endParaRPr>
           </a:p>
+        </p:txBody>
+      </p:sp>
+      <p:sp>
+        <p:nvSpPr>
+          <p:cNvPr id="96" name="Google Shape;96;p14"/>
+          <p:cNvSpPr txBox="1"/>
+          <p:nvPr>
+            <p:ph idx="2" type="body"/>
+          </p:nvPr>
+        </p:nvSpPr>
+        <p:spPr>
+          <a:xfrm>
+            <a:off x="4643604" y="2078875"/>
+            <a:ext cx="3774300" cy="2261100"/>
+          </a:xfrm>
+          <a:prstGeom prst="rect">
+            <a:avLst/>
+          </a:prstGeom>
+        </p:spPr>
+        <p:txBody>
+          <a:bodyPr anchorCtr="0" anchor="t" bIns="91425" lIns="91425" spcFirstLastPara="1" rIns="91425" wrap="square" tIns="91425">
+            <a:normAutofit/>
+          </a:bodyPr>
+          <a:lstStyle/>
           <a:p>
             <a:pPr indent="0" lvl="0" marL="0" rtl="0" algn="l">
               <a:lnSpc>
                 <a:spcPct val="100000"/>
               </a:lnSpc>
               <a:spcBef>
-                <a:spcPts val="1200"/>
-              </a:spcBef>
-              <a:spcAft>
-                <a:spcPts val="0"/>
-              </a:spcAft>
-              <a:buSzPts val="1018"/>
+                <a:spcPts val="0"/>
+              </a:spcBef>
+              <a:spcAft>
+                <a:spcPts val="0"/>
+              </a:spcAft>
               <a:buNone/>
             </a:pPr>
             <a:r>
@@ -12854,19 +12838,7 @@
                 <a:cs typeface="Arial"/>
                 <a:sym typeface="Arial"/>
               </a:rPr>
-              <a:t>E</a:t>
-            </a:r>
-            <a:r>
-              <a:rPr b="1" lang="zh-TW" sz="2458">
-                <a:solidFill>
-                  <a:schemeClr val="dk2"/>
-                </a:solidFill>
-                <a:latin typeface="Arial"/>
-                <a:ea typeface="Arial"/>
-                <a:cs typeface="Arial"/>
-                <a:sym typeface="Arial"/>
-              </a:rPr>
-              <a:t>xperiment</a:t>
+              <a:t>Experiment</a:t>
             </a:r>
             <a:endParaRPr b="1" sz="2458">
               <a:solidFill>
@@ -12906,7 +12878,7 @@
                 <a:cs typeface="Arial"/>
                 <a:sym typeface="Arial"/>
               </a:rPr>
-              <a:t>Method</a:t>
+              <a:t>Sequence Length</a:t>
             </a:r>
             <a:endParaRPr sz="1800">
               <a:solidFill>
@@ -12946,7 +12918,7 @@
                 <a:cs typeface="Arial"/>
                 <a:sym typeface="Arial"/>
               </a:rPr>
-              <a:t>Result</a:t>
+              <a:t>Preprocessing</a:t>
             </a:r>
             <a:endParaRPr sz="1800">
               <a:solidFill>
@@ -12986,7 +12958,7 @@
                 <a:cs typeface="Arial"/>
                 <a:sym typeface="Arial"/>
               </a:rPr>
-              <a:t>Fine-Tune</a:t>
+              <a:t>Retrieve &amp; Re-Rank Pipeline</a:t>
             </a:r>
             <a:endParaRPr sz="1800">
               <a:solidFill>
@@ -12997,6 +12969,38 @@
               <a:cs typeface="Arial"/>
               <a:sym typeface="Arial"/>
             </a:endParaRPr>
+          </a:p>
+          <a:p>
+            <a:pPr indent="-342900" lvl="0" marL="457200" rtl="0" algn="l">
+              <a:lnSpc>
+                <a:spcPct val="150000"/>
+              </a:lnSpc>
+              <a:spcBef>
+                <a:spcPts val="0"/>
+              </a:spcBef>
+              <a:spcAft>
+                <a:spcPts val="0"/>
+              </a:spcAft>
+              <a:buClr>
+                <a:schemeClr val="dk2"/>
+              </a:buClr>
+              <a:buSzPts val="1800"/>
+              <a:buFont typeface="Arial"/>
+              <a:buChar char="●"/>
+            </a:pPr>
+            <a:r>
+              <a:rPr lang="zh-TW" sz="1800">
+                <a:solidFill>
+                  <a:schemeClr val="dk2"/>
+                </a:solidFill>
+                <a:latin typeface="Arial"/>
+                <a:ea typeface="Arial"/>
+                <a:cs typeface="Arial"/>
+                <a:sym typeface="Arial"/>
+              </a:rPr>
+              <a:t>Fine Tune</a:t>
+            </a:r>
+            <a:endParaRPr/>
           </a:p>
         </p:txBody>
       </p:sp>
@@ -13055,23 +13059,18 @@
               <a:spcAft>
                 <a:spcPts val="0"/>
               </a:spcAft>
-              <a:buClr>
-                <a:schemeClr val="dk1"/>
-              </a:buClr>
-              <a:buSzPts val="1100"/>
-              <a:buFont typeface="Arial"/>
               <a:buNone/>
             </a:pPr>
             <a:r>
-              <a:rPr lang="zh-TW" sz="3200">
+              <a:rPr lang="zh-TW" sz="3000">
                 <a:latin typeface="Arial"/>
                 <a:ea typeface="Arial"/>
                 <a:cs typeface="Arial"/>
                 <a:sym typeface="Arial"/>
               </a:rPr>
-              <a:t>Sequence Length</a:t>
+              <a:t>Model</a:t>
             </a:r>
-            <a:endParaRPr sz="3200">
+            <a:endParaRPr sz="3000">
               <a:latin typeface="Arial"/>
               <a:ea typeface="Arial"/>
               <a:cs typeface="Arial"/>
@@ -13136,9 +13135,173 @@
           </a:p>
         </p:txBody>
       </p:sp>
+      <p:pic>
+        <p:nvPicPr>
+          <p:cNvPr id="228" name="Google Shape;228;p32"/>
+          <p:cNvPicPr preferRelativeResize="0"/>
+          <p:nvPr/>
+        </p:nvPicPr>
+        <p:blipFill>
+          <a:blip r:embed="rId3">
+            <a:alphaModFix/>
+          </a:blip>
+          <a:stretch>
+            <a:fillRect/>
+          </a:stretch>
+        </p:blipFill>
+        <p:spPr>
+          <a:xfrm>
+            <a:off x="2290750" y="2206663"/>
+            <a:ext cx="4562475" cy="2543175"/>
+          </a:xfrm>
+          <a:prstGeom prst="rect">
+            <a:avLst/>
+          </a:prstGeom>
+          <a:noFill/>
+          <a:ln>
+            <a:noFill/>
+          </a:ln>
+        </p:spPr>
+      </p:pic>
+    </p:spTree>
+  </p:cSld>
+  <p:clrMapOvr>
+    <a:masterClrMapping/>
+  </p:clrMapOvr>
+</p:sld>
+</file>
+
+<file path=ppt/slides/slide21.xml><?xml version="1.0" encoding="utf-8"?>
+<p:sld xmlns:a="http://schemas.openxmlformats.org/drawingml/2006/main" xmlns:r="http://schemas.openxmlformats.org/officeDocument/2006/relationships" xmlns:mc="http://schemas.openxmlformats.org/markup-compatibility/2006" xmlns:mv="urn:schemas-microsoft-com:mac:vml" xmlns:p="http://schemas.openxmlformats.org/presentationml/2006/main" xmlns:c="http://schemas.openxmlformats.org/drawingml/2006/chart" xmlns:dgm="http://schemas.openxmlformats.org/drawingml/2006/diagram" xmlns:o="urn:schemas-microsoft-com:office:office" xmlns:v="urn:schemas-microsoft-com:vml" xmlns:pvml="urn:schemas-microsoft-com:office:powerpoint" xmlns:com="http://schemas.openxmlformats.org/drawingml/2006/compatibility" xmlns:p14="http://schemas.microsoft.com/office/powerpoint/2010/main" xmlns:p15="http://schemas.microsoft.com/office/powerpoint/2012/main" xmlns:ahyp="http://schemas.microsoft.com/office/drawing/2018/hyperlinkcolor">
+  <p:cSld>
+    <p:spTree>
+      <p:nvGrpSpPr>
+        <p:cNvPr id="232" name="Shape 232"/>
+        <p:cNvGrpSpPr/>
+        <p:nvPr/>
+      </p:nvGrpSpPr>
+      <p:grpSpPr>
+        <a:xfrm>
+          <a:off x="0" y="0"/>
+          <a:ext cx="0" cy="0"/>
+          <a:chOff x="0" y="0"/>
+          <a:chExt cx="0" cy="0"/>
+        </a:xfrm>
+      </p:grpSpPr>
+      <p:sp>
+        <p:nvSpPr>
+          <p:cNvPr id="233" name="Google Shape;233;p33"/>
+          <p:cNvSpPr txBox="1"/>
+          <p:nvPr>
+            <p:ph type="title"/>
+          </p:nvPr>
+        </p:nvSpPr>
+        <p:spPr>
+          <a:xfrm>
+            <a:off x="729450" y="1318650"/>
+            <a:ext cx="7688700" cy="535200"/>
+          </a:xfrm>
+          <a:prstGeom prst="rect">
+            <a:avLst/>
+          </a:prstGeom>
+        </p:spPr>
+        <p:txBody>
+          <a:bodyPr anchorCtr="0" anchor="t" bIns="91425" lIns="91425" spcFirstLastPara="1" rIns="91425" wrap="square" tIns="91425">
+            <a:noAutofit/>
+          </a:bodyPr>
+          <a:lstStyle/>
+          <a:p>
+            <a:pPr indent="0" lvl="0" marL="0" rtl="0" algn="l">
+              <a:spcBef>
+                <a:spcPts val="0"/>
+              </a:spcBef>
+              <a:spcAft>
+                <a:spcPts val="0"/>
+              </a:spcAft>
+              <a:buClr>
+                <a:schemeClr val="dk1"/>
+              </a:buClr>
+              <a:buSzPts val="1100"/>
+              <a:buFont typeface="Arial"/>
+              <a:buNone/>
+            </a:pPr>
+            <a:r>
+              <a:rPr lang="zh-TW" sz="3000">
+                <a:latin typeface="Arial"/>
+                <a:ea typeface="Arial"/>
+                <a:cs typeface="Arial"/>
+                <a:sym typeface="Arial"/>
+              </a:rPr>
+              <a:t>Sequence Length</a:t>
+            </a:r>
+            <a:endParaRPr sz="3000">
+              <a:latin typeface="Arial"/>
+              <a:ea typeface="Arial"/>
+              <a:cs typeface="Arial"/>
+              <a:sym typeface="Arial"/>
+            </a:endParaRPr>
+          </a:p>
+        </p:txBody>
+      </p:sp>
+      <p:sp>
+        <p:nvSpPr>
+          <p:cNvPr id="234" name="Google Shape;234;p33"/>
+          <p:cNvSpPr txBox="1"/>
+          <p:nvPr>
+            <p:ph idx="12" type="sldNum"/>
+          </p:nvPr>
+        </p:nvSpPr>
+        <p:spPr>
+          <a:xfrm>
+            <a:off x="8536302" y="4749851"/>
+            <a:ext cx="548700" cy="393600"/>
+          </a:xfrm>
+          <a:prstGeom prst="rect">
+            <a:avLst/>
+          </a:prstGeom>
+        </p:spPr>
+        <p:txBody>
+          <a:bodyPr anchorCtr="0" anchor="ctr" bIns="91425" lIns="91425" spcFirstLastPara="1" rIns="91425" wrap="square" tIns="91425">
+            <a:normAutofit/>
+          </a:bodyPr>
+          <a:lstStyle/>
+          <a:p>
+            <a:pPr indent="0" lvl="0" marL="0" rtl="0" algn="r">
+              <a:spcBef>
+                <a:spcPts val="0"/>
+              </a:spcBef>
+              <a:spcAft>
+                <a:spcPts val="0"/>
+              </a:spcAft>
+              <a:buNone/>
+            </a:pPr>
+            <a:fld id="{00000000-1234-1234-1234-123412341234}" type="slidenum">
+              <a:rPr lang="zh-TW">
+                <a:solidFill>
+                  <a:schemeClr val="accent1"/>
+                </a:solidFill>
+                <a:latin typeface="Lato"/>
+                <a:ea typeface="Lato"/>
+                <a:cs typeface="Lato"/>
+                <a:sym typeface="Lato"/>
+              </a:rPr>
+              <a:t>‹#›</a:t>
+            </a:fld>
+            <a:endParaRPr>
+              <a:solidFill>
+                <a:schemeClr val="accent1"/>
+              </a:solidFill>
+              <a:latin typeface="Lato"/>
+              <a:ea typeface="Lato"/>
+              <a:cs typeface="Lato"/>
+              <a:sym typeface="Lato"/>
+            </a:endParaRPr>
+          </a:p>
+        </p:txBody>
+      </p:sp>
       <p:graphicFrame>
         <p:nvGraphicFramePr>
-          <p:cNvPr id="228" name="Google Shape;228;p32"/>
+          <p:cNvPr id="235" name="Google Shape;235;p33"/>
           <p:cNvGraphicFramePr/>
           <p:nvPr/>
         </p:nvGraphicFramePr>
@@ -13151,7 +13314,7 @@
             <a:tbl>
               <a:tblPr>
                 <a:noFill/>
-                <a:tableStyleId>{033C1521-009F-4937-872D-B6DEB82472AA}</a:tableStyleId>
+                <a:tableStyleId>{41640873-F8D4-4445-B392-D0BC1EA1FC77}</a:tableStyleId>
               </a:tblPr>
               <a:tblGrid>
                 <a:gridCol w="384200"/>
@@ -14272,165 +14435,6 @@
 </p:sld>
 </file>
 
-<file path=ppt/slides/slide21.xml><?xml version="1.0" encoding="utf-8"?>
-<p:sld xmlns:a="http://schemas.openxmlformats.org/drawingml/2006/main" xmlns:r="http://schemas.openxmlformats.org/officeDocument/2006/relationships" xmlns:mc="http://schemas.openxmlformats.org/markup-compatibility/2006" xmlns:mv="urn:schemas-microsoft-com:mac:vml" xmlns:p="http://schemas.openxmlformats.org/presentationml/2006/main" xmlns:c="http://schemas.openxmlformats.org/drawingml/2006/chart" xmlns:dgm="http://schemas.openxmlformats.org/drawingml/2006/diagram" xmlns:o="urn:schemas-microsoft-com:office:office" xmlns:v="urn:schemas-microsoft-com:vml" xmlns:pvml="urn:schemas-microsoft-com:office:powerpoint" xmlns:com="http://schemas.openxmlformats.org/drawingml/2006/compatibility" xmlns:p14="http://schemas.microsoft.com/office/powerpoint/2010/main" xmlns:p15="http://schemas.microsoft.com/office/powerpoint/2012/main" xmlns:ahyp="http://schemas.microsoft.com/office/drawing/2018/hyperlinkcolor">
-  <p:cSld>
-    <p:spTree>
-      <p:nvGrpSpPr>
-        <p:cNvPr id="232" name="Shape 232"/>
-        <p:cNvGrpSpPr/>
-        <p:nvPr/>
-      </p:nvGrpSpPr>
-      <p:grpSpPr>
-        <a:xfrm>
-          <a:off x="0" y="0"/>
-          <a:ext cx="0" cy="0"/>
-          <a:chOff x="0" y="0"/>
-          <a:chExt cx="0" cy="0"/>
-        </a:xfrm>
-      </p:grpSpPr>
-      <p:sp>
-        <p:nvSpPr>
-          <p:cNvPr id="233" name="Google Shape;233;p33"/>
-          <p:cNvSpPr txBox="1"/>
-          <p:nvPr>
-            <p:ph type="title"/>
-          </p:nvPr>
-        </p:nvSpPr>
-        <p:spPr>
-          <a:xfrm>
-            <a:off x="729450" y="1318650"/>
-            <a:ext cx="7688700" cy="535200"/>
-          </a:xfrm>
-          <a:prstGeom prst="rect">
-            <a:avLst/>
-          </a:prstGeom>
-        </p:spPr>
-        <p:txBody>
-          <a:bodyPr anchorCtr="0" anchor="t" bIns="91425" lIns="91425" spcFirstLastPara="1" rIns="91425" wrap="square" tIns="91425">
-            <a:noAutofit/>
-          </a:bodyPr>
-          <a:lstStyle/>
-          <a:p>
-            <a:pPr indent="0" lvl="0" marL="0" rtl="0" algn="l">
-              <a:spcBef>
-                <a:spcPts val="0"/>
-              </a:spcBef>
-              <a:spcAft>
-                <a:spcPts val="0"/>
-              </a:spcAft>
-              <a:buNone/>
-            </a:pPr>
-            <a:r>
-              <a:rPr lang="zh-TW" sz="3200">
-                <a:latin typeface="Arial"/>
-                <a:ea typeface="Arial"/>
-                <a:cs typeface="Arial"/>
-                <a:sym typeface="Arial"/>
-              </a:rPr>
-              <a:t>Method</a:t>
-            </a:r>
-            <a:endParaRPr sz="3200">
-              <a:latin typeface="Arial"/>
-              <a:ea typeface="Arial"/>
-              <a:cs typeface="Arial"/>
-              <a:sym typeface="Arial"/>
-            </a:endParaRPr>
-          </a:p>
-        </p:txBody>
-      </p:sp>
-      <p:sp>
-        <p:nvSpPr>
-          <p:cNvPr id="234" name="Google Shape;234;p33"/>
-          <p:cNvSpPr txBox="1"/>
-          <p:nvPr>
-            <p:ph idx="12" type="sldNum"/>
-          </p:nvPr>
-        </p:nvSpPr>
-        <p:spPr>
-          <a:xfrm>
-            <a:off x="8536302" y="4749851"/>
-            <a:ext cx="548700" cy="393600"/>
-          </a:xfrm>
-          <a:prstGeom prst="rect">
-            <a:avLst/>
-          </a:prstGeom>
-        </p:spPr>
-        <p:txBody>
-          <a:bodyPr anchorCtr="0" anchor="ctr" bIns="91425" lIns="91425" spcFirstLastPara="1" rIns="91425" wrap="square" tIns="91425">
-            <a:normAutofit/>
-          </a:bodyPr>
-          <a:lstStyle/>
-          <a:p>
-            <a:pPr indent="0" lvl="0" marL="0" rtl="0" algn="r">
-              <a:spcBef>
-                <a:spcPts val="0"/>
-              </a:spcBef>
-              <a:spcAft>
-                <a:spcPts val="0"/>
-              </a:spcAft>
-              <a:buNone/>
-            </a:pPr>
-            <a:fld id="{00000000-1234-1234-1234-123412341234}" type="slidenum">
-              <a:rPr lang="zh-TW">
-                <a:solidFill>
-                  <a:schemeClr val="accent1"/>
-                </a:solidFill>
-                <a:latin typeface="Lato"/>
-                <a:ea typeface="Lato"/>
-                <a:cs typeface="Lato"/>
-                <a:sym typeface="Lato"/>
-              </a:rPr>
-              <a:t>‹#›</a:t>
-            </a:fld>
-            <a:endParaRPr>
-              <a:solidFill>
-                <a:schemeClr val="accent1"/>
-              </a:solidFill>
-              <a:latin typeface="Lato"/>
-              <a:ea typeface="Lato"/>
-              <a:cs typeface="Lato"/>
-              <a:sym typeface="Lato"/>
-            </a:endParaRPr>
-          </a:p>
-        </p:txBody>
-      </p:sp>
-      <p:pic>
-        <p:nvPicPr>
-          <p:cNvPr id="235" name="Google Shape;235;p33"/>
-          <p:cNvPicPr preferRelativeResize="0"/>
-          <p:nvPr/>
-        </p:nvPicPr>
-        <p:blipFill>
-          <a:blip r:embed="rId3">
-            <a:alphaModFix/>
-          </a:blip>
-          <a:stretch>
-            <a:fillRect/>
-          </a:stretch>
-        </p:blipFill>
-        <p:spPr>
-          <a:xfrm>
-            <a:off x="2290750" y="2206663"/>
-            <a:ext cx="4562475" cy="2543175"/>
-          </a:xfrm>
-          <a:prstGeom prst="rect">
-            <a:avLst/>
-          </a:prstGeom>
-          <a:noFill/>
-          <a:ln>
-            <a:noFill/>
-          </a:ln>
-        </p:spPr>
-      </p:pic>
-    </p:spTree>
-  </p:cSld>
-  <p:clrMapOvr>
-    <a:masterClrMapping/>
-  </p:clrMapOvr>
-</p:sld>
-</file>
-
 <file path=ppt/slides/slide22.xml><?xml version="1.0" encoding="utf-8"?>
 <p:sld xmlns:a="http://schemas.openxmlformats.org/drawingml/2006/main" xmlns:r="http://schemas.openxmlformats.org/officeDocument/2006/relationships" xmlns:mc="http://schemas.openxmlformats.org/markup-compatibility/2006" xmlns:mv="urn:schemas-microsoft-com:mac:vml" xmlns:p="http://schemas.openxmlformats.org/presentationml/2006/main" xmlns:c="http://schemas.openxmlformats.org/drawingml/2006/chart" xmlns:dgm="http://schemas.openxmlformats.org/drawingml/2006/diagram" xmlns:o="urn:schemas-microsoft-com:office:office" xmlns:v="urn:schemas-microsoft-com:vml" xmlns:pvml="urn:schemas-microsoft-com:office:powerpoint" xmlns:com="http://schemas.openxmlformats.org/drawingml/2006/compatibility" xmlns:p14="http://schemas.microsoft.com/office/powerpoint/2010/main" xmlns:p15="http://schemas.microsoft.com/office/powerpoint/2012/main" xmlns:ahyp="http://schemas.microsoft.com/office/drawing/2018/hyperlinkcolor">
   <p:cSld>
@@ -14481,24 +14485,36 @@
               <a:buNone/>
             </a:pPr>
             <a:r>
-              <a:rPr lang="zh-TW" sz="3200">
+              <a:rPr lang="zh-TW" sz="3000">
                 <a:latin typeface="Arial"/>
                 <a:ea typeface="Arial"/>
                 <a:cs typeface="Arial"/>
                 <a:sym typeface="Arial"/>
               </a:rPr>
-              <a:t>Method: </a:t>
+              <a:t>Preprocessing </a:t>
             </a:r>
             <a:r>
-              <a:rPr lang="zh-TW" sz="3200">
+              <a:rPr lang="zh-TW">
                 <a:latin typeface="Arial"/>
                 <a:ea typeface="Arial"/>
                 <a:cs typeface="Arial"/>
                 <a:sym typeface="Arial"/>
               </a:rPr>
-              <a:t>Retrieve &amp; Re-Rank Pipeline</a:t>
+              <a:t>(get_</a:t>
             </a:r>
-            <a:endParaRPr sz="3200">
+            <a:r>
+              <a:rPr lang="zh-TW">
+                <a:highlight>
+                  <a:schemeClr val="lt1"/>
+                </a:highlight>
+                <a:latin typeface="Arial"/>
+                <a:ea typeface="Arial"/>
+                <a:cs typeface="Arial"/>
+                <a:sym typeface="Arial"/>
+              </a:rPr>
+              <a:t>length=64)</a:t>
+            </a:r>
+            <a:endParaRPr>
               <a:latin typeface="Arial"/>
               <a:ea typeface="Arial"/>
               <a:cs typeface="Arial"/>
@@ -14510,6 +14526,1891 @@
       <p:sp>
         <p:nvSpPr>
           <p:cNvPr id="241" name="Google Shape;241;p34"/>
+          <p:cNvSpPr txBox="1"/>
+          <p:nvPr>
+            <p:ph idx="1" type="body"/>
+          </p:nvPr>
+        </p:nvSpPr>
+        <p:spPr>
+          <a:xfrm>
+            <a:off x="729450" y="2078875"/>
+            <a:ext cx="7688700" cy="2258400"/>
+          </a:xfrm>
+          <a:prstGeom prst="rect">
+            <a:avLst/>
+          </a:prstGeom>
+        </p:spPr>
+        <p:txBody>
+          <a:bodyPr anchorCtr="0" anchor="t" bIns="91425" lIns="91425" spcFirstLastPara="1" rIns="91425" wrap="square" tIns="91425">
+            <a:noAutofit/>
+          </a:bodyPr>
+          <a:lstStyle/>
+          <a:p>
+            <a:pPr indent="-317500" lvl="0" marL="457200" rtl="0" algn="l">
+              <a:lnSpc>
+                <a:spcPct val="150000"/>
+              </a:lnSpc>
+              <a:spcBef>
+                <a:spcPts val="0"/>
+              </a:spcBef>
+              <a:spcAft>
+                <a:spcPts val="0"/>
+              </a:spcAft>
+              <a:buClr>
+                <a:schemeClr val="dk2"/>
+              </a:buClr>
+              <a:buSzPts val="1400"/>
+              <a:buFont typeface="Arial"/>
+              <a:buChar char="●"/>
+            </a:pPr>
+            <a:r>
+              <a:rPr b="1" lang="zh-TW" sz="1600">
+                <a:solidFill>
+                  <a:schemeClr val="dk2"/>
+                </a:solidFill>
+                <a:highlight>
+                  <a:srgbClr val="FFFFFF"/>
+                </a:highlight>
+                <a:latin typeface="Arial"/>
+                <a:ea typeface="Arial"/>
+                <a:cs typeface="Arial"/>
+                <a:sym typeface="Arial"/>
+              </a:rPr>
+              <a:t>-</a:t>
+            </a:r>
+            <a:r>
+              <a:rPr b="1" lang="zh-TW" sz="1600">
+                <a:solidFill>
+                  <a:schemeClr val="dk2"/>
+                </a:solidFill>
+                <a:highlight>
+                  <a:srgbClr val="FFFFFF"/>
+                </a:highlight>
+                <a:latin typeface="Arial"/>
+                <a:ea typeface="Arial"/>
+                <a:cs typeface="Arial"/>
+                <a:sym typeface="Arial"/>
+              </a:rPr>
+              <a:t>b</a:t>
+            </a:r>
+            <a:r>
+              <a:rPr b="1" lang="zh-TW" sz="1600">
+                <a:solidFill>
+                  <a:schemeClr val="dk2"/>
+                </a:solidFill>
+                <a:highlight>
+                  <a:srgbClr val="FFFFFF"/>
+                </a:highlight>
+                <a:latin typeface="Arial"/>
+                <a:ea typeface="Arial"/>
+                <a:cs typeface="Arial"/>
+                <a:sym typeface="Arial"/>
+              </a:rPr>
+              <a:t>ase</a:t>
+            </a:r>
+            <a:br>
+              <a:rPr lang="zh-TW" sz="1600">
+                <a:solidFill>
+                  <a:schemeClr val="dk2"/>
+                </a:solidFill>
+                <a:highlight>
+                  <a:srgbClr val="FFFFFF"/>
+                </a:highlight>
+                <a:latin typeface="Arial"/>
+                <a:ea typeface="Arial"/>
+                <a:cs typeface="Arial"/>
+                <a:sym typeface="Arial"/>
+              </a:rPr>
+            </a:br>
+            <a:r>
+              <a:rPr lang="zh-TW" sz="1400">
+                <a:solidFill>
+                  <a:schemeClr val="dk2"/>
+                </a:solidFill>
+                <a:highlight>
+                  <a:srgbClr val="FFFFFF"/>
+                </a:highlight>
+                <a:latin typeface="Arial"/>
+                <a:ea typeface="Arial"/>
+                <a:cs typeface="Arial"/>
+                <a:sym typeface="Arial"/>
+              </a:rPr>
+              <a:t>'THE GOOD HEALTH MAGAZINE; \nMEDICINE; \nDIAGNOSTIC WIZARDRY; \nA RE'</a:t>
+            </a:r>
+            <a:endParaRPr sz="1400">
+              <a:solidFill>
+                <a:schemeClr val="dk2"/>
+              </a:solidFill>
+              <a:highlight>
+                <a:srgbClr val="FFFFFF"/>
+              </a:highlight>
+              <a:latin typeface="Arial"/>
+              <a:ea typeface="Arial"/>
+              <a:cs typeface="Arial"/>
+              <a:sym typeface="Arial"/>
+            </a:endParaRPr>
+          </a:p>
+          <a:p>
+            <a:pPr indent="-317500" lvl="0" marL="457200" rtl="0" algn="l">
+              <a:lnSpc>
+                <a:spcPct val="150000"/>
+              </a:lnSpc>
+              <a:spcBef>
+                <a:spcPts val="0"/>
+              </a:spcBef>
+              <a:spcAft>
+                <a:spcPts val="0"/>
+              </a:spcAft>
+              <a:buClr>
+                <a:schemeClr val="dk2"/>
+              </a:buClr>
+              <a:buSzPts val="1400"/>
+              <a:buFont typeface="Arial"/>
+              <a:buChar char="●"/>
+            </a:pPr>
+            <a:r>
+              <a:rPr b="1" lang="zh-TW" sz="1600">
+                <a:solidFill>
+                  <a:schemeClr val="dk2"/>
+                </a:solidFill>
+                <a:highlight>
+                  <a:srgbClr val="FFFFFF"/>
+                </a:highlight>
+                <a:latin typeface="Arial"/>
+                <a:ea typeface="Arial"/>
+                <a:cs typeface="Arial"/>
+                <a:sym typeface="Arial"/>
+              </a:rPr>
+              <a:t>-slim(</a:t>
+            </a:r>
+            <a:r>
+              <a:rPr b="1" lang="zh-TW" sz="1600">
+                <a:solidFill>
+                  <a:schemeClr val="dk2"/>
+                </a:solidFill>
+                <a:highlight>
+                  <a:schemeClr val="lt1"/>
+                </a:highlight>
+                <a:latin typeface="Arial"/>
+                <a:ea typeface="Arial"/>
+                <a:cs typeface="Arial"/>
+                <a:sym typeface="Arial"/>
+              </a:rPr>
+              <a:t>lower, stop words, punctuations)</a:t>
+            </a:r>
+            <a:br>
+              <a:rPr lang="zh-TW" sz="1600">
+                <a:solidFill>
+                  <a:schemeClr val="dk2"/>
+                </a:solidFill>
+                <a:highlight>
+                  <a:srgbClr val="FFFFFF"/>
+                </a:highlight>
+                <a:latin typeface="Arial"/>
+                <a:ea typeface="Arial"/>
+                <a:cs typeface="Arial"/>
+                <a:sym typeface="Arial"/>
+              </a:rPr>
+            </a:br>
+            <a:r>
+              <a:rPr lang="zh-TW" sz="1400">
+                <a:solidFill>
+                  <a:schemeClr val="dk2"/>
+                </a:solidFill>
+                <a:highlight>
+                  <a:srgbClr val="FFFFFF"/>
+                </a:highlight>
+                <a:latin typeface="Arial"/>
+                <a:ea typeface="Arial"/>
+                <a:cs typeface="Arial"/>
+                <a:sym typeface="Arial"/>
+              </a:rPr>
+              <a:t>'good health magazine medicine diagnostic wizardry revolutionary '</a:t>
+            </a:r>
+            <a:endParaRPr sz="1400">
+              <a:solidFill>
+                <a:schemeClr val="dk2"/>
+              </a:solidFill>
+              <a:highlight>
+                <a:srgbClr val="FFFFFF"/>
+              </a:highlight>
+              <a:latin typeface="Arial"/>
+              <a:ea typeface="Arial"/>
+              <a:cs typeface="Arial"/>
+              <a:sym typeface="Arial"/>
+            </a:endParaRPr>
+          </a:p>
+          <a:p>
+            <a:pPr indent="-317500" lvl="0" marL="457200" rtl="0" algn="l">
+              <a:lnSpc>
+                <a:spcPct val="150000"/>
+              </a:lnSpc>
+              <a:spcBef>
+                <a:spcPts val="0"/>
+              </a:spcBef>
+              <a:spcAft>
+                <a:spcPts val="0"/>
+              </a:spcAft>
+              <a:buClr>
+                <a:schemeClr val="dk2"/>
+              </a:buClr>
+              <a:buSzPts val="1400"/>
+              <a:buFont typeface="Arial"/>
+              <a:buChar char="●"/>
+            </a:pPr>
+            <a:r>
+              <a:rPr b="1" lang="zh-TW" sz="1600">
+                <a:solidFill>
+                  <a:schemeClr val="dk2"/>
+                </a:solidFill>
+                <a:highlight>
+                  <a:srgbClr val="FFFFFF"/>
+                </a:highlight>
+                <a:latin typeface="Arial"/>
+                <a:ea typeface="Arial"/>
+                <a:cs typeface="Arial"/>
+                <a:sym typeface="Arial"/>
+              </a:rPr>
+              <a:t>-base article summarization(top-k)</a:t>
+            </a:r>
+            <a:br>
+              <a:rPr b="1" lang="zh-TW" sz="1400">
+                <a:solidFill>
+                  <a:schemeClr val="dk2"/>
+                </a:solidFill>
+                <a:highlight>
+                  <a:srgbClr val="FFFFFF"/>
+                </a:highlight>
+                <a:latin typeface="Arial"/>
+                <a:ea typeface="Arial"/>
+                <a:cs typeface="Arial"/>
+                <a:sym typeface="Arial"/>
+              </a:rPr>
+            </a:br>
+            <a:r>
+              <a:rPr lang="zh-TW" sz="1400">
+                <a:solidFill>
+                  <a:schemeClr val="dk2"/>
+                </a:solidFill>
+                <a:highlight>
+                  <a:srgbClr val="FFFFFF"/>
+                </a:highlight>
+                <a:latin typeface="Arial"/>
+                <a:ea typeface="Arial"/>
+                <a:cs typeface="Arial"/>
+                <a:sym typeface="Arial"/>
+              </a:rPr>
+              <a:t>'The revolution of magnetic resonance -- doctors have dropped the'</a:t>
+            </a:r>
+            <a:endParaRPr sz="1400">
+              <a:solidFill>
+                <a:schemeClr val="dk2"/>
+              </a:solidFill>
+              <a:latin typeface="Arial"/>
+              <a:ea typeface="Arial"/>
+              <a:cs typeface="Arial"/>
+              <a:sym typeface="Arial"/>
+            </a:endParaRPr>
+          </a:p>
+        </p:txBody>
+      </p:sp>
+      <p:sp>
+        <p:nvSpPr>
+          <p:cNvPr id="242" name="Google Shape;242;p34"/>
+          <p:cNvSpPr txBox="1"/>
+          <p:nvPr>
+            <p:ph idx="12" type="sldNum"/>
+          </p:nvPr>
+        </p:nvSpPr>
+        <p:spPr>
+          <a:xfrm>
+            <a:off x="8536302" y="4749851"/>
+            <a:ext cx="548700" cy="393600"/>
+          </a:xfrm>
+          <a:prstGeom prst="rect">
+            <a:avLst/>
+          </a:prstGeom>
+        </p:spPr>
+        <p:txBody>
+          <a:bodyPr anchorCtr="0" anchor="ctr" bIns="91425" lIns="91425" spcFirstLastPara="1" rIns="91425" wrap="square" tIns="91425">
+            <a:normAutofit/>
+          </a:bodyPr>
+          <a:lstStyle/>
+          <a:p>
+            <a:pPr indent="0" lvl="0" marL="0" rtl="0" algn="r">
+              <a:spcBef>
+                <a:spcPts val="0"/>
+              </a:spcBef>
+              <a:spcAft>
+                <a:spcPts val="0"/>
+              </a:spcAft>
+              <a:buNone/>
+            </a:pPr>
+            <a:fld id="{00000000-1234-1234-1234-123412341234}" type="slidenum">
+              <a:rPr lang="zh-TW">
+                <a:solidFill>
+                  <a:schemeClr val="accent1"/>
+                </a:solidFill>
+                <a:latin typeface="Lato"/>
+                <a:ea typeface="Lato"/>
+                <a:cs typeface="Lato"/>
+                <a:sym typeface="Lato"/>
+              </a:rPr>
+              <a:t>‹#›</a:t>
+            </a:fld>
+            <a:endParaRPr>
+              <a:solidFill>
+                <a:schemeClr val="accent1"/>
+              </a:solidFill>
+              <a:latin typeface="Lato"/>
+              <a:ea typeface="Lato"/>
+              <a:cs typeface="Lato"/>
+              <a:sym typeface="Lato"/>
+            </a:endParaRPr>
+          </a:p>
+        </p:txBody>
+      </p:sp>
+    </p:spTree>
+  </p:cSld>
+  <p:clrMapOvr>
+    <a:masterClrMapping/>
+  </p:clrMapOvr>
+</p:sld>
+</file>
+
+<file path=ppt/slides/slide23.xml><?xml version="1.0" encoding="utf-8"?>
+<p:sld xmlns:a="http://schemas.openxmlformats.org/drawingml/2006/main" xmlns:r="http://schemas.openxmlformats.org/officeDocument/2006/relationships" xmlns:mc="http://schemas.openxmlformats.org/markup-compatibility/2006" xmlns:mv="urn:schemas-microsoft-com:mac:vml" xmlns:p="http://schemas.openxmlformats.org/presentationml/2006/main" xmlns:c="http://schemas.openxmlformats.org/drawingml/2006/chart" xmlns:dgm="http://schemas.openxmlformats.org/drawingml/2006/diagram" xmlns:o="urn:schemas-microsoft-com:office:office" xmlns:v="urn:schemas-microsoft-com:vml" xmlns:pvml="urn:schemas-microsoft-com:office:powerpoint" xmlns:com="http://schemas.openxmlformats.org/drawingml/2006/compatibility" xmlns:p14="http://schemas.microsoft.com/office/powerpoint/2010/main" xmlns:p15="http://schemas.microsoft.com/office/powerpoint/2012/main" xmlns:ahyp="http://schemas.microsoft.com/office/drawing/2018/hyperlinkcolor">
+  <p:cSld>
+    <p:spTree>
+      <p:nvGrpSpPr>
+        <p:cNvPr id="246" name="Shape 246"/>
+        <p:cNvGrpSpPr/>
+        <p:nvPr/>
+      </p:nvGrpSpPr>
+      <p:grpSpPr>
+        <a:xfrm>
+          <a:off x="0" y="0"/>
+          <a:ext cx="0" cy="0"/>
+          <a:chOff x="0" y="0"/>
+          <a:chExt cx="0" cy="0"/>
+        </a:xfrm>
+      </p:grpSpPr>
+      <p:sp>
+        <p:nvSpPr>
+          <p:cNvPr id="247" name="Google Shape;247;p35"/>
+          <p:cNvSpPr txBox="1"/>
+          <p:nvPr>
+            <p:ph type="title"/>
+          </p:nvPr>
+        </p:nvSpPr>
+        <p:spPr>
+          <a:xfrm>
+            <a:off x="729450" y="1318650"/>
+            <a:ext cx="7688700" cy="535200"/>
+          </a:xfrm>
+          <a:prstGeom prst="rect">
+            <a:avLst/>
+          </a:prstGeom>
+        </p:spPr>
+        <p:txBody>
+          <a:bodyPr anchorCtr="0" anchor="t" bIns="91425" lIns="91425" spcFirstLastPara="1" rIns="91425" wrap="square" tIns="91425">
+            <a:noAutofit/>
+          </a:bodyPr>
+          <a:lstStyle/>
+          <a:p>
+            <a:pPr indent="0" lvl="0" marL="0" rtl="0" algn="l">
+              <a:spcBef>
+                <a:spcPts val="0"/>
+              </a:spcBef>
+              <a:spcAft>
+                <a:spcPts val="0"/>
+              </a:spcAft>
+              <a:buClr>
+                <a:schemeClr val="dk1"/>
+              </a:buClr>
+              <a:buSzPts val="1100"/>
+              <a:buFont typeface="Arial"/>
+              <a:buNone/>
+            </a:pPr>
+            <a:r>
+              <a:rPr lang="zh-TW" sz="3000">
+                <a:latin typeface="Arial"/>
+                <a:ea typeface="Arial"/>
+                <a:cs typeface="Arial"/>
+                <a:sym typeface="Arial"/>
+              </a:rPr>
+              <a:t>MSMARCO Models</a:t>
+            </a:r>
+            <a:endParaRPr sz="3000">
+              <a:latin typeface="Arial"/>
+              <a:ea typeface="Arial"/>
+              <a:cs typeface="Arial"/>
+              <a:sym typeface="Arial"/>
+            </a:endParaRPr>
+          </a:p>
+        </p:txBody>
+      </p:sp>
+      <p:graphicFrame>
+        <p:nvGraphicFramePr>
+          <p:cNvPr id="248" name="Google Shape;248;p35"/>
+          <p:cNvGraphicFramePr/>
+          <p:nvPr/>
+        </p:nvGraphicFramePr>
+        <p:xfrm>
+          <a:off x="729438" y="2174610"/>
+          <a:ext cx="3000000" cy="3000000"/>
+        </p:xfrm>
+        <a:graphic>
+          <a:graphicData uri="http://schemas.openxmlformats.org/drawingml/2006/table">
+            <a:tbl>
+              <a:tblPr>
+                <a:noFill/>
+                <a:tableStyleId>{41640873-F8D4-4445-B392-D0BC1EA1FC77}</a:tableStyleId>
+              </a:tblPr>
+              <a:tblGrid>
+                <a:gridCol w="382850"/>
+                <a:gridCol w="4427975"/>
+                <a:gridCol w="3056300"/>
+              </a:tblGrid>
+              <a:tr h="281175">
+                <a:tc>
+                  <a:txBody>
+                    <a:bodyPr/>
+                    <a:lstStyle/>
+                    <a:p>
+                      <a:pPr indent="0" lvl="0" marL="0" rtl="0" algn="l">
+                        <a:spcBef>
+                          <a:spcPts val="0"/>
+                        </a:spcBef>
+                        <a:spcAft>
+                          <a:spcPts val="0"/>
+                        </a:spcAft>
+                        <a:buNone/>
+                      </a:pPr>
+                      <a:r>
+                        <a:rPr b="1" lang="zh-TW" sz="1200"/>
+                        <a:t>#</a:t>
+                      </a:r>
+                      <a:endParaRPr b="1" sz="1200"/>
+                    </a:p>
+                  </a:txBody>
+                  <a:tcPr marT="91425" marB="91425" marR="91425" marL="91425"/>
+                </a:tc>
+                <a:tc>
+                  <a:txBody>
+                    <a:bodyPr/>
+                    <a:lstStyle/>
+                    <a:p>
+                      <a:pPr indent="0" lvl="0" marL="0" rtl="0" algn="l">
+                        <a:spcBef>
+                          <a:spcPts val="0"/>
+                        </a:spcBef>
+                        <a:spcAft>
+                          <a:spcPts val="0"/>
+                        </a:spcAft>
+                        <a:buNone/>
+                      </a:pPr>
+                      <a:r>
+                        <a:rPr b="1" lang="zh-TW" sz="1200"/>
+                        <a:t>Model</a:t>
+                      </a:r>
+                      <a:endParaRPr b="1" sz="1200"/>
+                    </a:p>
+                  </a:txBody>
+                  <a:tcPr marT="91425" marB="91425" marR="91425" marL="91425"/>
+                </a:tc>
+                <a:tc>
+                  <a:txBody>
+                    <a:bodyPr/>
+                    <a:lstStyle/>
+                    <a:p>
+                      <a:pPr indent="0" lvl="0" marL="0" rtl="0" algn="l">
+                        <a:spcBef>
+                          <a:spcPts val="0"/>
+                        </a:spcBef>
+                        <a:spcAft>
+                          <a:spcPts val="0"/>
+                        </a:spcAft>
+                        <a:buNone/>
+                      </a:pPr>
+                      <a:r>
+                        <a:rPr b="1" lang="zh-TW" sz="1200"/>
+                        <a:t>Score(MAP@1000)</a:t>
+                      </a:r>
+                      <a:endParaRPr b="1" sz="1200"/>
+                    </a:p>
+                  </a:txBody>
+                  <a:tcPr marT="91425" marB="91425" marR="91425" marL="91425">
+                    <a:lnB cap="flat" cmpd="sng" w="9525">
+                      <a:solidFill>
+                        <a:srgbClr val="9E9E9E"/>
+                      </a:solidFill>
+                      <a:prstDash val="solid"/>
+                      <a:round/>
+                      <a:headEnd len="sm" w="sm" type="none"/>
+                      <a:tailEnd len="sm" w="sm" type="none"/>
+                    </a:lnB>
+                  </a:tcPr>
+                </a:tc>
+              </a:tr>
+              <a:tr h="281175">
+                <a:tc>
+                  <a:txBody>
+                    <a:bodyPr/>
+                    <a:lstStyle/>
+                    <a:p>
+                      <a:pPr indent="0" lvl="0" marL="0" rtl="0" algn="l">
+                        <a:spcBef>
+                          <a:spcPts val="0"/>
+                        </a:spcBef>
+                        <a:spcAft>
+                          <a:spcPts val="0"/>
+                        </a:spcAft>
+                        <a:buNone/>
+                      </a:pPr>
+                      <a:r>
+                        <a:rPr lang="zh-TW" sz="1200">
+                          <a:solidFill>
+                            <a:schemeClr val="dk2"/>
+                          </a:solidFill>
+                        </a:rPr>
+                        <a:t>1</a:t>
+                      </a:r>
+                      <a:endParaRPr sz="1200">
+                        <a:solidFill>
+                          <a:schemeClr val="dk2"/>
+                        </a:solidFill>
+                      </a:endParaRPr>
+                    </a:p>
+                  </a:txBody>
+                  <a:tcPr marT="91425" marB="91425" marR="91425" marL="91425">
+                    <a:lnR cap="flat" cmpd="sng" w="9525">
+                      <a:solidFill>
+                        <a:srgbClr val="9E9E9E"/>
+                      </a:solidFill>
+                      <a:prstDash val="solid"/>
+                      <a:round/>
+                      <a:headEnd len="sm" w="sm" type="none"/>
+                      <a:tailEnd len="sm" w="sm" type="none"/>
+                    </a:lnR>
+                  </a:tcPr>
+                </a:tc>
+                <a:tc>
+                  <a:txBody>
+                    <a:bodyPr/>
+                    <a:lstStyle/>
+                    <a:p>
+                      <a:pPr indent="0" lvl="0" marL="0" rtl="0" algn="l">
+                        <a:spcBef>
+                          <a:spcPts val="0"/>
+                        </a:spcBef>
+                        <a:spcAft>
+                          <a:spcPts val="0"/>
+                        </a:spcAft>
+                        <a:buNone/>
+                      </a:pPr>
+                      <a:r>
+                        <a:rPr lang="zh-TW" sz="1200">
+                          <a:solidFill>
+                            <a:schemeClr val="dk2"/>
+                          </a:solidFill>
+                        </a:rPr>
+                        <a:t>bm25</a:t>
+                      </a:r>
+                      <a:r>
+                        <a:rPr lang="zh-TW" sz="1200">
+                          <a:solidFill>
+                            <a:schemeClr val="dk2"/>
+                          </a:solidFill>
+                        </a:rPr>
+                        <a:t>(baseline)</a:t>
+                      </a:r>
+                      <a:endParaRPr sz="1200">
+                        <a:solidFill>
+                          <a:schemeClr val="dk2"/>
+                        </a:solidFill>
+                      </a:endParaRPr>
+                    </a:p>
+                  </a:txBody>
+                  <a:tcPr marT="91425" marB="91425" marR="91425" marL="91425">
+                    <a:lnL cap="flat" cmpd="sng" w="9525">
+                      <a:solidFill>
+                        <a:srgbClr val="9E9E9E"/>
+                      </a:solidFill>
+                      <a:prstDash val="solid"/>
+                      <a:round/>
+                      <a:headEnd len="sm" w="sm" type="none"/>
+                      <a:tailEnd len="sm" w="sm" type="none"/>
+                    </a:lnL>
+                    <a:lnR cap="flat" cmpd="sng" w="9525">
+                      <a:solidFill>
+                        <a:srgbClr val="9E9E9E"/>
+                      </a:solidFill>
+                      <a:prstDash val="solid"/>
+                      <a:round/>
+                      <a:headEnd len="sm" w="sm" type="none"/>
+                      <a:tailEnd len="sm" w="sm" type="none"/>
+                    </a:lnR>
+                  </a:tcPr>
+                </a:tc>
+                <a:tc>
+                  <a:txBody>
+                    <a:bodyPr/>
+                    <a:lstStyle/>
+                    <a:p>
+                      <a:pPr indent="0" lvl="0" marL="0" rtl="0" algn="l">
+                        <a:spcBef>
+                          <a:spcPts val="0"/>
+                        </a:spcBef>
+                        <a:spcAft>
+                          <a:spcPts val="0"/>
+                        </a:spcAft>
+                        <a:buNone/>
+                      </a:pPr>
+                      <a:r>
+                        <a:rPr lang="zh-TW" sz="1200">
+                          <a:solidFill>
+                            <a:schemeClr val="dk2"/>
+                          </a:solidFill>
+                        </a:rPr>
+                        <a:t>0.12912</a:t>
+                      </a:r>
+                      <a:endParaRPr sz="1200">
+                        <a:solidFill>
+                          <a:schemeClr val="dk2"/>
+                        </a:solidFill>
+                      </a:endParaRPr>
+                    </a:p>
+                  </a:txBody>
+                  <a:tcPr marT="91425" marB="91425" marR="91425" marL="91425">
+                    <a:lnL cap="flat" cmpd="sng" w="9525">
+                      <a:solidFill>
+                        <a:srgbClr val="9E9E9E"/>
+                      </a:solidFill>
+                      <a:prstDash val="solid"/>
+                      <a:round/>
+                      <a:headEnd len="sm" w="sm" type="none"/>
+                      <a:tailEnd len="sm" w="sm" type="none"/>
+                    </a:lnL>
+                    <a:lnR cap="flat" cmpd="sng" w="9525">
+                      <a:solidFill>
+                        <a:srgbClr val="9E9E9E"/>
+                      </a:solidFill>
+                      <a:prstDash val="solid"/>
+                      <a:round/>
+                      <a:headEnd len="sm" w="sm" type="none"/>
+                      <a:tailEnd len="sm" w="sm" type="none"/>
+                    </a:lnR>
+                    <a:lnT cap="flat" cmpd="sng" w="9525">
+                      <a:solidFill>
+                        <a:srgbClr val="9E9E9E"/>
+                      </a:solidFill>
+                      <a:prstDash val="solid"/>
+                      <a:round/>
+                      <a:headEnd len="sm" w="sm" type="none"/>
+                      <a:tailEnd len="sm" w="sm" type="none"/>
+                    </a:lnT>
+                    <a:lnB cap="flat" cmpd="sng" w="9525">
+                      <a:solidFill>
+                        <a:srgbClr val="9E9E9E"/>
+                      </a:solidFill>
+                      <a:prstDash val="solid"/>
+                      <a:round/>
+                      <a:headEnd len="sm" w="sm" type="none"/>
+                      <a:tailEnd len="sm" w="sm" type="none"/>
+                    </a:lnB>
+                  </a:tcPr>
+                </a:tc>
+              </a:tr>
+              <a:tr h="281175">
+                <a:tc>
+                  <a:txBody>
+                    <a:bodyPr/>
+                    <a:lstStyle/>
+                    <a:p>
+                      <a:pPr indent="0" lvl="0" marL="0" rtl="0" algn="l">
+                        <a:spcBef>
+                          <a:spcPts val="0"/>
+                        </a:spcBef>
+                        <a:spcAft>
+                          <a:spcPts val="0"/>
+                        </a:spcAft>
+                        <a:buNone/>
+                      </a:pPr>
+                      <a:r>
+                        <a:rPr lang="zh-TW" sz="1200">
+                          <a:solidFill>
+                            <a:schemeClr val="dk2"/>
+                          </a:solidFill>
+                        </a:rPr>
+                        <a:t>2</a:t>
+                      </a:r>
+                      <a:endParaRPr sz="1200">
+                        <a:solidFill>
+                          <a:schemeClr val="dk2"/>
+                        </a:solidFill>
+                      </a:endParaRPr>
+                    </a:p>
+                  </a:txBody>
+                  <a:tcPr marT="91425" marB="91425" marR="91425" marL="91425">
+                    <a:lnB cap="flat" cmpd="sng" w="9525">
+                      <a:solidFill>
+                        <a:srgbClr val="9E9E9E"/>
+                      </a:solidFill>
+                      <a:prstDash val="solid"/>
+                      <a:round/>
+                      <a:headEnd len="sm" w="sm" type="none"/>
+                      <a:tailEnd len="sm" w="sm" type="none"/>
+                    </a:lnB>
+                  </a:tcPr>
+                </a:tc>
+                <a:tc>
+                  <a:txBody>
+                    <a:bodyPr/>
+                    <a:lstStyle/>
+                    <a:p>
+                      <a:pPr indent="0" lvl="0" marL="0" rtl="0" algn="l">
+                        <a:spcBef>
+                          <a:spcPts val="0"/>
+                        </a:spcBef>
+                        <a:spcAft>
+                          <a:spcPts val="0"/>
+                        </a:spcAft>
+                        <a:buNone/>
+                      </a:pPr>
+                      <a:r>
+                        <a:rPr lang="zh-TW" sz="1200">
+                          <a:solidFill>
+                            <a:schemeClr val="dk2"/>
+                          </a:solidFill>
+                        </a:rPr>
+                        <a:t>msmarco-distilbert-base-tas-b-base</a:t>
+                      </a:r>
+                      <a:endParaRPr sz="1200">
+                        <a:solidFill>
+                          <a:schemeClr val="dk2"/>
+                        </a:solidFill>
+                      </a:endParaRPr>
+                    </a:p>
+                  </a:txBody>
+                  <a:tcPr marT="91425" marB="91425" marR="91425" marL="91425">
+                    <a:lnB cap="flat" cmpd="sng" w="9525">
+                      <a:solidFill>
+                        <a:srgbClr val="9E9E9E"/>
+                      </a:solidFill>
+                      <a:prstDash val="solid"/>
+                      <a:round/>
+                      <a:headEnd len="sm" w="sm" type="none"/>
+                      <a:tailEnd len="sm" w="sm" type="none"/>
+                    </a:lnB>
+                  </a:tcPr>
+                </a:tc>
+                <a:tc>
+                  <a:txBody>
+                    <a:bodyPr/>
+                    <a:lstStyle/>
+                    <a:p>
+                      <a:pPr indent="0" lvl="0" marL="0" rtl="0" algn="l">
+                        <a:spcBef>
+                          <a:spcPts val="0"/>
+                        </a:spcBef>
+                        <a:spcAft>
+                          <a:spcPts val="0"/>
+                        </a:spcAft>
+                        <a:buNone/>
+                      </a:pPr>
+                      <a:r>
+                        <a:rPr lang="zh-TW" sz="1200">
+                          <a:solidFill>
+                            <a:schemeClr val="dk2"/>
+                          </a:solidFill>
+                        </a:rPr>
+                        <a:t>0.15441</a:t>
+                      </a:r>
+                      <a:endParaRPr sz="1200">
+                        <a:solidFill>
+                          <a:schemeClr val="dk2"/>
+                        </a:solidFill>
+                      </a:endParaRPr>
+                    </a:p>
+                  </a:txBody>
+                  <a:tcPr marT="91425" marB="91425" marR="91425" marL="91425">
+                    <a:lnT cap="flat" cmpd="sng" w="9525">
+                      <a:solidFill>
+                        <a:srgbClr val="9E9E9E"/>
+                      </a:solidFill>
+                      <a:prstDash val="solid"/>
+                      <a:round/>
+                      <a:headEnd len="sm" w="sm" type="none"/>
+                      <a:tailEnd len="sm" w="sm" type="none"/>
+                    </a:lnT>
+                    <a:lnB cap="flat" cmpd="sng" w="9525">
+                      <a:solidFill>
+                        <a:srgbClr val="9E9E9E"/>
+                      </a:solidFill>
+                      <a:prstDash val="solid"/>
+                      <a:round/>
+                      <a:headEnd len="sm" w="sm" type="none"/>
+                      <a:tailEnd len="sm" w="sm" type="none"/>
+                    </a:lnB>
+                  </a:tcPr>
+                </a:tc>
+              </a:tr>
+              <a:tr h="281175">
+                <a:tc>
+                  <a:txBody>
+                    <a:bodyPr/>
+                    <a:lstStyle/>
+                    <a:p>
+                      <a:pPr indent="0" lvl="0" marL="0" rtl="0" algn="l">
+                        <a:spcBef>
+                          <a:spcPts val="0"/>
+                        </a:spcBef>
+                        <a:spcAft>
+                          <a:spcPts val="0"/>
+                        </a:spcAft>
+                        <a:buNone/>
+                      </a:pPr>
+                      <a:r>
+                        <a:rPr lang="zh-TW" sz="1200">
+                          <a:solidFill>
+                            <a:schemeClr val="dk2"/>
+                          </a:solidFill>
+                        </a:rPr>
+                        <a:t>3</a:t>
+                      </a:r>
+                      <a:endParaRPr sz="1200">
+                        <a:solidFill>
+                          <a:schemeClr val="dk2"/>
+                        </a:solidFill>
+                      </a:endParaRPr>
+                    </a:p>
+                  </a:txBody>
+                  <a:tcPr marT="91425" marB="91425" marR="91425" marL="91425">
+                    <a:lnT cap="flat" cmpd="sng" w="9525">
+                      <a:solidFill>
+                        <a:srgbClr val="9E9E9E"/>
+                      </a:solidFill>
+                      <a:prstDash val="solid"/>
+                      <a:round/>
+                      <a:headEnd len="sm" w="sm" type="none"/>
+                      <a:tailEnd len="sm" w="sm" type="none"/>
+                    </a:lnT>
+                    <a:lnB cap="flat" cmpd="sng" w="9525">
+                      <a:solidFill>
+                        <a:srgbClr val="9E9E9E"/>
+                      </a:solidFill>
+                      <a:prstDash val="solid"/>
+                      <a:round/>
+                      <a:headEnd len="sm" w="sm" type="none"/>
+                      <a:tailEnd len="sm" w="sm" type="none"/>
+                    </a:lnB>
+                  </a:tcPr>
+                </a:tc>
+                <a:tc>
+                  <a:txBody>
+                    <a:bodyPr/>
+                    <a:lstStyle/>
+                    <a:p>
+                      <a:pPr indent="0" lvl="0" marL="0" rtl="0" algn="l">
+                        <a:spcBef>
+                          <a:spcPts val="0"/>
+                        </a:spcBef>
+                        <a:spcAft>
+                          <a:spcPts val="0"/>
+                        </a:spcAft>
+                        <a:buNone/>
+                      </a:pPr>
+                      <a:r>
+                        <a:rPr lang="zh-TW" sz="1200">
+                          <a:solidFill>
+                            <a:schemeClr val="dk2"/>
+                          </a:solidFill>
+                        </a:rPr>
+                        <a:t>msmarco-distilbert-base-tas-b-slim(1)</a:t>
+                      </a:r>
+                      <a:endParaRPr sz="1200">
+                        <a:solidFill>
+                          <a:schemeClr val="dk2"/>
+                        </a:solidFill>
+                      </a:endParaRPr>
+                    </a:p>
+                  </a:txBody>
+                  <a:tcPr marT="91425" marB="91425" marR="91425" marL="91425">
+                    <a:lnT cap="flat" cmpd="sng" w="9525">
+                      <a:solidFill>
+                        <a:srgbClr val="9E9E9E"/>
+                      </a:solidFill>
+                      <a:prstDash val="solid"/>
+                      <a:round/>
+                      <a:headEnd len="sm" w="sm" type="none"/>
+                      <a:tailEnd len="sm" w="sm" type="none"/>
+                    </a:lnT>
+                    <a:lnB cap="flat" cmpd="sng" w="9525">
+                      <a:solidFill>
+                        <a:srgbClr val="9E9E9E"/>
+                      </a:solidFill>
+                      <a:prstDash val="solid"/>
+                      <a:round/>
+                      <a:headEnd len="sm" w="sm" type="none"/>
+                      <a:tailEnd len="sm" w="sm" type="none"/>
+                    </a:lnB>
+                  </a:tcPr>
+                </a:tc>
+                <a:tc>
+                  <a:txBody>
+                    <a:bodyPr/>
+                    <a:lstStyle/>
+                    <a:p>
+                      <a:pPr indent="0" lvl="0" marL="0" rtl="0" algn="l">
+                        <a:spcBef>
+                          <a:spcPts val="0"/>
+                        </a:spcBef>
+                        <a:spcAft>
+                          <a:spcPts val="0"/>
+                        </a:spcAft>
+                        <a:buNone/>
+                      </a:pPr>
+                      <a:r>
+                        <a:rPr lang="zh-TW" sz="1200">
+                          <a:solidFill>
+                            <a:schemeClr val="dk2"/>
+                          </a:solidFill>
+                        </a:rPr>
+                        <a:t>0.15441</a:t>
+                      </a:r>
+                      <a:endParaRPr sz="1200">
+                        <a:solidFill>
+                          <a:schemeClr val="dk2"/>
+                        </a:solidFill>
+                      </a:endParaRPr>
+                    </a:p>
+                  </a:txBody>
+                  <a:tcPr marT="91425" marB="91425" marR="91425" marL="91425">
+                    <a:lnT cap="flat" cmpd="sng" w="9525">
+                      <a:solidFill>
+                        <a:srgbClr val="9E9E9E"/>
+                      </a:solidFill>
+                      <a:prstDash val="solid"/>
+                      <a:round/>
+                      <a:headEnd len="sm" w="sm" type="none"/>
+                      <a:tailEnd len="sm" w="sm" type="none"/>
+                    </a:lnT>
+                    <a:lnB cap="flat" cmpd="sng" w="9525">
+                      <a:solidFill>
+                        <a:srgbClr val="9E9E9E"/>
+                      </a:solidFill>
+                      <a:prstDash val="solid"/>
+                      <a:round/>
+                      <a:headEnd len="sm" w="sm" type="none"/>
+                      <a:tailEnd len="sm" w="sm" type="none"/>
+                    </a:lnB>
+                  </a:tcPr>
+                </a:tc>
+              </a:tr>
+              <a:tr h="281175">
+                <a:tc>
+                  <a:txBody>
+                    <a:bodyPr/>
+                    <a:lstStyle/>
+                    <a:p>
+                      <a:pPr indent="0" lvl="0" marL="0" rtl="0" algn="l">
+                        <a:spcBef>
+                          <a:spcPts val="0"/>
+                        </a:spcBef>
+                        <a:spcAft>
+                          <a:spcPts val="0"/>
+                        </a:spcAft>
+                        <a:buNone/>
+                      </a:pPr>
+                      <a:r>
+                        <a:rPr lang="zh-TW" sz="1200">
+                          <a:solidFill>
+                            <a:schemeClr val="dk2"/>
+                          </a:solidFill>
+                        </a:rPr>
+                        <a:t>4</a:t>
+                      </a:r>
+                      <a:endParaRPr sz="1200">
+                        <a:solidFill>
+                          <a:schemeClr val="dk2"/>
+                        </a:solidFill>
+                      </a:endParaRPr>
+                    </a:p>
+                  </a:txBody>
+                  <a:tcPr marT="91425" marB="91425" marR="91425" marL="91425">
+                    <a:lnT cap="flat" cmpd="sng" w="9525">
+                      <a:solidFill>
+                        <a:srgbClr val="9E9E9E"/>
+                      </a:solidFill>
+                      <a:prstDash val="solid"/>
+                      <a:round/>
+                      <a:headEnd len="sm" w="sm" type="none"/>
+                      <a:tailEnd len="sm" w="sm" type="none"/>
+                    </a:lnT>
+                    <a:lnB cap="flat" cmpd="sng" w="9525">
+                      <a:solidFill>
+                        <a:srgbClr val="9E9E9E"/>
+                      </a:solidFill>
+                      <a:prstDash val="solid"/>
+                      <a:round/>
+                      <a:headEnd len="sm" w="sm" type="none"/>
+                      <a:tailEnd len="sm" w="sm" type="none"/>
+                    </a:lnB>
+                  </a:tcPr>
+                </a:tc>
+                <a:tc>
+                  <a:txBody>
+                    <a:bodyPr/>
+                    <a:lstStyle/>
+                    <a:p>
+                      <a:pPr indent="0" lvl="0" marL="0" rtl="0" algn="l">
+                        <a:spcBef>
+                          <a:spcPts val="0"/>
+                        </a:spcBef>
+                        <a:spcAft>
+                          <a:spcPts val="0"/>
+                        </a:spcAft>
+                        <a:buClr>
+                          <a:schemeClr val="dk1"/>
+                        </a:buClr>
+                        <a:buSzPts val="1100"/>
+                        <a:buFont typeface="Arial"/>
+                        <a:buNone/>
+                      </a:pPr>
+                      <a:r>
+                        <a:rPr lang="zh-TW" sz="1200">
+                          <a:solidFill>
+                            <a:schemeClr val="dk2"/>
+                          </a:solidFill>
+                        </a:rPr>
+                        <a:t>msmarco-distilbert-base-tas-b-slim(1 &amp; 3)</a:t>
+                      </a:r>
+                      <a:endParaRPr sz="1200">
+                        <a:solidFill>
+                          <a:schemeClr val="dk2"/>
+                        </a:solidFill>
+                      </a:endParaRPr>
+                    </a:p>
+                  </a:txBody>
+                  <a:tcPr marT="91425" marB="91425" marR="91425" marL="91425">
+                    <a:lnT cap="flat" cmpd="sng" w="9525">
+                      <a:solidFill>
+                        <a:srgbClr val="9E9E9E"/>
+                      </a:solidFill>
+                      <a:prstDash val="solid"/>
+                      <a:round/>
+                      <a:headEnd len="sm" w="sm" type="none"/>
+                      <a:tailEnd len="sm" w="sm" type="none"/>
+                    </a:lnT>
+                    <a:lnB cap="flat" cmpd="sng" w="9525">
+                      <a:solidFill>
+                        <a:srgbClr val="9E9E9E"/>
+                      </a:solidFill>
+                      <a:prstDash val="solid"/>
+                      <a:round/>
+                      <a:headEnd len="sm" w="sm" type="none"/>
+                      <a:tailEnd len="sm" w="sm" type="none"/>
+                    </a:lnB>
+                  </a:tcPr>
+                </a:tc>
+                <a:tc>
+                  <a:txBody>
+                    <a:bodyPr/>
+                    <a:lstStyle/>
+                    <a:p>
+                      <a:pPr indent="0" lvl="0" marL="0" rtl="0" algn="l">
+                        <a:spcBef>
+                          <a:spcPts val="0"/>
+                        </a:spcBef>
+                        <a:spcAft>
+                          <a:spcPts val="0"/>
+                        </a:spcAft>
+                        <a:buClr>
+                          <a:schemeClr val="dk1"/>
+                        </a:buClr>
+                        <a:buSzPts val="1100"/>
+                        <a:buFont typeface="Arial"/>
+                        <a:buNone/>
+                      </a:pPr>
+                      <a:r>
+                        <a:rPr lang="zh-TW" sz="1200">
+                          <a:solidFill>
+                            <a:srgbClr val="FF0000"/>
+                          </a:solidFill>
+                        </a:rPr>
+                        <a:t>0.15606</a:t>
+                      </a:r>
+                      <a:endParaRPr sz="1200">
+                        <a:solidFill>
+                          <a:srgbClr val="FF0000"/>
+                        </a:solidFill>
+                      </a:endParaRPr>
+                    </a:p>
+                  </a:txBody>
+                  <a:tcPr marT="91425" marB="91425" marR="91425" marL="91425">
+                    <a:lnT cap="flat" cmpd="sng" w="9525">
+                      <a:solidFill>
+                        <a:srgbClr val="9E9E9E"/>
+                      </a:solidFill>
+                      <a:prstDash val="solid"/>
+                      <a:round/>
+                      <a:headEnd len="sm" w="sm" type="none"/>
+                      <a:tailEnd len="sm" w="sm" type="none"/>
+                    </a:lnT>
+                    <a:lnB cap="flat" cmpd="sng" w="9525">
+                      <a:solidFill>
+                        <a:srgbClr val="9E9E9E"/>
+                      </a:solidFill>
+                      <a:prstDash val="solid"/>
+                      <a:round/>
+                      <a:headEnd len="sm" w="sm" type="none"/>
+                      <a:tailEnd len="sm" w="sm" type="none"/>
+                    </a:lnB>
+                  </a:tcPr>
+                </a:tc>
+              </a:tr>
+              <a:tr h="281175">
+                <a:tc>
+                  <a:txBody>
+                    <a:bodyPr/>
+                    <a:lstStyle/>
+                    <a:p>
+                      <a:pPr indent="0" lvl="0" marL="0" rtl="0" algn="l">
+                        <a:spcBef>
+                          <a:spcPts val="0"/>
+                        </a:spcBef>
+                        <a:spcAft>
+                          <a:spcPts val="0"/>
+                        </a:spcAft>
+                        <a:buNone/>
+                      </a:pPr>
+                      <a:r>
+                        <a:rPr lang="zh-TW" sz="1200">
+                          <a:solidFill>
+                            <a:schemeClr val="dk2"/>
+                          </a:solidFill>
+                        </a:rPr>
+                        <a:t>5</a:t>
+                      </a:r>
+                      <a:endParaRPr sz="1200">
+                        <a:solidFill>
+                          <a:schemeClr val="dk2"/>
+                        </a:solidFill>
+                      </a:endParaRPr>
+                    </a:p>
+                  </a:txBody>
+                  <a:tcPr marT="91425" marB="91425" marR="91425" marL="91425">
+                    <a:lnL cap="flat" cmpd="sng" w="9525">
+                      <a:solidFill>
+                        <a:srgbClr val="9E9E9E"/>
+                      </a:solidFill>
+                      <a:prstDash val="solid"/>
+                      <a:round/>
+                      <a:headEnd len="sm" w="sm" type="none"/>
+                      <a:tailEnd len="sm" w="sm" type="none"/>
+                    </a:lnL>
+                    <a:lnR cap="flat" cmpd="sng" w="9525">
+                      <a:solidFill>
+                        <a:srgbClr val="9E9E9E"/>
+                      </a:solidFill>
+                      <a:prstDash val="solid"/>
+                      <a:round/>
+                      <a:headEnd len="sm" w="sm" type="none"/>
+                      <a:tailEnd len="sm" w="sm" type="none"/>
+                    </a:lnR>
+                    <a:lnT cap="flat" cmpd="sng" w="9525">
+                      <a:solidFill>
+                        <a:srgbClr val="9E9E9E"/>
+                      </a:solidFill>
+                      <a:prstDash val="solid"/>
+                      <a:round/>
+                      <a:headEnd len="sm" w="sm" type="none"/>
+                      <a:tailEnd len="sm" w="sm" type="none"/>
+                    </a:lnT>
+                    <a:lnB cap="flat" cmpd="sng" w="9525">
+                      <a:solidFill>
+                        <a:srgbClr val="9E9E9E"/>
+                      </a:solidFill>
+                      <a:prstDash val="solid"/>
+                      <a:round/>
+                      <a:headEnd len="sm" w="sm" type="none"/>
+                      <a:tailEnd len="sm" w="sm" type="none"/>
+                    </a:lnB>
+                  </a:tcPr>
+                </a:tc>
+                <a:tc>
+                  <a:txBody>
+                    <a:bodyPr/>
+                    <a:lstStyle/>
+                    <a:p>
+                      <a:pPr indent="0" lvl="0" marL="0" rtl="0" algn="l">
+                        <a:spcBef>
+                          <a:spcPts val="0"/>
+                        </a:spcBef>
+                        <a:spcAft>
+                          <a:spcPts val="0"/>
+                        </a:spcAft>
+                        <a:buClr>
+                          <a:schemeClr val="dk1"/>
+                        </a:buClr>
+                        <a:buSzPts val="1100"/>
+                        <a:buFont typeface="Arial"/>
+                        <a:buNone/>
+                      </a:pPr>
+                      <a:r>
+                        <a:rPr lang="zh-TW" sz="1200">
+                          <a:solidFill>
+                            <a:schemeClr val="dk2"/>
+                          </a:solidFill>
+                        </a:rPr>
+                        <a:t>msmarco-distilbert-base-tas-b-slim(1 &amp; 2 &amp; 3)</a:t>
+                      </a:r>
+                      <a:endParaRPr sz="1200">
+                        <a:solidFill>
+                          <a:schemeClr val="dk2"/>
+                        </a:solidFill>
+                      </a:endParaRPr>
+                    </a:p>
+                  </a:txBody>
+                  <a:tcPr marT="91425" marB="91425" marR="91425" marL="91425">
+                    <a:lnL cap="flat" cmpd="sng" w="9525">
+                      <a:solidFill>
+                        <a:srgbClr val="9E9E9E"/>
+                      </a:solidFill>
+                      <a:prstDash val="solid"/>
+                      <a:round/>
+                      <a:headEnd len="sm" w="sm" type="none"/>
+                      <a:tailEnd len="sm" w="sm" type="none"/>
+                    </a:lnL>
+                    <a:lnR cap="flat" cmpd="sng" w="9525">
+                      <a:solidFill>
+                        <a:srgbClr val="9E9E9E"/>
+                      </a:solidFill>
+                      <a:prstDash val="solid"/>
+                      <a:round/>
+                      <a:headEnd len="sm" w="sm" type="none"/>
+                      <a:tailEnd len="sm" w="sm" type="none"/>
+                    </a:lnR>
+                    <a:lnT cap="flat" cmpd="sng" w="9525">
+                      <a:solidFill>
+                        <a:srgbClr val="9E9E9E"/>
+                      </a:solidFill>
+                      <a:prstDash val="solid"/>
+                      <a:round/>
+                      <a:headEnd len="sm" w="sm" type="none"/>
+                      <a:tailEnd len="sm" w="sm" type="none"/>
+                    </a:lnT>
+                    <a:lnB cap="flat" cmpd="sng" w="9525">
+                      <a:solidFill>
+                        <a:srgbClr val="9E9E9E"/>
+                      </a:solidFill>
+                      <a:prstDash val="solid"/>
+                      <a:round/>
+                      <a:headEnd len="sm" w="sm" type="none"/>
+                      <a:tailEnd len="sm" w="sm" type="none"/>
+                    </a:lnB>
+                  </a:tcPr>
+                </a:tc>
+                <a:tc>
+                  <a:txBody>
+                    <a:bodyPr/>
+                    <a:lstStyle/>
+                    <a:p>
+                      <a:pPr indent="0" lvl="0" marL="0" rtl="0" algn="l">
+                        <a:spcBef>
+                          <a:spcPts val="0"/>
+                        </a:spcBef>
+                        <a:spcAft>
+                          <a:spcPts val="0"/>
+                        </a:spcAft>
+                        <a:buClr>
+                          <a:schemeClr val="dk1"/>
+                        </a:buClr>
+                        <a:buSzPts val="1100"/>
+                        <a:buFont typeface="Arial"/>
+                        <a:buNone/>
+                      </a:pPr>
+                      <a:r>
+                        <a:rPr lang="zh-TW" sz="1200">
+                          <a:solidFill>
+                            <a:schemeClr val="dk2"/>
+                          </a:solidFill>
+                        </a:rPr>
+                        <a:t>0.15281</a:t>
+                      </a:r>
+                      <a:endParaRPr sz="1200">
+                        <a:solidFill>
+                          <a:schemeClr val="dk2"/>
+                        </a:solidFill>
+                      </a:endParaRPr>
+                    </a:p>
+                  </a:txBody>
+                  <a:tcPr marT="91425" marB="91425" marR="91425" marL="91425">
+                    <a:lnL cap="flat" cmpd="sng" w="9525">
+                      <a:solidFill>
+                        <a:srgbClr val="9E9E9E"/>
+                      </a:solidFill>
+                      <a:prstDash val="solid"/>
+                      <a:round/>
+                      <a:headEnd len="sm" w="sm" type="none"/>
+                      <a:tailEnd len="sm" w="sm" type="none"/>
+                    </a:lnL>
+                    <a:lnR cap="flat" cmpd="sng" w="9525">
+                      <a:solidFill>
+                        <a:srgbClr val="9E9E9E"/>
+                      </a:solidFill>
+                      <a:prstDash val="solid"/>
+                      <a:round/>
+                      <a:headEnd len="sm" w="sm" type="none"/>
+                      <a:tailEnd len="sm" w="sm" type="none"/>
+                    </a:lnR>
+                    <a:lnT cap="flat" cmpd="sng" w="9525">
+                      <a:solidFill>
+                        <a:srgbClr val="9E9E9E"/>
+                      </a:solidFill>
+                      <a:prstDash val="solid"/>
+                      <a:round/>
+                      <a:headEnd len="sm" w="sm" type="none"/>
+                      <a:tailEnd len="sm" w="sm" type="none"/>
+                    </a:lnT>
+                    <a:lnB cap="flat" cmpd="sng" w="9525">
+                      <a:solidFill>
+                        <a:srgbClr val="9E9E9E"/>
+                      </a:solidFill>
+                      <a:prstDash val="solid"/>
+                      <a:round/>
+                      <a:headEnd len="sm" w="sm" type="none"/>
+                      <a:tailEnd len="sm" w="sm" type="none"/>
+                    </a:lnB>
+                  </a:tcPr>
+                </a:tc>
+              </a:tr>
+              <a:tr h="281175">
+                <a:tc>
+                  <a:txBody>
+                    <a:bodyPr/>
+                    <a:lstStyle/>
+                    <a:p>
+                      <a:pPr indent="0" lvl="0" marL="0" rtl="0" algn="l">
+                        <a:spcBef>
+                          <a:spcPts val="0"/>
+                        </a:spcBef>
+                        <a:spcAft>
+                          <a:spcPts val="0"/>
+                        </a:spcAft>
+                        <a:buNone/>
+                      </a:pPr>
+                      <a:r>
+                        <a:rPr lang="zh-TW" sz="1200">
+                          <a:solidFill>
+                            <a:schemeClr val="dk2"/>
+                          </a:solidFill>
+                        </a:rPr>
+                        <a:t>6</a:t>
+                      </a:r>
+                      <a:endParaRPr sz="1200">
+                        <a:solidFill>
+                          <a:schemeClr val="dk2"/>
+                        </a:solidFill>
+                      </a:endParaRPr>
+                    </a:p>
+                  </a:txBody>
+                  <a:tcPr marT="91425" marB="91425" marR="91425" marL="91425">
+                    <a:lnL cap="flat" cmpd="sng" w="9525">
+                      <a:solidFill>
+                        <a:srgbClr val="9E9E9E"/>
+                      </a:solidFill>
+                      <a:prstDash val="solid"/>
+                      <a:round/>
+                      <a:headEnd len="sm" w="sm" type="none"/>
+                      <a:tailEnd len="sm" w="sm" type="none"/>
+                    </a:lnL>
+                    <a:lnR cap="flat" cmpd="sng" w="9525">
+                      <a:solidFill>
+                        <a:srgbClr val="9E9E9E"/>
+                      </a:solidFill>
+                      <a:prstDash val="solid"/>
+                      <a:round/>
+                      <a:headEnd len="sm" w="sm" type="none"/>
+                      <a:tailEnd len="sm" w="sm" type="none"/>
+                    </a:lnR>
+                    <a:lnT cap="flat" cmpd="sng" w="9525">
+                      <a:solidFill>
+                        <a:srgbClr val="9E9E9E"/>
+                      </a:solidFill>
+                      <a:prstDash val="solid"/>
+                      <a:round/>
+                      <a:headEnd len="sm" w="sm" type="none"/>
+                      <a:tailEnd len="sm" w="sm" type="none"/>
+                    </a:lnT>
+                    <a:lnB cap="flat" cmpd="sng" w="9525">
+                      <a:solidFill>
+                        <a:srgbClr val="9E9E9E"/>
+                      </a:solidFill>
+                      <a:prstDash val="solid"/>
+                      <a:round/>
+                      <a:headEnd len="sm" w="sm" type="none"/>
+                      <a:tailEnd len="sm" w="sm" type="none"/>
+                    </a:lnB>
+                  </a:tcPr>
+                </a:tc>
+                <a:tc>
+                  <a:txBody>
+                    <a:bodyPr/>
+                    <a:lstStyle/>
+                    <a:p>
+                      <a:pPr indent="0" lvl="0" marL="0" rtl="0" algn="l">
+                        <a:spcBef>
+                          <a:spcPts val="0"/>
+                        </a:spcBef>
+                        <a:spcAft>
+                          <a:spcPts val="0"/>
+                        </a:spcAft>
+                        <a:buNone/>
+                      </a:pPr>
+                      <a:r>
+                        <a:rPr lang="zh-TW" sz="1200">
+                          <a:solidFill>
+                            <a:schemeClr val="dk2"/>
+                          </a:solidFill>
+                        </a:rPr>
+                        <a:t>msmarco-distilbert-base-tas-b-base-summarize</a:t>
+                      </a:r>
+                      <a:endParaRPr sz="1200">
+                        <a:solidFill>
+                          <a:schemeClr val="dk2"/>
+                        </a:solidFill>
+                      </a:endParaRPr>
+                    </a:p>
+                  </a:txBody>
+                  <a:tcPr marT="91425" marB="91425" marR="91425" marL="91425">
+                    <a:lnL cap="flat" cmpd="sng" w="9525">
+                      <a:solidFill>
+                        <a:srgbClr val="9E9E9E"/>
+                      </a:solidFill>
+                      <a:prstDash val="solid"/>
+                      <a:round/>
+                      <a:headEnd len="sm" w="sm" type="none"/>
+                      <a:tailEnd len="sm" w="sm" type="none"/>
+                    </a:lnL>
+                    <a:lnR cap="flat" cmpd="sng" w="9525">
+                      <a:solidFill>
+                        <a:srgbClr val="9E9E9E"/>
+                      </a:solidFill>
+                      <a:prstDash val="solid"/>
+                      <a:round/>
+                      <a:headEnd len="sm" w="sm" type="none"/>
+                      <a:tailEnd len="sm" w="sm" type="none"/>
+                    </a:lnR>
+                    <a:lnT cap="flat" cmpd="sng" w="9525">
+                      <a:solidFill>
+                        <a:srgbClr val="9E9E9E"/>
+                      </a:solidFill>
+                      <a:prstDash val="solid"/>
+                      <a:round/>
+                      <a:headEnd len="sm" w="sm" type="none"/>
+                      <a:tailEnd len="sm" w="sm" type="none"/>
+                    </a:lnT>
+                    <a:lnB cap="flat" cmpd="sng" w="9525">
+                      <a:solidFill>
+                        <a:srgbClr val="9E9E9E"/>
+                      </a:solidFill>
+                      <a:prstDash val="solid"/>
+                      <a:round/>
+                      <a:headEnd len="sm" w="sm" type="none"/>
+                      <a:tailEnd len="sm" w="sm" type="none"/>
+                    </a:lnB>
+                  </a:tcPr>
+                </a:tc>
+                <a:tc>
+                  <a:txBody>
+                    <a:bodyPr/>
+                    <a:lstStyle/>
+                    <a:p>
+                      <a:pPr indent="0" lvl="0" marL="0" rtl="0" algn="l">
+                        <a:spcBef>
+                          <a:spcPts val="0"/>
+                        </a:spcBef>
+                        <a:spcAft>
+                          <a:spcPts val="0"/>
+                        </a:spcAft>
+                        <a:buNone/>
+                      </a:pPr>
+                      <a:r>
+                        <a:rPr lang="zh-TW" sz="1200">
+                          <a:solidFill>
+                            <a:schemeClr val="dk2"/>
+                          </a:solidFill>
+                        </a:rPr>
+                        <a:t>0.14148</a:t>
+                      </a:r>
+                      <a:endParaRPr sz="1200">
+                        <a:solidFill>
+                          <a:schemeClr val="dk2"/>
+                        </a:solidFill>
+                      </a:endParaRPr>
+                    </a:p>
+                  </a:txBody>
+                  <a:tcPr marT="91425" marB="91425" marR="91425" marL="91425">
+                    <a:lnL cap="flat" cmpd="sng" w="9525">
+                      <a:solidFill>
+                        <a:srgbClr val="9E9E9E"/>
+                      </a:solidFill>
+                      <a:prstDash val="solid"/>
+                      <a:round/>
+                      <a:headEnd len="sm" w="sm" type="none"/>
+                      <a:tailEnd len="sm" w="sm" type="none"/>
+                    </a:lnL>
+                    <a:lnR cap="flat" cmpd="sng" w="9525">
+                      <a:solidFill>
+                        <a:srgbClr val="9E9E9E"/>
+                      </a:solidFill>
+                      <a:prstDash val="solid"/>
+                      <a:round/>
+                      <a:headEnd len="sm" w="sm" type="none"/>
+                      <a:tailEnd len="sm" w="sm" type="none"/>
+                    </a:lnR>
+                    <a:lnT cap="flat" cmpd="sng" w="9525">
+                      <a:solidFill>
+                        <a:srgbClr val="9E9E9E"/>
+                      </a:solidFill>
+                      <a:prstDash val="solid"/>
+                      <a:round/>
+                      <a:headEnd len="sm" w="sm" type="none"/>
+                      <a:tailEnd len="sm" w="sm" type="none"/>
+                    </a:lnT>
+                    <a:lnB cap="flat" cmpd="sng" w="9525">
+                      <a:solidFill>
+                        <a:srgbClr val="9E9E9E"/>
+                      </a:solidFill>
+                      <a:prstDash val="solid"/>
+                      <a:round/>
+                      <a:headEnd len="sm" w="sm" type="none"/>
+                      <a:tailEnd len="sm" w="sm" type="none"/>
+                    </a:lnB>
+                  </a:tcPr>
+                </a:tc>
+              </a:tr>
+            </a:tbl>
+          </a:graphicData>
+        </a:graphic>
+      </p:graphicFrame>
+      <p:sp>
+        <p:nvSpPr>
+          <p:cNvPr id="249" name="Google Shape;249;p35"/>
+          <p:cNvSpPr txBox="1"/>
+          <p:nvPr>
+            <p:ph idx="12" type="sldNum"/>
+          </p:nvPr>
+        </p:nvSpPr>
+        <p:spPr>
+          <a:xfrm>
+            <a:off x="8536302" y="4749851"/>
+            <a:ext cx="548700" cy="393600"/>
+          </a:xfrm>
+          <a:prstGeom prst="rect">
+            <a:avLst/>
+          </a:prstGeom>
+        </p:spPr>
+        <p:txBody>
+          <a:bodyPr anchorCtr="0" anchor="ctr" bIns="91425" lIns="91425" spcFirstLastPara="1" rIns="91425" wrap="square" tIns="91425">
+            <a:normAutofit/>
+          </a:bodyPr>
+          <a:lstStyle/>
+          <a:p>
+            <a:pPr indent="0" lvl="0" marL="0" rtl="0" algn="r">
+              <a:spcBef>
+                <a:spcPts val="0"/>
+              </a:spcBef>
+              <a:spcAft>
+                <a:spcPts val="0"/>
+              </a:spcAft>
+              <a:buNone/>
+            </a:pPr>
+            <a:fld id="{00000000-1234-1234-1234-123412341234}" type="slidenum">
+              <a:rPr lang="zh-TW">
+                <a:solidFill>
+                  <a:schemeClr val="accent1"/>
+                </a:solidFill>
+                <a:latin typeface="Lato"/>
+                <a:ea typeface="Lato"/>
+                <a:cs typeface="Lato"/>
+                <a:sym typeface="Lato"/>
+              </a:rPr>
+              <a:t>‹#›</a:t>
+            </a:fld>
+            <a:endParaRPr>
+              <a:solidFill>
+                <a:schemeClr val="accent1"/>
+              </a:solidFill>
+              <a:latin typeface="Lato"/>
+              <a:ea typeface="Lato"/>
+              <a:cs typeface="Lato"/>
+              <a:sym typeface="Lato"/>
+            </a:endParaRPr>
+          </a:p>
+        </p:txBody>
+      </p:sp>
+      <p:sp>
+        <p:nvSpPr>
+          <p:cNvPr id="250" name="Google Shape;250;p35"/>
+          <p:cNvSpPr txBox="1"/>
+          <p:nvPr/>
+        </p:nvSpPr>
+        <p:spPr>
+          <a:xfrm>
+            <a:off x="5033475" y="710250"/>
+            <a:ext cx="3563100" cy="1143600"/>
+          </a:xfrm>
+          <a:prstGeom prst="rect">
+            <a:avLst/>
+          </a:prstGeom>
+          <a:noFill/>
+          <a:ln>
+            <a:noFill/>
+          </a:ln>
+        </p:spPr>
+        <p:txBody>
+          <a:bodyPr anchorCtr="0" anchor="t" bIns="91425" lIns="91425" spcFirstLastPara="1" rIns="91425" wrap="square" tIns="91425">
+            <a:spAutoFit/>
+          </a:bodyPr>
+          <a:lstStyle/>
+          <a:p>
+            <a:pPr indent="0" lvl="0" marL="0" rtl="0" algn="l">
+              <a:lnSpc>
+                <a:spcPct val="115000"/>
+              </a:lnSpc>
+              <a:spcBef>
+                <a:spcPts val="0"/>
+              </a:spcBef>
+              <a:spcAft>
+                <a:spcPts val="0"/>
+              </a:spcAft>
+              <a:buNone/>
+            </a:pPr>
+            <a:r>
+              <a:rPr b="1" lang="zh-TW">
+                <a:solidFill>
+                  <a:schemeClr val="dk2"/>
+                </a:solidFill>
+                <a:highlight>
+                  <a:schemeClr val="lt1"/>
+                </a:highlight>
+              </a:rPr>
+              <a:t>-</a:t>
+            </a:r>
+            <a:r>
+              <a:rPr b="1" lang="zh-TW">
+                <a:solidFill>
+                  <a:schemeClr val="dk2"/>
+                </a:solidFill>
+                <a:highlight>
+                  <a:schemeClr val="lt1"/>
+                </a:highlight>
+              </a:rPr>
+              <a:t>slim: </a:t>
+            </a:r>
+            <a:endParaRPr b="1">
+              <a:solidFill>
+                <a:schemeClr val="dk2"/>
+              </a:solidFill>
+              <a:highlight>
+                <a:schemeClr val="lt1"/>
+              </a:highlight>
+            </a:endParaRPr>
+          </a:p>
+          <a:p>
+            <a:pPr indent="-317500" lvl="0" marL="457200" rtl="0" algn="l">
+              <a:lnSpc>
+                <a:spcPct val="115000"/>
+              </a:lnSpc>
+              <a:spcBef>
+                <a:spcPts val="0"/>
+              </a:spcBef>
+              <a:spcAft>
+                <a:spcPts val="0"/>
+              </a:spcAft>
+              <a:buClr>
+                <a:schemeClr val="dk2"/>
+              </a:buClr>
+              <a:buSzPts val="1400"/>
+              <a:buAutoNum type="arabicPeriod"/>
+            </a:pPr>
+            <a:r>
+              <a:rPr b="1" lang="zh-TW">
+                <a:solidFill>
+                  <a:schemeClr val="dk2"/>
+                </a:solidFill>
+                <a:highlight>
+                  <a:schemeClr val="lt1"/>
+                </a:highlight>
+              </a:rPr>
+              <a:t>lower()	</a:t>
+            </a:r>
+            <a:endParaRPr b="1">
+              <a:solidFill>
+                <a:schemeClr val="dk2"/>
+              </a:solidFill>
+              <a:highlight>
+                <a:schemeClr val="lt1"/>
+              </a:highlight>
+            </a:endParaRPr>
+          </a:p>
+          <a:p>
+            <a:pPr indent="-317500" lvl="0" marL="457200" rtl="0" algn="l">
+              <a:lnSpc>
+                <a:spcPct val="115000"/>
+              </a:lnSpc>
+              <a:spcBef>
+                <a:spcPts val="0"/>
+              </a:spcBef>
+              <a:spcAft>
+                <a:spcPts val="0"/>
+              </a:spcAft>
+              <a:buClr>
+                <a:schemeClr val="dk2"/>
+              </a:buClr>
+              <a:buSzPts val="1400"/>
+              <a:buAutoNum type="arabicPeriod"/>
+            </a:pPr>
+            <a:r>
+              <a:rPr b="1" lang="zh-TW">
+                <a:solidFill>
+                  <a:schemeClr val="dk2"/>
+                </a:solidFill>
+                <a:highlight>
+                  <a:schemeClr val="lt1"/>
+                </a:highlight>
+              </a:rPr>
+              <a:t>stop words</a:t>
+            </a:r>
+            <a:endParaRPr b="1">
+              <a:solidFill>
+                <a:schemeClr val="dk2"/>
+              </a:solidFill>
+              <a:highlight>
+                <a:schemeClr val="lt1"/>
+              </a:highlight>
+            </a:endParaRPr>
+          </a:p>
+          <a:p>
+            <a:pPr indent="-317500" lvl="0" marL="457200" rtl="0" algn="l">
+              <a:lnSpc>
+                <a:spcPct val="115000"/>
+              </a:lnSpc>
+              <a:spcBef>
+                <a:spcPts val="0"/>
+              </a:spcBef>
+              <a:spcAft>
+                <a:spcPts val="0"/>
+              </a:spcAft>
+              <a:buClr>
+                <a:schemeClr val="dk2"/>
+              </a:buClr>
+              <a:buSzPts val="1400"/>
+              <a:buAutoNum type="arabicPeriod"/>
+            </a:pPr>
+            <a:r>
+              <a:rPr b="1" lang="zh-TW">
+                <a:solidFill>
+                  <a:schemeClr val="dk2"/>
+                </a:solidFill>
+                <a:highlight>
+                  <a:srgbClr val="FFFFFF"/>
+                </a:highlight>
+              </a:rPr>
+              <a:t>!"#$%&amp;'()*+,-./:;&lt;=&gt;?@[\]^_`{|}~--''``</a:t>
+            </a:r>
+            <a:endParaRPr b="1">
+              <a:solidFill>
+                <a:schemeClr val="dk2"/>
+              </a:solidFill>
+              <a:highlight>
+                <a:srgbClr val="FFFFFF"/>
+              </a:highlight>
+            </a:endParaRPr>
+          </a:p>
+        </p:txBody>
+      </p:sp>
+    </p:spTree>
+  </p:cSld>
+  <p:clrMapOvr>
+    <a:masterClrMapping/>
+  </p:clrMapOvr>
+</p:sld>
+</file>
+
+<file path=ppt/slides/slide24.xml><?xml version="1.0" encoding="utf-8"?>
+<p:sld xmlns:a="http://schemas.openxmlformats.org/drawingml/2006/main" xmlns:r="http://schemas.openxmlformats.org/officeDocument/2006/relationships" xmlns:mc="http://schemas.openxmlformats.org/markup-compatibility/2006" xmlns:mv="urn:schemas-microsoft-com:mac:vml" xmlns:p="http://schemas.openxmlformats.org/presentationml/2006/main" xmlns:c="http://schemas.openxmlformats.org/drawingml/2006/chart" xmlns:dgm="http://schemas.openxmlformats.org/drawingml/2006/diagram" xmlns:o="urn:schemas-microsoft-com:office:office" xmlns:v="urn:schemas-microsoft-com:vml" xmlns:pvml="urn:schemas-microsoft-com:office:powerpoint" xmlns:com="http://schemas.openxmlformats.org/drawingml/2006/compatibility" xmlns:p14="http://schemas.microsoft.com/office/powerpoint/2010/main" xmlns:p15="http://schemas.microsoft.com/office/powerpoint/2012/main" xmlns:ahyp="http://schemas.microsoft.com/office/drawing/2018/hyperlinkcolor">
+  <p:cSld>
+    <p:spTree>
+      <p:nvGrpSpPr>
+        <p:cNvPr id="254" name="Shape 254"/>
+        <p:cNvGrpSpPr/>
+        <p:nvPr/>
+      </p:nvGrpSpPr>
+      <p:grpSpPr>
+        <a:xfrm>
+          <a:off x="0" y="0"/>
+          <a:ext cx="0" cy="0"/>
+          <a:chOff x="0" y="0"/>
+          <a:chExt cx="0" cy="0"/>
+        </a:xfrm>
+      </p:grpSpPr>
+      <p:sp>
+        <p:nvSpPr>
+          <p:cNvPr id="255" name="Google Shape;255;p36"/>
+          <p:cNvSpPr txBox="1"/>
+          <p:nvPr>
+            <p:ph type="title"/>
+          </p:nvPr>
+        </p:nvSpPr>
+        <p:spPr>
+          <a:xfrm>
+            <a:off x="729450" y="1318650"/>
+            <a:ext cx="7688700" cy="535200"/>
+          </a:xfrm>
+          <a:prstGeom prst="rect">
+            <a:avLst/>
+          </a:prstGeom>
+        </p:spPr>
+        <p:txBody>
+          <a:bodyPr anchorCtr="0" anchor="t" bIns="91425" lIns="91425" spcFirstLastPara="1" rIns="91425" wrap="square" tIns="91425">
+            <a:noAutofit/>
+          </a:bodyPr>
+          <a:lstStyle/>
+          <a:p>
+            <a:pPr indent="0" lvl="0" marL="0" rtl="0" algn="l">
+              <a:spcBef>
+                <a:spcPts val="0"/>
+              </a:spcBef>
+              <a:spcAft>
+                <a:spcPts val="0"/>
+              </a:spcAft>
+              <a:buNone/>
+            </a:pPr>
+            <a:r>
+              <a:rPr lang="zh-TW" sz="3000">
+                <a:latin typeface="Arial"/>
+                <a:ea typeface="Arial"/>
+                <a:cs typeface="Arial"/>
+                <a:sym typeface="Arial"/>
+              </a:rPr>
+              <a:t>Retrieve &amp; Re-Rank Pipeline</a:t>
+            </a:r>
+            <a:endParaRPr sz="3000">
+              <a:latin typeface="Arial"/>
+              <a:ea typeface="Arial"/>
+              <a:cs typeface="Arial"/>
+              <a:sym typeface="Arial"/>
+            </a:endParaRPr>
+          </a:p>
+        </p:txBody>
+      </p:sp>
+      <p:sp>
+        <p:nvSpPr>
+          <p:cNvPr id="256" name="Google Shape;256;p36"/>
           <p:cNvSpPr txBox="1"/>
           <p:nvPr>
             <p:ph idx="12" type="sldNum"/>
@@ -14565,7 +16466,7 @@
       </p:sp>
       <p:pic>
         <p:nvPicPr>
-          <p:cNvPr id="242" name="Google Shape;242;p34"/>
+          <p:cNvPr id="257" name="Google Shape;257;p36"/>
           <p:cNvPicPr preferRelativeResize="0"/>
           <p:nvPr/>
         </p:nvPicPr>
@@ -14593,7 +16494,7 @@
       </p:pic>
       <p:sp>
         <p:nvSpPr>
-          <p:cNvPr id="243" name="Google Shape;243;p34"/>
+          <p:cNvPr id="258" name="Google Shape;258;p36"/>
           <p:cNvSpPr txBox="1"/>
           <p:nvPr/>
         </p:nvSpPr>
@@ -14639,7 +16540,7 @@
       </p:sp>
       <p:sp>
         <p:nvSpPr>
-          <p:cNvPr id="244" name="Google Shape;244;p34"/>
+          <p:cNvPr id="259" name="Google Shape;259;p36"/>
           <p:cNvSpPr txBox="1"/>
           <p:nvPr/>
         </p:nvSpPr>
@@ -14691,12 +16592,12 @@
 </p:sld>
 </file>
 
-<file path=ppt/slides/slide23.xml><?xml version="1.0" encoding="utf-8"?>
+<file path=ppt/slides/slide25.xml><?xml version="1.0" encoding="utf-8"?>
 <p:sld xmlns:a="http://schemas.openxmlformats.org/drawingml/2006/main" xmlns:r="http://schemas.openxmlformats.org/officeDocument/2006/relationships" xmlns:mc="http://schemas.openxmlformats.org/markup-compatibility/2006" xmlns:mv="urn:schemas-microsoft-com:mac:vml" xmlns:p="http://schemas.openxmlformats.org/presentationml/2006/main" xmlns:c="http://schemas.openxmlformats.org/drawingml/2006/chart" xmlns:dgm="http://schemas.openxmlformats.org/drawingml/2006/diagram" xmlns:o="urn:schemas-microsoft-com:office:office" xmlns:v="urn:schemas-microsoft-com:vml" xmlns:pvml="urn:schemas-microsoft-com:office:powerpoint" xmlns:com="http://schemas.openxmlformats.org/drawingml/2006/compatibility" xmlns:p14="http://schemas.microsoft.com/office/powerpoint/2010/main" xmlns:p15="http://schemas.microsoft.com/office/powerpoint/2012/main" xmlns:ahyp="http://schemas.microsoft.com/office/drawing/2018/hyperlinkcolor">
   <p:cSld>
     <p:spTree>
       <p:nvGrpSpPr>
-        <p:cNvPr id="248" name="Shape 248"/>
+        <p:cNvPr id="263" name="Shape 263"/>
         <p:cNvGrpSpPr/>
         <p:nvPr/>
       </p:nvGrpSpPr>
@@ -14710,7 +16611,7 @@
       </p:grpSpPr>
       <p:sp>
         <p:nvSpPr>
-          <p:cNvPr id="249" name="Google Shape;249;p35"/>
+          <p:cNvPr id="264" name="Google Shape;264;p37"/>
           <p:cNvSpPr txBox="1"/>
           <p:nvPr>
             <p:ph type="title"/>
@@ -14741,7 +16642,7 @@
               <a:buNone/>
             </a:pPr>
             <a:r>
-              <a:rPr lang="zh-TW" sz="3200">
+              <a:rPr lang="zh-TW" sz="3000">
                 <a:latin typeface="Arial"/>
                 <a:ea typeface="Arial"/>
                 <a:cs typeface="Arial"/>
@@ -14769,7 +16670,7 @@
       </p:sp>
       <p:sp>
         <p:nvSpPr>
-          <p:cNvPr id="250" name="Google Shape;250;p35"/>
+          <p:cNvPr id="265" name="Google Shape;265;p37"/>
           <p:cNvSpPr txBox="1"/>
           <p:nvPr>
             <p:ph idx="12" type="sldNum"/>
@@ -14825,7 +16726,7 @@
       </p:sp>
       <p:graphicFrame>
         <p:nvGraphicFramePr>
-          <p:cNvPr id="251" name="Google Shape;251;p35"/>
+          <p:cNvPr id="266" name="Google Shape;266;p37"/>
           <p:cNvGraphicFramePr/>
           <p:nvPr/>
         </p:nvGraphicFramePr>
@@ -14838,7 +16739,7 @@
             <a:tbl>
               <a:tblPr>
                 <a:noFill/>
-                <a:tableStyleId>{033C1521-009F-4937-872D-B6DEB82472AA}</a:tableStyleId>
+                <a:tableStyleId>{41640873-F8D4-4445-B392-D0BC1EA1FC77}</a:tableStyleId>
               </a:tblPr>
               <a:tblGrid>
                 <a:gridCol w="396325"/>
@@ -15954,12 +17855,12 @@
 </p:sld>
 </file>
 
-<file path=ppt/slides/slide24.xml><?xml version="1.0" encoding="utf-8"?>
+<file path=ppt/slides/slide26.xml><?xml version="1.0" encoding="utf-8"?>
 <p:sld xmlns:a="http://schemas.openxmlformats.org/drawingml/2006/main" xmlns:r="http://schemas.openxmlformats.org/officeDocument/2006/relationships" xmlns:mc="http://schemas.openxmlformats.org/markup-compatibility/2006" xmlns:mv="urn:schemas-microsoft-com:mac:vml" xmlns:p="http://schemas.openxmlformats.org/presentationml/2006/main" xmlns:c="http://schemas.openxmlformats.org/drawingml/2006/chart" xmlns:dgm="http://schemas.openxmlformats.org/drawingml/2006/diagram" xmlns:o="urn:schemas-microsoft-com:office:office" xmlns:v="urn:schemas-microsoft-com:vml" xmlns:pvml="urn:schemas-microsoft-com:office:powerpoint" xmlns:com="http://schemas.openxmlformats.org/drawingml/2006/compatibility" xmlns:p14="http://schemas.microsoft.com/office/powerpoint/2010/main" xmlns:p15="http://schemas.microsoft.com/office/powerpoint/2012/main" xmlns:ahyp="http://schemas.microsoft.com/office/drawing/2018/hyperlinkcolor">
   <p:cSld>
     <p:spTree>
       <p:nvGrpSpPr>
-        <p:cNvPr id="255" name="Shape 255"/>
+        <p:cNvPr id="270" name="Shape 270"/>
         <p:cNvGrpSpPr/>
         <p:nvPr/>
       </p:nvGrpSpPr>
@@ -15973,7 +17874,7 @@
       </p:grpSpPr>
       <p:sp>
         <p:nvSpPr>
-          <p:cNvPr id="256" name="Google Shape;256;p36"/>
+          <p:cNvPr id="271" name="Google Shape;271;p38"/>
           <p:cNvSpPr txBox="1"/>
           <p:nvPr>
             <p:ph type="title"/>
@@ -16007,7 +17908,7 @@
               <a:buNone/>
             </a:pPr>
             <a:r>
-              <a:rPr lang="zh-TW" sz="3200">
+              <a:rPr lang="zh-TW" sz="3000">
                 <a:highlight>
                   <a:srgbClr val="FCFCFC"/>
                 </a:highlight>
@@ -16019,7 +17920,7 @@
               <a:t>Re-Ranker: </a:t>
             </a:r>
             <a:r>
-              <a:rPr lang="zh-TW" sz="3200">
+              <a:rPr lang="zh-TW" sz="3000">
                 <a:highlight>
                   <a:srgbClr val="FCFCFC"/>
                 </a:highlight>
@@ -16056,7 +17957,7 @@
       </p:sp>
       <p:sp>
         <p:nvSpPr>
-          <p:cNvPr id="257" name="Google Shape;257;p36"/>
+          <p:cNvPr id="272" name="Google Shape;272;p38"/>
           <p:cNvSpPr txBox="1"/>
           <p:nvPr>
             <p:ph idx="12" type="sldNum"/>
@@ -16112,7 +18013,7 @@
       </p:sp>
       <p:graphicFrame>
         <p:nvGraphicFramePr>
-          <p:cNvPr id="258" name="Google Shape;258;p36"/>
+          <p:cNvPr id="273" name="Google Shape;273;p38"/>
           <p:cNvGraphicFramePr/>
           <p:nvPr/>
         </p:nvGraphicFramePr>
@@ -16125,7 +18026,7 @@
             <a:tbl>
               <a:tblPr>
                 <a:noFill/>
-                <a:tableStyleId>{033C1521-009F-4937-872D-B6DEB82472AA}</a:tableStyleId>
+                <a:tableStyleId>{41640873-F8D4-4445-B392-D0BC1EA1FC77}</a:tableStyleId>
               </a:tblPr>
               <a:tblGrid>
                 <a:gridCol w="382850"/>
@@ -17002,7 +18903,7 @@
       </p:graphicFrame>
       <p:sp>
         <p:nvSpPr>
-          <p:cNvPr id="259" name="Google Shape;259;p36"/>
+          <p:cNvPr id="274" name="Google Shape;274;p38"/>
           <p:cNvSpPr txBox="1"/>
           <p:nvPr/>
         </p:nvSpPr>
@@ -17050,1912 +18951,6 @@
               <a:t>ms-marco-MiniLM-L-6-v2: 0.17711 </a:t>
             </a:r>
             <a:endParaRPr/>
-          </a:p>
-        </p:txBody>
-      </p:sp>
-    </p:spTree>
-  </p:cSld>
-  <p:clrMapOvr>
-    <a:masterClrMapping/>
-  </p:clrMapOvr>
-</p:sld>
-</file>
-
-<file path=ppt/slides/slide25.xml><?xml version="1.0" encoding="utf-8"?>
-<p:sld xmlns:a="http://schemas.openxmlformats.org/drawingml/2006/main" xmlns:r="http://schemas.openxmlformats.org/officeDocument/2006/relationships" xmlns:mc="http://schemas.openxmlformats.org/markup-compatibility/2006" xmlns:mv="urn:schemas-microsoft-com:mac:vml" xmlns:p="http://schemas.openxmlformats.org/presentationml/2006/main" xmlns:c="http://schemas.openxmlformats.org/drawingml/2006/chart" xmlns:dgm="http://schemas.openxmlformats.org/drawingml/2006/diagram" xmlns:o="urn:schemas-microsoft-com:office:office" xmlns:v="urn:schemas-microsoft-com:vml" xmlns:pvml="urn:schemas-microsoft-com:office:powerpoint" xmlns:com="http://schemas.openxmlformats.org/drawingml/2006/compatibility" xmlns:p14="http://schemas.microsoft.com/office/powerpoint/2010/main" xmlns:p15="http://schemas.microsoft.com/office/powerpoint/2012/main" xmlns:ahyp="http://schemas.microsoft.com/office/drawing/2018/hyperlinkcolor">
-  <p:cSld>
-    <p:spTree>
-      <p:nvGrpSpPr>
-        <p:cNvPr id="263" name="Shape 263"/>
-        <p:cNvGrpSpPr/>
-        <p:nvPr/>
-      </p:nvGrpSpPr>
-      <p:grpSpPr>
-        <a:xfrm>
-          <a:off x="0" y="0"/>
-          <a:ext cx="0" cy="0"/>
-          <a:chOff x="0" y="0"/>
-          <a:chExt cx="0" cy="0"/>
-        </a:xfrm>
-      </p:grpSpPr>
-      <p:sp>
-        <p:nvSpPr>
-          <p:cNvPr id="264" name="Google Shape;264;p37"/>
-          <p:cNvSpPr txBox="1"/>
-          <p:nvPr>
-            <p:ph type="title"/>
-          </p:nvPr>
-        </p:nvSpPr>
-        <p:spPr>
-          <a:xfrm>
-            <a:off x="729450" y="1318650"/>
-            <a:ext cx="7688700" cy="535200"/>
-          </a:xfrm>
-          <a:prstGeom prst="rect">
-            <a:avLst/>
-          </a:prstGeom>
-        </p:spPr>
-        <p:txBody>
-          <a:bodyPr anchorCtr="0" anchor="t" bIns="91425" lIns="91425" spcFirstLastPara="1" rIns="91425" wrap="square" tIns="91425">
-            <a:noAutofit/>
-          </a:bodyPr>
-          <a:lstStyle/>
-          <a:p>
-            <a:pPr indent="0" lvl="0" marL="0" rtl="0" algn="l">
-              <a:spcBef>
-                <a:spcPts val="0"/>
-              </a:spcBef>
-              <a:spcAft>
-                <a:spcPts val="0"/>
-              </a:spcAft>
-              <a:buNone/>
-            </a:pPr>
-            <a:r>
-              <a:rPr lang="zh-TW" sz="3200">
-                <a:latin typeface="Arial"/>
-                <a:ea typeface="Arial"/>
-                <a:cs typeface="Arial"/>
-                <a:sym typeface="Arial"/>
-              </a:rPr>
-              <a:t>Preprocessing</a:t>
-            </a:r>
-            <a:r>
-              <a:rPr lang="zh-TW">
-                <a:latin typeface="Arial"/>
-                <a:ea typeface="Arial"/>
-                <a:cs typeface="Arial"/>
-                <a:sym typeface="Arial"/>
-              </a:rPr>
-              <a:t>(get_</a:t>
-            </a:r>
-            <a:r>
-              <a:rPr lang="zh-TW">
-                <a:highlight>
-                  <a:schemeClr val="lt1"/>
-                </a:highlight>
-                <a:latin typeface="Arial"/>
-                <a:ea typeface="Arial"/>
-                <a:cs typeface="Arial"/>
-                <a:sym typeface="Arial"/>
-              </a:rPr>
-              <a:t>length=64)</a:t>
-            </a:r>
-            <a:endParaRPr>
-              <a:latin typeface="Arial"/>
-              <a:ea typeface="Arial"/>
-              <a:cs typeface="Arial"/>
-              <a:sym typeface="Arial"/>
-            </a:endParaRPr>
-          </a:p>
-        </p:txBody>
-      </p:sp>
-      <p:sp>
-        <p:nvSpPr>
-          <p:cNvPr id="265" name="Google Shape;265;p37"/>
-          <p:cNvSpPr txBox="1"/>
-          <p:nvPr>
-            <p:ph idx="1" type="body"/>
-          </p:nvPr>
-        </p:nvSpPr>
-        <p:spPr>
-          <a:xfrm>
-            <a:off x="729450" y="2078875"/>
-            <a:ext cx="7688700" cy="2258400"/>
-          </a:xfrm>
-          <a:prstGeom prst="rect">
-            <a:avLst/>
-          </a:prstGeom>
-        </p:spPr>
-        <p:txBody>
-          <a:bodyPr anchorCtr="0" anchor="t" bIns="91425" lIns="91425" spcFirstLastPara="1" rIns="91425" wrap="square" tIns="91425">
-            <a:noAutofit/>
-          </a:bodyPr>
-          <a:lstStyle/>
-          <a:p>
-            <a:pPr indent="-317500" lvl="0" marL="457200" rtl="0" algn="l">
-              <a:lnSpc>
-                <a:spcPct val="150000"/>
-              </a:lnSpc>
-              <a:spcBef>
-                <a:spcPts val="0"/>
-              </a:spcBef>
-              <a:spcAft>
-                <a:spcPts val="0"/>
-              </a:spcAft>
-              <a:buClr>
-                <a:schemeClr val="dk2"/>
-              </a:buClr>
-              <a:buSzPts val="1400"/>
-              <a:buFont typeface="Arial"/>
-              <a:buChar char="●"/>
-            </a:pPr>
-            <a:r>
-              <a:rPr b="1" lang="zh-TW" sz="1600">
-                <a:solidFill>
-                  <a:schemeClr val="dk2"/>
-                </a:solidFill>
-                <a:highlight>
-                  <a:srgbClr val="FFFFFF"/>
-                </a:highlight>
-                <a:latin typeface="Arial"/>
-                <a:ea typeface="Arial"/>
-                <a:cs typeface="Arial"/>
-                <a:sym typeface="Arial"/>
-              </a:rPr>
-              <a:t>-</a:t>
-            </a:r>
-            <a:r>
-              <a:rPr b="1" lang="zh-TW" sz="1600">
-                <a:solidFill>
-                  <a:schemeClr val="dk2"/>
-                </a:solidFill>
-                <a:highlight>
-                  <a:srgbClr val="FFFFFF"/>
-                </a:highlight>
-                <a:latin typeface="Arial"/>
-                <a:ea typeface="Arial"/>
-                <a:cs typeface="Arial"/>
-                <a:sym typeface="Arial"/>
-              </a:rPr>
-              <a:t>b</a:t>
-            </a:r>
-            <a:r>
-              <a:rPr b="1" lang="zh-TW" sz="1600">
-                <a:solidFill>
-                  <a:schemeClr val="dk2"/>
-                </a:solidFill>
-                <a:highlight>
-                  <a:srgbClr val="FFFFFF"/>
-                </a:highlight>
-                <a:latin typeface="Arial"/>
-                <a:ea typeface="Arial"/>
-                <a:cs typeface="Arial"/>
-                <a:sym typeface="Arial"/>
-              </a:rPr>
-              <a:t>ase</a:t>
-            </a:r>
-            <a:br>
-              <a:rPr lang="zh-TW" sz="1600">
-                <a:solidFill>
-                  <a:schemeClr val="dk2"/>
-                </a:solidFill>
-                <a:highlight>
-                  <a:srgbClr val="FFFFFF"/>
-                </a:highlight>
-                <a:latin typeface="Arial"/>
-                <a:ea typeface="Arial"/>
-                <a:cs typeface="Arial"/>
-                <a:sym typeface="Arial"/>
-              </a:rPr>
-            </a:br>
-            <a:r>
-              <a:rPr lang="zh-TW" sz="1400">
-                <a:solidFill>
-                  <a:schemeClr val="dk2"/>
-                </a:solidFill>
-                <a:highlight>
-                  <a:srgbClr val="FFFFFF"/>
-                </a:highlight>
-                <a:latin typeface="Arial"/>
-                <a:ea typeface="Arial"/>
-                <a:cs typeface="Arial"/>
-                <a:sym typeface="Arial"/>
-              </a:rPr>
-              <a:t>'THE GOOD HEALTH MAGAZINE; \nMEDICINE; \nDIAGNOSTIC WIZARDRY; \nA RE'</a:t>
-            </a:r>
-            <a:endParaRPr sz="1400">
-              <a:solidFill>
-                <a:schemeClr val="dk2"/>
-              </a:solidFill>
-              <a:highlight>
-                <a:srgbClr val="FFFFFF"/>
-              </a:highlight>
-              <a:latin typeface="Arial"/>
-              <a:ea typeface="Arial"/>
-              <a:cs typeface="Arial"/>
-              <a:sym typeface="Arial"/>
-            </a:endParaRPr>
-          </a:p>
-          <a:p>
-            <a:pPr indent="-317500" lvl="0" marL="457200" rtl="0" algn="l">
-              <a:lnSpc>
-                <a:spcPct val="150000"/>
-              </a:lnSpc>
-              <a:spcBef>
-                <a:spcPts val="0"/>
-              </a:spcBef>
-              <a:spcAft>
-                <a:spcPts val="0"/>
-              </a:spcAft>
-              <a:buClr>
-                <a:schemeClr val="dk2"/>
-              </a:buClr>
-              <a:buSzPts val="1400"/>
-              <a:buFont typeface="Arial"/>
-              <a:buChar char="●"/>
-            </a:pPr>
-            <a:r>
-              <a:rPr b="1" lang="zh-TW" sz="1600">
-                <a:solidFill>
-                  <a:schemeClr val="dk2"/>
-                </a:solidFill>
-                <a:highlight>
-                  <a:srgbClr val="FFFFFF"/>
-                </a:highlight>
-                <a:latin typeface="Arial"/>
-                <a:ea typeface="Arial"/>
-                <a:cs typeface="Arial"/>
-                <a:sym typeface="Arial"/>
-              </a:rPr>
-              <a:t>-slim(</a:t>
-            </a:r>
-            <a:r>
-              <a:rPr b="1" lang="zh-TW" sz="1600">
-                <a:solidFill>
-                  <a:schemeClr val="dk2"/>
-                </a:solidFill>
-                <a:highlight>
-                  <a:schemeClr val="lt1"/>
-                </a:highlight>
-                <a:latin typeface="Arial"/>
-                <a:ea typeface="Arial"/>
-                <a:cs typeface="Arial"/>
-                <a:sym typeface="Arial"/>
-              </a:rPr>
-              <a:t>lower, stop words, punctuations)</a:t>
-            </a:r>
-            <a:br>
-              <a:rPr lang="zh-TW" sz="1600">
-                <a:solidFill>
-                  <a:schemeClr val="dk2"/>
-                </a:solidFill>
-                <a:highlight>
-                  <a:srgbClr val="FFFFFF"/>
-                </a:highlight>
-                <a:latin typeface="Arial"/>
-                <a:ea typeface="Arial"/>
-                <a:cs typeface="Arial"/>
-                <a:sym typeface="Arial"/>
-              </a:rPr>
-            </a:br>
-            <a:r>
-              <a:rPr lang="zh-TW" sz="1400">
-                <a:solidFill>
-                  <a:schemeClr val="dk2"/>
-                </a:solidFill>
-                <a:highlight>
-                  <a:srgbClr val="FFFFFF"/>
-                </a:highlight>
-                <a:latin typeface="Arial"/>
-                <a:ea typeface="Arial"/>
-                <a:cs typeface="Arial"/>
-                <a:sym typeface="Arial"/>
-              </a:rPr>
-              <a:t>'good health magazine medicine diagnostic wizardry revolutionary '</a:t>
-            </a:r>
-            <a:endParaRPr sz="1400">
-              <a:solidFill>
-                <a:schemeClr val="dk2"/>
-              </a:solidFill>
-              <a:highlight>
-                <a:srgbClr val="FFFFFF"/>
-              </a:highlight>
-              <a:latin typeface="Arial"/>
-              <a:ea typeface="Arial"/>
-              <a:cs typeface="Arial"/>
-              <a:sym typeface="Arial"/>
-            </a:endParaRPr>
-          </a:p>
-          <a:p>
-            <a:pPr indent="-317500" lvl="0" marL="457200" rtl="0" algn="l">
-              <a:lnSpc>
-                <a:spcPct val="150000"/>
-              </a:lnSpc>
-              <a:spcBef>
-                <a:spcPts val="0"/>
-              </a:spcBef>
-              <a:spcAft>
-                <a:spcPts val="0"/>
-              </a:spcAft>
-              <a:buClr>
-                <a:schemeClr val="dk2"/>
-              </a:buClr>
-              <a:buSzPts val="1400"/>
-              <a:buFont typeface="Arial"/>
-              <a:buChar char="●"/>
-            </a:pPr>
-            <a:r>
-              <a:rPr b="1" lang="zh-TW" sz="1600">
-                <a:solidFill>
-                  <a:schemeClr val="dk2"/>
-                </a:solidFill>
-                <a:highlight>
-                  <a:srgbClr val="FFFFFF"/>
-                </a:highlight>
-                <a:latin typeface="Arial"/>
-                <a:ea typeface="Arial"/>
-                <a:cs typeface="Arial"/>
-                <a:sym typeface="Arial"/>
-              </a:rPr>
-              <a:t>-base article summarization(top-k)</a:t>
-            </a:r>
-            <a:br>
-              <a:rPr b="1" lang="zh-TW" sz="1400">
-                <a:solidFill>
-                  <a:schemeClr val="dk2"/>
-                </a:solidFill>
-                <a:highlight>
-                  <a:srgbClr val="FFFFFF"/>
-                </a:highlight>
-                <a:latin typeface="Arial"/>
-                <a:ea typeface="Arial"/>
-                <a:cs typeface="Arial"/>
-                <a:sym typeface="Arial"/>
-              </a:rPr>
-            </a:br>
-            <a:r>
-              <a:rPr lang="zh-TW" sz="1400">
-                <a:solidFill>
-                  <a:schemeClr val="dk2"/>
-                </a:solidFill>
-                <a:highlight>
-                  <a:srgbClr val="FFFFFF"/>
-                </a:highlight>
-                <a:latin typeface="Arial"/>
-                <a:ea typeface="Arial"/>
-                <a:cs typeface="Arial"/>
-                <a:sym typeface="Arial"/>
-              </a:rPr>
-              <a:t>'The revolution of magnetic resonance -- doctors have dropped the'</a:t>
-            </a:r>
-            <a:endParaRPr sz="1400">
-              <a:solidFill>
-                <a:schemeClr val="dk2"/>
-              </a:solidFill>
-              <a:latin typeface="Arial"/>
-              <a:ea typeface="Arial"/>
-              <a:cs typeface="Arial"/>
-              <a:sym typeface="Arial"/>
-            </a:endParaRPr>
-          </a:p>
-        </p:txBody>
-      </p:sp>
-      <p:sp>
-        <p:nvSpPr>
-          <p:cNvPr id="266" name="Google Shape;266;p37"/>
-          <p:cNvSpPr txBox="1"/>
-          <p:nvPr>
-            <p:ph idx="12" type="sldNum"/>
-          </p:nvPr>
-        </p:nvSpPr>
-        <p:spPr>
-          <a:xfrm>
-            <a:off x="8536302" y="4749851"/>
-            <a:ext cx="548700" cy="393600"/>
-          </a:xfrm>
-          <a:prstGeom prst="rect">
-            <a:avLst/>
-          </a:prstGeom>
-        </p:spPr>
-        <p:txBody>
-          <a:bodyPr anchorCtr="0" anchor="ctr" bIns="91425" lIns="91425" spcFirstLastPara="1" rIns="91425" wrap="square" tIns="91425">
-            <a:normAutofit/>
-          </a:bodyPr>
-          <a:lstStyle/>
-          <a:p>
-            <a:pPr indent="0" lvl="0" marL="0" rtl="0" algn="r">
-              <a:spcBef>
-                <a:spcPts val="0"/>
-              </a:spcBef>
-              <a:spcAft>
-                <a:spcPts val="0"/>
-              </a:spcAft>
-              <a:buNone/>
-            </a:pPr>
-            <a:fld id="{00000000-1234-1234-1234-123412341234}" type="slidenum">
-              <a:rPr lang="zh-TW">
-                <a:solidFill>
-                  <a:schemeClr val="accent1"/>
-                </a:solidFill>
-                <a:latin typeface="Lato"/>
-                <a:ea typeface="Lato"/>
-                <a:cs typeface="Lato"/>
-                <a:sym typeface="Lato"/>
-              </a:rPr>
-              <a:t>‹#›</a:t>
-            </a:fld>
-            <a:endParaRPr>
-              <a:solidFill>
-                <a:schemeClr val="accent1"/>
-              </a:solidFill>
-              <a:latin typeface="Lato"/>
-              <a:ea typeface="Lato"/>
-              <a:cs typeface="Lato"/>
-              <a:sym typeface="Lato"/>
-            </a:endParaRPr>
-          </a:p>
-        </p:txBody>
-      </p:sp>
-    </p:spTree>
-  </p:cSld>
-  <p:clrMapOvr>
-    <a:masterClrMapping/>
-  </p:clrMapOvr>
-</p:sld>
-</file>
-
-<file path=ppt/slides/slide26.xml><?xml version="1.0" encoding="utf-8"?>
-<p:sld xmlns:a="http://schemas.openxmlformats.org/drawingml/2006/main" xmlns:r="http://schemas.openxmlformats.org/officeDocument/2006/relationships" xmlns:mc="http://schemas.openxmlformats.org/markup-compatibility/2006" xmlns:mv="urn:schemas-microsoft-com:mac:vml" xmlns:p="http://schemas.openxmlformats.org/presentationml/2006/main" xmlns:c="http://schemas.openxmlformats.org/drawingml/2006/chart" xmlns:dgm="http://schemas.openxmlformats.org/drawingml/2006/diagram" xmlns:o="urn:schemas-microsoft-com:office:office" xmlns:v="urn:schemas-microsoft-com:vml" xmlns:pvml="urn:schemas-microsoft-com:office:powerpoint" xmlns:com="http://schemas.openxmlformats.org/drawingml/2006/compatibility" xmlns:p14="http://schemas.microsoft.com/office/powerpoint/2010/main" xmlns:p15="http://schemas.microsoft.com/office/powerpoint/2012/main" xmlns:ahyp="http://schemas.microsoft.com/office/drawing/2018/hyperlinkcolor">
-  <p:cSld>
-    <p:spTree>
-      <p:nvGrpSpPr>
-        <p:cNvPr id="270" name="Shape 270"/>
-        <p:cNvGrpSpPr/>
-        <p:nvPr/>
-      </p:nvGrpSpPr>
-      <p:grpSpPr>
-        <a:xfrm>
-          <a:off x="0" y="0"/>
-          <a:ext cx="0" cy="0"/>
-          <a:chOff x="0" y="0"/>
-          <a:chExt cx="0" cy="0"/>
-        </a:xfrm>
-      </p:grpSpPr>
-      <p:sp>
-        <p:nvSpPr>
-          <p:cNvPr id="271" name="Google Shape;271;p38"/>
-          <p:cNvSpPr txBox="1"/>
-          <p:nvPr>
-            <p:ph type="title"/>
-          </p:nvPr>
-        </p:nvSpPr>
-        <p:spPr>
-          <a:xfrm>
-            <a:off x="729450" y="1318650"/>
-            <a:ext cx="7688700" cy="535200"/>
-          </a:xfrm>
-          <a:prstGeom prst="rect">
-            <a:avLst/>
-          </a:prstGeom>
-        </p:spPr>
-        <p:txBody>
-          <a:bodyPr anchorCtr="0" anchor="t" bIns="91425" lIns="91425" spcFirstLastPara="1" rIns="91425" wrap="square" tIns="91425">
-            <a:noAutofit/>
-          </a:bodyPr>
-          <a:lstStyle/>
-          <a:p>
-            <a:pPr indent="0" lvl="0" marL="0" rtl="0" algn="l">
-              <a:spcBef>
-                <a:spcPts val="0"/>
-              </a:spcBef>
-              <a:spcAft>
-                <a:spcPts val="0"/>
-              </a:spcAft>
-              <a:buClr>
-                <a:schemeClr val="dk1"/>
-              </a:buClr>
-              <a:buSzPts val="1100"/>
-              <a:buFont typeface="Arial"/>
-              <a:buNone/>
-            </a:pPr>
-            <a:r>
-              <a:rPr lang="zh-TW" sz="3200">
-                <a:latin typeface="Arial"/>
-                <a:ea typeface="Arial"/>
-                <a:cs typeface="Arial"/>
-                <a:sym typeface="Arial"/>
-              </a:rPr>
-              <a:t>MSMARCO Models</a:t>
-            </a:r>
-            <a:endParaRPr sz="3200">
-              <a:latin typeface="Arial"/>
-              <a:ea typeface="Arial"/>
-              <a:cs typeface="Arial"/>
-              <a:sym typeface="Arial"/>
-            </a:endParaRPr>
-          </a:p>
-        </p:txBody>
-      </p:sp>
-      <p:graphicFrame>
-        <p:nvGraphicFramePr>
-          <p:cNvPr id="272" name="Google Shape;272;p38"/>
-          <p:cNvGraphicFramePr/>
-          <p:nvPr/>
-        </p:nvGraphicFramePr>
-        <p:xfrm>
-          <a:off x="729438" y="2174610"/>
-          <a:ext cx="3000000" cy="3000000"/>
-        </p:xfrm>
-        <a:graphic>
-          <a:graphicData uri="http://schemas.openxmlformats.org/drawingml/2006/table">
-            <a:tbl>
-              <a:tblPr>
-                <a:noFill/>
-                <a:tableStyleId>{033C1521-009F-4937-872D-B6DEB82472AA}</a:tableStyleId>
-              </a:tblPr>
-              <a:tblGrid>
-                <a:gridCol w="382850"/>
-                <a:gridCol w="4427975"/>
-                <a:gridCol w="3056300"/>
-              </a:tblGrid>
-              <a:tr h="281175">
-                <a:tc>
-                  <a:txBody>
-                    <a:bodyPr/>
-                    <a:lstStyle/>
-                    <a:p>
-                      <a:pPr indent="0" lvl="0" marL="0" rtl="0" algn="l">
-                        <a:spcBef>
-                          <a:spcPts val="0"/>
-                        </a:spcBef>
-                        <a:spcAft>
-                          <a:spcPts val="0"/>
-                        </a:spcAft>
-                        <a:buNone/>
-                      </a:pPr>
-                      <a:r>
-                        <a:rPr b="1" lang="zh-TW" sz="1200"/>
-                        <a:t>#</a:t>
-                      </a:r>
-                      <a:endParaRPr b="1" sz="1200"/>
-                    </a:p>
-                  </a:txBody>
-                  <a:tcPr marT="91425" marB="91425" marR="91425" marL="91425"/>
-                </a:tc>
-                <a:tc>
-                  <a:txBody>
-                    <a:bodyPr/>
-                    <a:lstStyle/>
-                    <a:p>
-                      <a:pPr indent="0" lvl="0" marL="0" rtl="0" algn="l">
-                        <a:spcBef>
-                          <a:spcPts val="0"/>
-                        </a:spcBef>
-                        <a:spcAft>
-                          <a:spcPts val="0"/>
-                        </a:spcAft>
-                        <a:buNone/>
-                      </a:pPr>
-                      <a:r>
-                        <a:rPr b="1" lang="zh-TW" sz="1200"/>
-                        <a:t>Model</a:t>
-                      </a:r>
-                      <a:endParaRPr b="1" sz="1200"/>
-                    </a:p>
-                  </a:txBody>
-                  <a:tcPr marT="91425" marB="91425" marR="91425" marL="91425"/>
-                </a:tc>
-                <a:tc>
-                  <a:txBody>
-                    <a:bodyPr/>
-                    <a:lstStyle/>
-                    <a:p>
-                      <a:pPr indent="0" lvl="0" marL="0" rtl="0" algn="l">
-                        <a:spcBef>
-                          <a:spcPts val="0"/>
-                        </a:spcBef>
-                        <a:spcAft>
-                          <a:spcPts val="0"/>
-                        </a:spcAft>
-                        <a:buNone/>
-                      </a:pPr>
-                      <a:r>
-                        <a:rPr b="1" lang="zh-TW" sz="1200"/>
-                        <a:t>Score(MAP@1000)</a:t>
-                      </a:r>
-                      <a:endParaRPr b="1" sz="1200"/>
-                    </a:p>
-                  </a:txBody>
-                  <a:tcPr marT="91425" marB="91425" marR="91425" marL="91425">
-                    <a:lnB cap="flat" cmpd="sng" w="9525">
-                      <a:solidFill>
-                        <a:srgbClr val="9E9E9E"/>
-                      </a:solidFill>
-                      <a:prstDash val="solid"/>
-                      <a:round/>
-                      <a:headEnd len="sm" w="sm" type="none"/>
-                      <a:tailEnd len="sm" w="sm" type="none"/>
-                    </a:lnB>
-                  </a:tcPr>
-                </a:tc>
-              </a:tr>
-              <a:tr h="281175">
-                <a:tc>
-                  <a:txBody>
-                    <a:bodyPr/>
-                    <a:lstStyle/>
-                    <a:p>
-                      <a:pPr indent="0" lvl="0" marL="0" rtl="0" algn="l">
-                        <a:spcBef>
-                          <a:spcPts val="0"/>
-                        </a:spcBef>
-                        <a:spcAft>
-                          <a:spcPts val="0"/>
-                        </a:spcAft>
-                        <a:buNone/>
-                      </a:pPr>
-                      <a:r>
-                        <a:rPr lang="zh-TW" sz="1200">
-                          <a:solidFill>
-                            <a:schemeClr val="dk2"/>
-                          </a:solidFill>
-                        </a:rPr>
-                        <a:t>1</a:t>
-                      </a:r>
-                      <a:endParaRPr sz="1200">
-                        <a:solidFill>
-                          <a:schemeClr val="dk2"/>
-                        </a:solidFill>
-                      </a:endParaRPr>
-                    </a:p>
-                  </a:txBody>
-                  <a:tcPr marT="91425" marB="91425" marR="91425" marL="91425">
-                    <a:lnR cap="flat" cmpd="sng" w="9525">
-                      <a:solidFill>
-                        <a:srgbClr val="9E9E9E"/>
-                      </a:solidFill>
-                      <a:prstDash val="solid"/>
-                      <a:round/>
-                      <a:headEnd len="sm" w="sm" type="none"/>
-                      <a:tailEnd len="sm" w="sm" type="none"/>
-                    </a:lnR>
-                  </a:tcPr>
-                </a:tc>
-                <a:tc>
-                  <a:txBody>
-                    <a:bodyPr/>
-                    <a:lstStyle/>
-                    <a:p>
-                      <a:pPr indent="0" lvl="0" marL="0" rtl="0" algn="l">
-                        <a:spcBef>
-                          <a:spcPts val="0"/>
-                        </a:spcBef>
-                        <a:spcAft>
-                          <a:spcPts val="0"/>
-                        </a:spcAft>
-                        <a:buNone/>
-                      </a:pPr>
-                      <a:r>
-                        <a:rPr lang="zh-TW" sz="1200">
-                          <a:solidFill>
-                            <a:schemeClr val="dk2"/>
-                          </a:solidFill>
-                        </a:rPr>
-                        <a:t>bm25</a:t>
-                      </a:r>
-                      <a:r>
-                        <a:rPr lang="zh-TW" sz="1200">
-                          <a:solidFill>
-                            <a:schemeClr val="dk2"/>
-                          </a:solidFill>
-                        </a:rPr>
-                        <a:t>(baseline)</a:t>
-                      </a:r>
-                      <a:endParaRPr sz="1200">
-                        <a:solidFill>
-                          <a:schemeClr val="dk2"/>
-                        </a:solidFill>
-                      </a:endParaRPr>
-                    </a:p>
-                  </a:txBody>
-                  <a:tcPr marT="91425" marB="91425" marR="91425" marL="91425">
-                    <a:lnL cap="flat" cmpd="sng" w="9525">
-                      <a:solidFill>
-                        <a:srgbClr val="9E9E9E"/>
-                      </a:solidFill>
-                      <a:prstDash val="solid"/>
-                      <a:round/>
-                      <a:headEnd len="sm" w="sm" type="none"/>
-                      <a:tailEnd len="sm" w="sm" type="none"/>
-                    </a:lnL>
-                    <a:lnR cap="flat" cmpd="sng" w="9525">
-                      <a:solidFill>
-                        <a:srgbClr val="9E9E9E"/>
-                      </a:solidFill>
-                      <a:prstDash val="solid"/>
-                      <a:round/>
-                      <a:headEnd len="sm" w="sm" type="none"/>
-                      <a:tailEnd len="sm" w="sm" type="none"/>
-                    </a:lnR>
-                  </a:tcPr>
-                </a:tc>
-                <a:tc>
-                  <a:txBody>
-                    <a:bodyPr/>
-                    <a:lstStyle/>
-                    <a:p>
-                      <a:pPr indent="0" lvl="0" marL="0" rtl="0" algn="l">
-                        <a:spcBef>
-                          <a:spcPts val="0"/>
-                        </a:spcBef>
-                        <a:spcAft>
-                          <a:spcPts val="0"/>
-                        </a:spcAft>
-                        <a:buNone/>
-                      </a:pPr>
-                      <a:r>
-                        <a:rPr lang="zh-TW" sz="1200">
-                          <a:solidFill>
-                            <a:schemeClr val="dk2"/>
-                          </a:solidFill>
-                        </a:rPr>
-                        <a:t>0.12912</a:t>
-                      </a:r>
-                      <a:endParaRPr sz="1200">
-                        <a:solidFill>
-                          <a:schemeClr val="dk2"/>
-                        </a:solidFill>
-                      </a:endParaRPr>
-                    </a:p>
-                  </a:txBody>
-                  <a:tcPr marT="91425" marB="91425" marR="91425" marL="91425">
-                    <a:lnL cap="flat" cmpd="sng" w="9525">
-                      <a:solidFill>
-                        <a:srgbClr val="9E9E9E"/>
-                      </a:solidFill>
-                      <a:prstDash val="solid"/>
-                      <a:round/>
-                      <a:headEnd len="sm" w="sm" type="none"/>
-                      <a:tailEnd len="sm" w="sm" type="none"/>
-                    </a:lnL>
-                    <a:lnR cap="flat" cmpd="sng" w="9525">
-                      <a:solidFill>
-                        <a:srgbClr val="9E9E9E"/>
-                      </a:solidFill>
-                      <a:prstDash val="solid"/>
-                      <a:round/>
-                      <a:headEnd len="sm" w="sm" type="none"/>
-                      <a:tailEnd len="sm" w="sm" type="none"/>
-                    </a:lnR>
-                    <a:lnT cap="flat" cmpd="sng" w="9525">
-                      <a:solidFill>
-                        <a:srgbClr val="9E9E9E"/>
-                      </a:solidFill>
-                      <a:prstDash val="solid"/>
-                      <a:round/>
-                      <a:headEnd len="sm" w="sm" type="none"/>
-                      <a:tailEnd len="sm" w="sm" type="none"/>
-                    </a:lnT>
-                    <a:lnB cap="flat" cmpd="sng" w="9525">
-                      <a:solidFill>
-                        <a:srgbClr val="9E9E9E"/>
-                      </a:solidFill>
-                      <a:prstDash val="solid"/>
-                      <a:round/>
-                      <a:headEnd len="sm" w="sm" type="none"/>
-                      <a:tailEnd len="sm" w="sm" type="none"/>
-                    </a:lnB>
-                  </a:tcPr>
-                </a:tc>
-              </a:tr>
-              <a:tr h="281175">
-                <a:tc>
-                  <a:txBody>
-                    <a:bodyPr/>
-                    <a:lstStyle/>
-                    <a:p>
-                      <a:pPr indent="0" lvl="0" marL="0" rtl="0" algn="l">
-                        <a:spcBef>
-                          <a:spcPts val="0"/>
-                        </a:spcBef>
-                        <a:spcAft>
-                          <a:spcPts val="0"/>
-                        </a:spcAft>
-                        <a:buNone/>
-                      </a:pPr>
-                      <a:r>
-                        <a:rPr lang="zh-TW" sz="1200">
-                          <a:solidFill>
-                            <a:schemeClr val="dk2"/>
-                          </a:solidFill>
-                        </a:rPr>
-                        <a:t>2</a:t>
-                      </a:r>
-                      <a:endParaRPr sz="1200">
-                        <a:solidFill>
-                          <a:schemeClr val="dk2"/>
-                        </a:solidFill>
-                      </a:endParaRPr>
-                    </a:p>
-                  </a:txBody>
-                  <a:tcPr marT="91425" marB="91425" marR="91425" marL="91425">
-                    <a:lnB cap="flat" cmpd="sng" w="9525">
-                      <a:solidFill>
-                        <a:srgbClr val="9E9E9E"/>
-                      </a:solidFill>
-                      <a:prstDash val="solid"/>
-                      <a:round/>
-                      <a:headEnd len="sm" w="sm" type="none"/>
-                      <a:tailEnd len="sm" w="sm" type="none"/>
-                    </a:lnB>
-                  </a:tcPr>
-                </a:tc>
-                <a:tc>
-                  <a:txBody>
-                    <a:bodyPr/>
-                    <a:lstStyle/>
-                    <a:p>
-                      <a:pPr indent="0" lvl="0" marL="0" rtl="0" algn="l">
-                        <a:spcBef>
-                          <a:spcPts val="0"/>
-                        </a:spcBef>
-                        <a:spcAft>
-                          <a:spcPts val="0"/>
-                        </a:spcAft>
-                        <a:buNone/>
-                      </a:pPr>
-                      <a:r>
-                        <a:rPr lang="zh-TW" sz="1200">
-                          <a:solidFill>
-                            <a:schemeClr val="dk2"/>
-                          </a:solidFill>
-                        </a:rPr>
-                        <a:t>msmarco-distilbert-base-tas-b-base</a:t>
-                      </a:r>
-                      <a:endParaRPr sz="1200">
-                        <a:solidFill>
-                          <a:schemeClr val="dk2"/>
-                        </a:solidFill>
-                      </a:endParaRPr>
-                    </a:p>
-                  </a:txBody>
-                  <a:tcPr marT="91425" marB="91425" marR="91425" marL="91425">
-                    <a:lnB cap="flat" cmpd="sng" w="9525">
-                      <a:solidFill>
-                        <a:srgbClr val="9E9E9E"/>
-                      </a:solidFill>
-                      <a:prstDash val="solid"/>
-                      <a:round/>
-                      <a:headEnd len="sm" w="sm" type="none"/>
-                      <a:tailEnd len="sm" w="sm" type="none"/>
-                    </a:lnB>
-                  </a:tcPr>
-                </a:tc>
-                <a:tc>
-                  <a:txBody>
-                    <a:bodyPr/>
-                    <a:lstStyle/>
-                    <a:p>
-                      <a:pPr indent="0" lvl="0" marL="0" rtl="0" algn="l">
-                        <a:spcBef>
-                          <a:spcPts val="0"/>
-                        </a:spcBef>
-                        <a:spcAft>
-                          <a:spcPts val="0"/>
-                        </a:spcAft>
-                        <a:buNone/>
-                      </a:pPr>
-                      <a:r>
-                        <a:rPr lang="zh-TW" sz="1200">
-                          <a:solidFill>
-                            <a:schemeClr val="dk2"/>
-                          </a:solidFill>
-                        </a:rPr>
-                        <a:t>0.15441</a:t>
-                      </a:r>
-                      <a:endParaRPr sz="1200">
-                        <a:solidFill>
-                          <a:schemeClr val="dk2"/>
-                        </a:solidFill>
-                      </a:endParaRPr>
-                    </a:p>
-                  </a:txBody>
-                  <a:tcPr marT="91425" marB="91425" marR="91425" marL="91425">
-                    <a:lnT cap="flat" cmpd="sng" w="9525">
-                      <a:solidFill>
-                        <a:srgbClr val="9E9E9E"/>
-                      </a:solidFill>
-                      <a:prstDash val="solid"/>
-                      <a:round/>
-                      <a:headEnd len="sm" w="sm" type="none"/>
-                      <a:tailEnd len="sm" w="sm" type="none"/>
-                    </a:lnT>
-                    <a:lnB cap="flat" cmpd="sng" w="9525">
-                      <a:solidFill>
-                        <a:srgbClr val="9E9E9E"/>
-                      </a:solidFill>
-                      <a:prstDash val="solid"/>
-                      <a:round/>
-                      <a:headEnd len="sm" w="sm" type="none"/>
-                      <a:tailEnd len="sm" w="sm" type="none"/>
-                    </a:lnB>
-                  </a:tcPr>
-                </a:tc>
-              </a:tr>
-              <a:tr h="281175">
-                <a:tc>
-                  <a:txBody>
-                    <a:bodyPr/>
-                    <a:lstStyle/>
-                    <a:p>
-                      <a:pPr indent="0" lvl="0" marL="0" rtl="0" algn="l">
-                        <a:spcBef>
-                          <a:spcPts val="0"/>
-                        </a:spcBef>
-                        <a:spcAft>
-                          <a:spcPts val="0"/>
-                        </a:spcAft>
-                        <a:buNone/>
-                      </a:pPr>
-                      <a:r>
-                        <a:rPr lang="zh-TW" sz="1200">
-                          <a:solidFill>
-                            <a:schemeClr val="dk2"/>
-                          </a:solidFill>
-                        </a:rPr>
-                        <a:t>3</a:t>
-                      </a:r>
-                      <a:endParaRPr sz="1200">
-                        <a:solidFill>
-                          <a:schemeClr val="dk2"/>
-                        </a:solidFill>
-                      </a:endParaRPr>
-                    </a:p>
-                  </a:txBody>
-                  <a:tcPr marT="91425" marB="91425" marR="91425" marL="91425">
-                    <a:lnT cap="flat" cmpd="sng" w="9525">
-                      <a:solidFill>
-                        <a:srgbClr val="9E9E9E"/>
-                      </a:solidFill>
-                      <a:prstDash val="solid"/>
-                      <a:round/>
-                      <a:headEnd len="sm" w="sm" type="none"/>
-                      <a:tailEnd len="sm" w="sm" type="none"/>
-                    </a:lnT>
-                    <a:lnB cap="flat" cmpd="sng" w="9525">
-                      <a:solidFill>
-                        <a:srgbClr val="9E9E9E"/>
-                      </a:solidFill>
-                      <a:prstDash val="solid"/>
-                      <a:round/>
-                      <a:headEnd len="sm" w="sm" type="none"/>
-                      <a:tailEnd len="sm" w="sm" type="none"/>
-                    </a:lnB>
-                  </a:tcPr>
-                </a:tc>
-                <a:tc>
-                  <a:txBody>
-                    <a:bodyPr/>
-                    <a:lstStyle/>
-                    <a:p>
-                      <a:pPr indent="0" lvl="0" marL="0" rtl="0" algn="l">
-                        <a:spcBef>
-                          <a:spcPts val="0"/>
-                        </a:spcBef>
-                        <a:spcAft>
-                          <a:spcPts val="0"/>
-                        </a:spcAft>
-                        <a:buNone/>
-                      </a:pPr>
-                      <a:r>
-                        <a:rPr lang="zh-TW" sz="1200">
-                          <a:solidFill>
-                            <a:schemeClr val="dk2"/>
-                          </a:solidFill>
-                        </a:rPr>
-                        <a:t>msmarco-distilbert-base-tas-b-slim(1)</a:t>
-                      </a:r>
-                      <a:endParaRPr sz="1200">
-                        <a:solidFill>
-                          <a:schemeClr val="dk2"/>
-                        </a:solidFill>
-                      </a:endParaRPr>
-                    </a:p>
-                  </a:txBody>
-                  <a:tcPr marT="91425" marB="91425" marR="91425" marL="91425">
-                    <a:lnT cap="flat" cmpd="sng" w="9525">
-                      <a:solidFill>
-                        <a:srgbClr val="9E9E9E"/>
-                      </a:solidFill>
-                      <a:prstDash val="solid"/>
-                      <a:round/>
-                      <a:headEnd len="sm" w="sm" type="none"/>
-                      <a:tailEnd len="sm" w="sm" type="none"/>
-                    </a:lnT>
-                    <a:lnB cap="flat" cmpd="sng" w="9525">
-                      <a:solidFill>
-                        <a:srgbClr val="9E9E9E"/>
-                      </a:solidFill>
-                      <a:prstDash val="solid"/>
-                      <a:round/>
-                      <a:headEnd len="sm" w="sm" type="none"/>
-                      <a:tailEnd len="sm" w="sm" type="none"/>
-                    </a:lnB>
-                  </a:tcPr>
-                </a:tc>
-                <a:tc>
-                  <a:txBody>
-                    <a:bodyPr/>
-                    <a:lstStyle/>
-                    <a:p>
-                      <a:pPr indent="0" lvl="0" marL="0" rtl="0" algn="l">
-                        <a:spcBef>
-                          <a:spcPts val="0"/>
-                        </a:spcBef>
-                        <a:spcAft>
-                          <a:spcPts val="0"/>
-                        </a:spcAft>
-                        <a:buNone/>
-                      </a:pPr>
-                      <a:r>
-                        <a:rPr lang="zh-TW" sz="1200">
-                          <a:solidFill>
-                            <a:schemeClr val="dk2"/>
-                          </a:solidFill>
-                        </a:rPr>
-                        <a:t>0.15441</a:t>
-                      </a:r>
-                      <a:endParaRPr sz="1200">
-                        <a:solidFill>
-                          <a:schemeClr val="dk2"/>
-                        </a:solidFill>
-                      </a:endParaRPr>
-                    </a:p>
-                  </a:txBody>
-                  <a:tcPr marT="91425" marB="91425" marR="91425" marL="91425">
-                    <a:lnT cap="flat" cmpd="sng" w="9525">
-                      <a:solidFill>
-                        <a:srgbClr val="9E9E9E"/>
-                      </a:solidFill>
-                      <a:prstDash val="solid"/>
-                      <a:round/>
-                      <a:headEnd len="sm" w="sm" type="none"/>
-                      <a:tailEnd len="sm" w="sm" type="none"/>
-                    </a:lnT>
-                    <a:lnB cap="flat" cmpd="sng" w="9525">
-                      <a:solidFill>
-                        <a:srgbClr val="9E9E9E"/>
-                      </a:solidFill>
-                      <a:prstDash val="solid"/>
-                      <a:round/>
-                      <a:headEnd len="sm" w="sm" type="none"/>
-                      <a:tailEnd len="sm" w="sm" type="none"/>
-                    </a:lnB>
-                  </a:tcPr>
-                </a:tc>
-              </a:tr>
-              <a:tr h="281175">
-                <a:tc>
-                  <a:txBody>
-                    <a:bodyPr/>
-                    <a:lstStyle/>
-                    <a:p>
-                      <a:pPr indent="0" lvl="0" marL="0" rtl="0" algn="l">
-                        <a:spcBef>
-                          <a:spcPts val="0"/>
-                        </a:spcBef>
-                        <a:spcAft>
-                          <a:spcPts val="0"/>
-                        </a:spcAft>
-                        <a:buNone/>
-                      </a:pPr>
-                      <a:r>
-                        <a:rPr lang="zh-TW" sz="1200">
-                          <a:solidFill>
-                            <a:schemeClr val="dk2"/>
-                          </a:solidFill>
-                        </a:rPr>
-                        <a:t>4</a:t>
-                      </a:r>
-                      <a:endParaRPr sz="1200">
-                        <a:solidFill>
-                          <a:schemeClr val="dk2"/>
-                        </a:solidFill>
-                      </a:endParaRPr>
-                    </a:p>
-                  </a:txBody>
-                  <a:tcPr marT="91425" marB="91425" marR="91425" marL="91425">
-                    <a:lnT cap="flat" cmpd="sng" w="9525">
-                      <a:solidFill>
-                        <a:srgbClr val="9E9E9E"/>
-                      </a:solidFill>
-                      <a:prstDash val="solid"/>
-                      <a:round/>
-                      <a:headEnd len="sm" w="sm" type="none"/>
-                      <a:tailEnd len="sm" w="sm" type="none"/>
-                    </a:lnT>
-                    <a:lnB cap="flat" cmpd="sng" w="9525">
-                      <a:solidFill>
-                        <a:srgbClr val="9E9E9E"/>
-                      </a:solidFill>
-                      <a:prstDash val="solid"/>
-                      <a:round/>
-                      <a:headEnd len="sm" w="sm" type="none"/>
-                      <a:tailEnd len="sm" w="sm" type="none"/>
-                    </a:lnB>
-                  </a:tcPr>
-                </a:tc>
-                <a:tc>
-                  <a:txBody>
-                    <a:bodyPr/>
-                    <a:lstStyle/>
-                    <a:p>
-                      <a:pPr indent="0" lvl="0" marL="0" rtl="0" algn="l">
-                        <a:spcBef>
-                          <a:spcPts val="0"/>
-                        </a:spcBef>
-                        <a:spcAft>
-                          <a:spcPts val="0"/>
-                        </a:spcAft>
-                        <a:buClr>
-                          <a:schemeClr val="dk1"/>
-                        </a:buClr>
-                        <a:buSzPts val="1100"/>
-                        <a:buFont typeface="Arial"/>
-                        <a:buNone/>
-                      </a:pPr>
-                      <a:r>
-                        <a:rPr lang="zh-TW" sz="1200">
-                          <a:solidFill>
-                            <a:schemeClr val="dk2"/>
-                          </a:solidFill>
-                        </a:rPr>
-                        <a:t>msmarco-distilbert-base-tas-b-slim(1&amp;3)</a:t>
-                      </a:r>
-                      <a:endParaRPr sz="1200">
-                        <a:solidFill>
-                          <a:schemeClr val="dk2"/>
-                        </a:solidFill>
-                      </a:endParaRPr>
-                    </a:p>
-                  </a:txBody>
-                  <a:tcPr marT="91425" marB="91425" marR="91425" marL="91425">
-                    <a:lnT cap="flat" cmpd="sng" w="9525">
-                      <a:solidFill>
-                        <a:srgbClr val="9E9E9E"/>
-                      </a:solidFill>
-                      <a:prstDash val="solid"/>
-                      <a:round/>
-                      <a:headEnd len="sm" w="sm" type="none"/>
-                      <a:tailEnd len="sm" w="sm" type="none"/>
-                    </a:lnT>
-                    <a:lnB cap="flat" cmpd="sng" w="9525">
-                      <a:solidFill>
-                        <a:srgbClr val="9E9E9E"/>
-                      </a:solidFill>
-                      <a:prstDash val="solid"/>
-                      <a:round/>
-                      <a:headEnd len="sm" w="sm" type="none"/>
-                      <a:tailEnd len="sm" w="sm" type="none"/>
-                    </a:lnB>
-                  </a:tcPr>
-                </a:tc>
-                <a:tc>
-                  <a:txBody>
-                    <a:bodyPr/>
-                    <a:lstStyle/>
-                    <a:p>
-                      <a:pPr indent="0" lvl="0" marL="0" rtl="0" algn="l">
-                        <a:spcBef>
-                          <a:spcPts val="0"/>
-                        </a:spcBef>
-                        <a:spcAft>
-                          <a:spcPts val="0"/>
-                        </a:spcAft>
-                        <a:buClr>
-                          <a:schemeClr val="dk1"/>
-                        </a:buClr>
-                        <a:buSzPts val="1100"/>
-                        <a:buFont typeface="Arial"/>
-                        <a:buNone/>
-                      </a:pPr>
-                      <a:r>
-                        <a:rPr lang="zh-TW" sz="1200">
-                          <a:solidFill>
-                            <a:srgbClr val="FF0000"/>
-                          </a:solidFill>
-                        </a:rPr>
-                        <a:t>0.15606</a:t>
-                      </a:r>
-                      <a:endParaRPr sz="1200">
-                        <a:solidFill>
-                          <a:srgbClr val="FF0000"/>
-                        </a:solidFill>
-                      </a:endParaRPr>
-                    </a:p>
-                  </a:txBody>
-                  <a:tcPr marT="91425" marB="91425" marR="91425" marL="91425">
-                    <a:lnT cap="flat" cmpd="sng" w="9525">
-                      <a:solidFill>
-                        <a:srgbClr val="9E9E9E"/>
-                      </a:solidFill>
-                      <a:prstDash val="solid"/>
-                      <a:round/>
-                      <a:headEnd len="sm" w="sm" type="none"/>
-                      <a:tailEnd len="sm" w="sm" type="none"/>
-                    </a:lnT>
-                    <a:lnB cap="flat" cmpd="sng" w="9525">
-                      <a:solidFill>
-                        <a:srgbClr val="9E9E9E"/>
-                      </a:solidFill>
-                      <a:prstDash val="solid"/>
-                      <a:round/>
-                      <a:headEnd len="sm" w="sm" type="none"/>
-                      <a:tailEnd len="sm" w="sm" type="none"/>
-                    </a:lnB>
-                  </a:tcPr>
-                </a:tc>
-              </a:tr>
-              <a:tr h="281175">
-                <a:tc>
-                  <a:txBody>
-                    <a:bodyPr/>
-                    <a:lstStyle/>
-                    <a:p>
-                      <a:pPr indent="0" lvl="0" marL="0" rtl="0" algn="l">
-                        <a:spcBef>
-                          <a:spcPts val="0"/>
-                        </a:spcBef>
-                        <a:spcAft>
-                          <a:spcPts val="0"/>
-                        </a:spcAft>
-                        <a:buNone/>
-                      </a:pPr>
-                      <a:r>
-                        <a:rPr lang="zh-TW" sz="1200">
-                          <a:solidFill>
-                            <a:schemeClr val="dk2"/>
-                          </a:solidFill>
-                        </a:rPr>
-                        <a:t>5</a:t>
-                      </a:r>
-                      <a:endParaRPr sz="1200">
-                        <a:solidFill>
-                          <a:schemeClr val="dk2"/>
-                        </a:solidFill>
-                      </a:endParaRPr>
-                    </a:p>
-                  </a:txBody>
-                  <a:tcPr marT="91425" marB="91425" marR="91425" marL="91425">
-                    <a:lnL cap="flat" cmpd="sng" w="9525">
-                      <a:solidFill>
-                        <a:srgbClr val="9E9E9E"/>
-                      </a:solidFill>
-                      <a:prstDash val="solid"/>
-                      <a:round/>
-                      <a:headEnd len="sm" w="sm" type="none"/>
-                      <a:tailEnd len="sm" w="sm" type="none"/>
-                    </a:lnL>
-                    <a:lnR cap="flat" cmpd="sng" w="9525">
-                      <a:solidFill>
-                        <a:srgbClr val="9E9E9E"/>
-                      </a:solidFill>
-                      <a:prstDash val="solid"/>
-                      <a:round/>
-                      <a:headEnd len="sm" w="sm" type="none"/>
-                      <a:tailEnd len="sm" w="sm" type="none"/>
-                    </a:lnR>
-                    <a:lnT cap="flat" cmpd="sng" w="9525">
-                      <a:solidFill>
-                        <a:srgbClr val="9E9E9E"/>
-                      </a:solidFill>
-                      <a:prstDash val="solid"/>
-                      <a:round/>
-                      <a:headEnd len="sm" w="sm" type="none"/>
-                      <a:tailEnd len="sm" w="sm" type="none"/>
-                    </a:lnT>
-                    <a:lnB cap="flat" cmpd="sng" w="9525">
-                      <a:solidFill>
-                        <a:srgbClr val="9E9E9E"/>
-                      </a:solidFill>
-                      <a:prstDash val="solid"/>
-                      <a:round/>
-                      <a:headEnd len="sm" w="sm" type="none"/>
-                      <a:tailEnd len="sm" w="sm" type="none"/>
-                    </a:lnB>
-                  </a:tcPr>
-                </a:tc>
-                <a:tc>
-                  <a:txBody>
-                    <a:bodyPr/>
-                    <a:lstStyle/>
-                    <a:p>
-                      <a:pPr indent="0" lvl="0" marL="0" rtl="0" algn="l">
-                        <a:spcBef>
-                          <a:spcPts val="0"/>
-                        </a:spcBef>
-                        <a:spcAft>
-                          <a:spcPts val="0"/>
-                        </a:spcAft>
-                        <a:buClr>
-                          <a:schemeClr val="dk1"/>
-                        </a:buClr>
-                        <a:buSzPts val="1100"/>
-                        <a:buFont typeface="Arial"/>
-                        <a:buNone/>
-                      </a:pPr>
-                      <a:r>
-                        <a:rPr lang="zh-TW" sz="1200">
-                          <a:solidFill>
-                            <a:schemeClr val="dk2"/>
-                          </a:solidFill>
-                        </a:rPr>
-                        <a:t>msmarco-distilbert-base-tas-b-slim(1&amp;2&amp;3)</a:t>
-                      </a:r>
-                      <a:endParaRPr sz="1200">
-                        <a:solidFill>
-                          <a:schemeClr val="dk2"/>
-                        </a:solidFill>
-                      </a:endParaRPr>
-                    </a:p>
-                  </a:txBody>
-                  <a:tcPr marT="91425" marB="91425" marR="91425" marL="91425">
-                    <a:lnL cap="flat" cmpd="sng" w="9525">
-                      <a:solidFill>
-                        <a:srgbClr val="9E9E9E"/>
-                      </a:solidFill>
-                      <a:prstDash val="solid"/>
-                      <a:round/>
-                      <a:headEnd len="sm" w="sm" type="none"/>
-                      <a:tailEnd len="sm" w="sm" type="none"/>
-                    </a:lnL>
-                    <a:lnR cap="flat" cmpd="sng" w="9525">
-                      <a:solidFill>
-                        <a:srgbClr val="9E9E9E"/>
-                      </a:solidFill>
-                      <a:prstDash val="solid"/>
-                      <a:round/>
-                      <a:headEnd len="sm" w="sm" type="none"/>
-                      <a:tailEnd len="sm" w="sm" type="none"/>
-                    </a:lnR>
-                    <a:lnT cap="flat" cmpd="sng" w="9525">
-                      <a:solidFill>
-                        <a:srgbClr val="9E9E9E"/>
-                      </a:solidFill>
-                      <a:prstDash val="solid"/>
-                      <a:round/>
-                      <a:headEnd len="sm" w="sm" type="none"/>
-                      <a:tailEnd len="sm" w="sm" type="none"/>
-                    </a:lnT>
-                    <a:lnB cap="flat" cmpd="sng" w="9525">
-                      <a:solidFill>
-                        <a:srgbClr val="9E9E9E"/>
-                      </a:solidFill>
-                      <a:prstDash val="solid"/>
-                      <a:round/>
-                      <a:headEnd len="sm" w="sm" type="none"/>
-                      <a:tailEnd len="sm" w="sm" type="none"/>
-                    </a:lnB>
-                  </a:tcPr>
-                </a:tc>
-                <a:tc>
-                  <a:txBody>
-                    <a:bodyPr/>
-                    <a:lstStyle/>
-                    <a:p>
-                      <a:pPr indent="0" lvl="0" marL="0" rtl="0" algn="l">
-                        <a:spcBef>
-                          <a:spcPts val="0"/>
-                        </a:spcBef>
-                        <a:spcAft>
-                          <a:spcPts val="0"/>
-                        </a:spcAft>
-                        <a:buClr>
-                          <a:schemeClr val="dk1"/>
-                        </a:buClr>
-                        <a:buSzPts val="1100"/>
-                        <a:buFont typeface="Arial"/>
-                        <a:buNone/>
-                      </a:pPr>
-                      <a:r>
-                        <a:rPr lang="zh-TW" sz="1200">
-                          <a:solidFill>
-                            <a:schemeClr val="dk2"/>
-                          </a:solidFill>
-                        </a:rPr>
-                        <a:t>0.15281</a:t>
-                      </a:r>
-                      <a:endParaRPr sz="1200">
-                        <a:solidFill>
-                          <a:schemeClr val="dk2"/>
-                        </a:solidFill>
-                      </a:endParaRPr>
-                    </a:p>
-                  </a:txBody>
-                  <a:tcPr marT="91425" marB="91425" marR="91425" marL="91425">
-                    <a:lnL cap="flat" cmpd="sng" w="9525">
-                      <a:solidFill>
-                        <a:srgbClr val="9E9E9E"/>
-                      </a:solidFill>
-                      <a:prstDash val="solid"/>
-                      <a:round/>
-                      <a:headEnd len="sm" w="sm" type="none"/>
-                      <a:tailEnd len="sm" w="sm" type="none"/>
-                    </a:lnL>
-                    <a:lnR cap="flat" cmpd="sng" w="9525">
-                      <a:solidFill>
-                        <a:srgbClr val="9E9E9E"/>
-                      </a:solidFill>
-                      <a:prstDash val="solid"/>
-                      <a:round/>
-                      <a:headEnd len="sm" w="sm" type="none"/>
-                      <a:tailEnd len="sm" w="sm" type="none"/>
-                    </a:lnR>
-                    <a:lnT cap="flat" cmpd="sng" w="9525">
-                      <a:solidFill>
-                        <a:srgbClr val="9E9E9E"/>
-                      </a:solidFill>
-                      <a:prstDash val="solid"/>
-                      <a:round/>
-                      <a:headEnd len="sm" w="sm" type="none"/>
-                      <a:tailEnd len="sm" w="sm" type="none"/>
-                    </a:lnT>
-                    <a:lnB cap="flat" cmpd="sng" w="9525">
-                      <a:solidFill>
-                        <a:srgbClr val="9E9E9E"/>
-                      </a:solidFill>
-                      <a:prstDash val="solid"/>
-                      <a:round/>
-                      <a:headEnd len="sm" w="sm" type="none"/>
-                      <a:tailEnd len="sm" w="sm" type="none"/>
-                    </a:lnB>
-                  </a:tcPr>
-                </a:tc>
-              </a:tr>
-              <a:tr h="281175">
-                <a:tc>
-                  <a:txBody>
-                    <a:bodyPr/>
-                    <a:lstStyle/>
-                    <a:p>
-                      <a:pPr indent="0" lvl="0" marL="0" rtl="0" algn="l">
-                        <a:spcBef>
-                          <a:spcPts val="0"/>
-                        </a:spcBef>
-                        <a:spcAft>
-                          <a:spcPts val="0"/>
-                        </a:spcAft>
-                        <a:buNone/>
-                      </a:pPr>
-                      <a:r>
-                        <a:rPr lang="zh-TW" sz="1200">
-                          <a:solidFill>
-                            <a:schemeClr val="dk2"/>
-                          </a:solidFill>
-                        </a:rPr>
-                        <a:t>6</a:t>
-                      </a:r>
-                      <a:endParaRPr sz="1200">
-                        <a:solidFill>
-                          <a:schemeClr val="dk2"/>
-                        </a:solidFill>
-                      </a:endParaRPr>
-                    </a:p>
-                  </a:txBody>
-                  <a:tcPr marT="91425" marB="91425" marR="91425" marL="91425">
-                    <a:lnL cap="flat" cmpd="sng" w="9525">
-                      <a:solidFill>
-                        <a:srgbClr val="9E9E9E"/>
-                      </a:solidFill>
-                      <a:prstDash val="solid"/>
-                      <a:round/>
-                      <a:headEnd len="sm" w="sm" type="none"/>
-                      <a:tailEnd len="sm" w="sm" type="none"/>
-                    </a:lnL>
-                    <a:lnR cap="flat" cmpd="sng" w="9525">
-                      <a:solidFill>
-                        <a:srgbClr val="9E9E9E"/>
-                      </a:solidFill>
-                      <a:prstDash val="solid"/>
-                      <a:round/>
-                      <a:headEnd len="sm" w="sm" type="none"/>
-                      <a:tailEnd len="sm" w="sm" type="none"/>
-                    </a:lnR>
-                    <a:lnT cap="flat" cmpd="sng" w="9525">
-                      <a:solidFill>
-                        <a:srgbClr val="9E9E9E"/>
-                      </a:solidFill>
-                      <a:prstDash val="solid"/>
-                      <a:round/>
-                      <a:headEnd len="sm" w="sm" type="none"/>
-                      <a:tailEnd len="sm" w="sm" type="none"/>
-                    </a:lnT>
-                    <a:lnB cap="flat" cmpd="sng" w="9525">
-                      <a:solidFill>
-                        <a:srgbClr val="9E9E9E"/>
-                      </a:solidFill>
-                      <a:prstDash val="solid"/>
-                      <a:round/>
-                      <a:headEnd len="sm" w="sm" type="none"/>
-                      <a:tailEnd len="sm" w="sm" type="none"/>
-                    </a:lnB>
-                  </a:tcPr>
-                </a:tc>
-                <a:tc>
-                  <a:txBody>
-                    <a:bodyPr/>
-                    <a:lstStyle/>
-                    <a:p>
-                      <a:pPr indent="0" lvl="0" marL="0" rtl="0" algn="l">
-                        <a:spcBef>
-                          <a:spcPts val="0"/>
-                        </a:spcBef>
-                        <a:spcAft>
-                          <a:spcPts val="0"/>
-                        </a:spcAft>
-                        <a:buNone/>
-                      </a:pPr>
-                      <a:r>
-                        <a:rPr lang="zh-TW" sz="1200">
-                          <a:solidFill>
-                            <a:schemeClr val="dk2"/>
-                          </a:solidFill>
-                        </a:rPr>
-                        <a:t>msmarco-distilbert-base-tas-b-base-summarize</a:t>
-                      </a:r>
-                      <a:endParaRPr sz="1200">
-                        <a:solidFill>
-                          <a:schemeClr val="dk2"/>
-                        </a:solidFill>
-                      </a:endParaRPr>
-                    </a:p>
-                  </a:txBody>
-                  <a:tcPr marT="91425" marB="91425" marR="91425" marL="91425">
-                    <a:lnL cap="flat" cmpd="sng" w="9525">
-                      <a:solidFill>
-                        <a:srgbClr val="9E9E9E"/>
-                      </a:solidFill>
-                      <a:prstDash val="solid"/>
-                      <a:round/>
-                      <a:headEnd len="sm" w="sm" type="none"/>
-                      <a:tailEnd len="sm" w="sm" type="none"/>
-                    </a:lnL>
-                    <a:lnR cap="flat" cmpd="sng" w="9525">
-                      <a:solidFill>
-                        <a:srgbClr val="9E9E9E"/>
-                      </a:solidFill>
-                      <a:prstDash val="solid"/>
-                      <a:round/>
-                      <a:headEnd len="sm" w="sm" type="none"/>
-                      <a:tailEnd len="sm" w="sm" type="none"/>
-                    </a:lnR>
-                    <a:lnT cap="flat" cmpd="sng" w="9525">
-                      <a:solidFill>
-                        <a:srgbClr val="9E9E9E"/>
-                      </a:solidFill>
-                      <a:prstDash val="solid"/>
-                      <a:round/>
-                      <a:headEnd len="sm" w="sm" type="none"/>
-                      <a:tailEnd len="sm" w="sm" type="none"/>
-                    </a:lnT>
-                    <a:lnB cap="flat" cmpd="sng" w="9525">
-                      <a:solidFill>
-                        <a:srgbClr val="9E9E9E"/>
-                      </a:solidFill>
-                      <a:prstDash val="solid"/>
-                      <a:round/>
-                      <a:headEnd len="sm" w="sm" type="none"/>
-                      <a:tailEnd len="sm" w="sm" type="none"/>
-                    </a:lnB>
-                  </a:tcPr>
-                </a:tc>
-                <a:tc>
-                  <a:txBody>
-                    <a:bodyPr/>
-                    <a:lstStyle/>
-                    <a:p>
-                      <a:pPr indent="0" lvl="0" marL="0" rtl="0" algn="l">
-                        <a:spcBef>
-                          <a:spcPts val="0"/>
-                        </a:spcBef>
-                        <a:spcAft>
-                          <a:spcPts val="0"/>
-                        </a:spcAft>
-                        <a:buNone/>
-                      </a:pPr>
-                      <a:r>
-                        <a:rPr lang="zh-TW" sz="1200">
-                          <a:solidFill>
-                            <a:schemeClr val="dk2"/>
-                          </a:solidFill>
-                        </a:rPr>
-                        <a:t>0.14148</a:t>
-                      </a:r>
-                      <a:endParaRPr sz="1200">
-                        <a:solidFill>
-                          <a:schemeClr val="dk2"/>
-                        </a:solidFill>
-                      </a:endParaRPr>
-                    </a:p>
-                  </a:txBody>
-                  <a:tcPr marT="91425" marB="91425" marR="91425" marL="91425">
-                    <a:lnL cap="flat" cmpd="sng" w="9525">
-                      <a:solidFill>
-                        <a:srgbClr val="9E9E9E"/>
-                      </a:solidFill>
-                      <a:prstDash val="solid"/>
-                      <a:round/>
-                      <a:headEnd len="sm" w="sm" type="none"/>
-                      <a:tailEnd len="sm" w="sm" type="none"/>
-                    </a:lnL>
-                    <a:lnR cap="flat" cmpd="sng" w="9525">
-                      <a:solidFill>
-                        <a:srgbClr val="9E9E9E"/>
-                      </a:solidFill>
-                      <a:prstDash val="solid"/>
-                      <a:round/>
-                      <a:headEnd len="sm" w="sm" type="none"/>
-                      <a:tailEnd len="sm" w="sm" type="none"/>
-                    </a:lnR>
-                    <a:lnT cap="flat" cmpd="sng" w="9525">
-                      <a:solidFill>
-                        <a:srgbClr val="9E9E9E"/>
-                      </a:solidFill>
-                      <a:prstDash val="solid"/>
-                      <a:round/>
-                      <a:headEnd len="sm" w="sm" type="none"/>
-                      <a:tailEnd len="sm" w="sm" type="none"/>
-                    </a:lnT>
-                    <a:lnB cap="flat" cmpd="sng" w="9525">
-                      <a:solidFill>
-                        <a:srgbClr val="9E9E9E"/>
-                      </a:solidFill>
-                      <a:prstDash val="solid"/>
-                      <a:round/>
-                      <a:headEnd len="sm" w="sm" type="none"/>
-                      <a:tailEnd len="sm" w="sm" type="none"/>
-                    </a:lnB>
-                  </a:tcPr>
-                </a:tc>
-              </a:tr>
-            </a:tbl>
-          </a:graphicData>
-        </a:graphic>
-      </p:graphicFrame>
-      <p:sp>
-        <p:nvSpPr>
-          <p:cNvPr id="273" name="Google Shape;273;p38"/>
-          <p:cNvSpPr txBox="1"/>
-          <p:nvPr>
-            <p:ph idx="12" type="sldNum"/>
-          </p:nvPr>
-        </p:nvSpPr>
-        <p:spPr>
-          <a:xfrm>
-            <a:off x="8536302" y="4749851"/>
-            <a:ext cx="548700" cy="393600"/>
-          </a:xfrm>
-          <a:prstGeom prst="rect">
-            <a:avLst/>
-          </a:prstGeom>
-        </p:spPr>
-        <p:txBody>
-          <a:bodyPr anchorCtr="0" anchor="ctr" bIns="91425" lIns="91425" spcFirstLastPara="1" rIns="91425" wrap="square" tIns="91425">
-            <a:normAutofit/>
-          </a:bodyPr>
-          <a:lstStyle/>
-          <a:p>
-            <a:pPr indent="0" lvl="0" marL="0" rtl="0" algn="r">
-              <a:spcBef>
-                <a:spcPts val="0"/>
-              </a:spcBef>
-              <a:spcAft>
-                <a:spcPts val="0"/>
-              </a:spcAft>
-              <a:buNone/>
-            </a:pPr>
-            <a:fld id="{00000000-1234-1234-1234-123412341234}" type="slidenum">
-              <a:rPr lang="zh-TW">
-                <a:solidFill>
-                  <a:schemeClr val="accent1"/>
-                </a:solidFill>
-                <a:latin typeface="Lato"/>
-                <a:ea typeface="Lato"/>
-                <a:cs typeface="Lato"/>
-                <a:sym typeface="Lato"/>
-              </a:rPr>
-              <a:t>‹#›</a:t>
-            </a:fld>
-            <a:endParaRPr>
-              <a:solidFill>
-                <a:schemeClr val="accent1"/>
-              </a:solidFill>
-              <a:latin typeface="Lato"/>
-              <a:ea typeface="Lato"/>
-              <a:cs typeface="Lato"/>
-              <a:sym typeface="Lato"/>
-            </a:endParaRPr>
-          </a:p>
-        </p:txBody>
-      </p:sp>
-      <p:sp>
-        <p:nvSpPr>
-          <p:cNvPr id="274" name="Google Shape;274;p38"/>
-          <p:cNvSpPr txBox="1"/>
-          <p:nvPr/>
-        </p:nvSpPr>
-        <p:spPr>
-          <a:xfrm>
-            <a:off x="5033475" y="710250"/>
-            <a:ext cx="3563100" cy="1143600"/>
-          </a:xfrm>
-          <a:prstGeom prst="rect">
-            <a:avLst/>
-          </a:prstGeom>
-          <a:noFill/>
-          <a:ln>
-            <a:noFill/>
-          </a:ln>
-        </p:spPr>
-        <p:txBody>
-          <a:bodyPr anchorCtr="0" anchor="t" bIns="91425" lIns="91425" spcFirstLastPara="1" rIns="91425" wrap="square" tIns="91425">
-            <a:spAutoFit/>
-          </a:bodyPr>
-          <a:lstStyle/>
-          <a:p>
-            <a:pPr indent="0" lvl="0" marL="0" rtl="0" algn="l">
-              <a:lnSpc>
-                <a:spcPct val="115000"/>
-              </a:lnSpc>
-              <a:spcBef>
-                <a:spcPts val="0"/>
-              </a:spcBef>
-              <a:spcAft>
-                <a:spcPts val="0"/>
-              </a:spcAft>
-              <a:buNone/>
-            </a:pPr>
-            <a:r>
-              <a:rPr b="1" lang="zh-TW">
-                <a:solidFill>
-                  <a:schemeClr val="dk2"/>
-                </a:solidFill>
-                <a:highlight>
-                  <a:schemeClr val="lt1"/>
-                </a:highlight>
-              </a:rPr>
-              <a:t>-</a:t>
-            </a:r>
-            <a:r>
-              <a:rPr b="1" lang="zh-TW">
-                <a:solidFill>
-                  <a:schemeClr val="dk2"/>
-                </a:solidFill>
-                <a:highlight>
-                  <a:schemeClr val="lt1"/>
-                </a:highlight>
-              </a:rPr>
-              <a:t>slim: </a:t>
-            </a:r>
-            <a:endParaRPr b="1">
-              <a:solidFill>
-                <a:schemeClr val="dk2"/>
-              </a:solidFill>
-              <a:highlight>
-                <a:schemeClr val="lt1"/>
-              </a:highlight>
-            </a:endParaRPr>
-          </a:p>
-          <a:p>
-            <a:pPr indent="-317500" lvl="0" marL="457200" rtl="0" algn="l">
-              <a:lnSpc>
-                <a:spcPct val="115000"/>
-              </a:lnSpc>
-              <a:spcBef>
-                <a:spcPts val="0"/>
-              </a:spcBef>
-              <a:spcAft>
-                <a:spcPts val="0"/>
-              </a:spcAft>
-              <a:buClr>
-                <a:schemeClr val="dk2"/>
-              </a:buClr>
-              <a:buSzPts val="1400"/>
-              <a:buAutoNum type="arabicPeriod"/>
-            </a:pPr>
-            <a:r>
-              <a:rPr b="1" lang="zh-TW">
-                <a:solidFill>
-                  <a:schemeClr val="dk2"/>
-                </a:solidFill>
-                <a:highlight>
-                  <a:schemeClr val="lt1"/>
-                </a:highlight>
-              </a:rPr>
-              <a:t>lower()	</a:t>
-            </a:r>
-            <a:endParaRPr b="1">
-              <a:solidFill>
-                <a:schemeClr val="dk2"/>
-              </a:solidFill>
-              <a:highlight>
-                <a:schemeClr val="lt1"/>
-              </a:highlight>
-            </a:endParaRPr>
-          </a:p>
-          <a:p>
-            <a:pPr indent="-317500" lvl="0" marL="457200" rtl="0" algn="l">
-              <a:lnSpc>
-                <a:spcPct val="115000"/>
-              </a:lnSpc>
-              <a:spcBef>
-                <a:spcPts val="0"/>
-              </a:spcBef>
-              <a:spcAft>
-                <a:spcPts val="0"/>
-              </a:spcAft>
-              <a:buClr>
-                <a:schemeClr val="dk2"/>
-              </a:buClr>
-              <a:buSzPts val="1400"/>
-              <a:buAutoNum type="arabicPeriod"/>
-            </a:pPr>
-            <a:r>
-              <a:rPr b="1" lang="zh-TW">
-                <a:solidFill>
-                  <a:schemeClr val="dk2"/>
-                </a:solidFill>
-                <a:highlight>
-                  <a:schemeClr val="lt1"/>
-                </a:highlight>
-              </a:rPr>
-              <a:t>stop words</a:t>
-            </a:r>
-            <a:endParaRPr b="1">
-              <a:solidFill>
-                <a:schemeClr val="dk2"/>
-              </a:solidFill>
-              <a:highlight>
-                <a:schemeClr val="lt1"/>
-              </a:highlight>
-            </a:endParaRPr>
-          </a:p>
-          <a:p>
-            <a:pPr indent="-317500" lvl="0" marL="457200" rtl="0" algn="l">
-              <a:lnSpc>
-                <a:spcPct val="115000"/>
-              </a:lnSpc>
-              <a:spcBef>
-                <a:spcPts val="0"/>
-              </a:spcBef>
-              <a:spcAft>
-                <a:spcPts val="0"/>
-              </a:spcAft>
-              <a:buClr>
-                <a:schemeClr val="dk2"/>
-              </a:buClr>
-              <a:buSzPts val="1400"/>
-              <a:buAutoNum type="arabicPeriod"/>
-            </a:pPr>
-            <a:r>
-              <a:rPr b="1" lang="zh-TW">
-                <a:solidFill>
-                  <a:schemeClr val="dk2"/>
-                </a:solidFill>
-                <a:highlight>
-                  <a:srgbClr val="FFFFFF"/>
-                </a:highlight>
-              </a:rPr>
-              <a:t>!"#$%&amp;'()*+,-./:;&lt;=&gt;?@[\]^_`{|}~--''``</a:t>
-            </a:r>
-            <a:endParaRPr b="1">
-              <a:solidFill>
-                <a:schemeClr val="dk2"/>
-              </a:solidFill>
-              <a:highlight>
-                <a:srgbClr val="FFFFFF"/>
-              </a:highlight>
-            </a:endParaRPr>
           </a:p>
         </p:txBody>
       </p:sp>
@@ -19017,16 +19012,16 @@
               <a:buNone/>
             </a:pPr>
             <a:r>
-              <a:rPr lang="zh-TW" sz="3200">
+              <a:rPr lang="zh-TW" sz="3000">
                 <a:latin typeface="Arial"/>
                 <a:ea typeface="Arial"/>
                 <a:cs typeface="Arial"/>
                 <a:sym typeface="Arial"/>
               </a:rPr>
-              <a:t>Training Ms-</a:t>
+              <a:t>Fine Tune: Ms-</a:t>
             </a:r>
             <a:r>
-              <a:rPr lang="zh-TW" sz="3200">
+              <a:rPr lang="zh-TW" sz="3000">
                 <a:latin typeface="Arial"/>
                 <a:ea typeface="Arial"/>
                 <a:cs typeface="Arial"/>
@@ -19035,7 +19030,7 @@
               <a:t>m</a:t>
             </a:r>
             <a:r>
-              <a:rPr lang="zh-TW" sz="3200">
+              <a:rPr lang="zh-TW" sz="3000">
                 <a:latin typeface="Arial"/>
                 <a:ea typeface="Arial"/>
                 <a:cs typeface="Arial"/>
@@ -19043,7 +19038,7 @@
               </a:rPr>
               <a:t>arco Cross-Encoder</a:t>
             </a:r>
-            <a:endParaRPr sz="3200">
+            <a:endParaRPr sz="3000">
               <a:latin typeface="Arial"/>
               <a:ea typeface="Arial"/>
               <a:cs typeface="Arial"/>
@@ -19107,7 +19102,7 @@
             <a:tbl>
               <a:tblPr>
                 <a:noFill/>
-                <a:tableStyleId>{033C1521-009F-4937-872D-B6DEB82472AA}</a:tableStyleId>
+                <a:tableStyleId>{41640873-F8D4-4445-B392-D0BC1EA1FC77}</a:tableStyleId>
               </a:tblPr>
               <a:tblGrid>
                 <a:gridCol w="2404050"/>
@@ -19655,7 +19650,7 @@
               <a:buNone/>
             </a:pPr>
             <a:r>
-              <a:rPr lang="zh-TW" sz="3200">
+              <a:rPr lang="zh-TW" sz="3000">
                 <a:latin typeface="Arial"/>
                 <a:ea typeface="Arial"/>
                 <a:cs typeface="Arial"/>
@@ -19663,7 +19658,7 @@
               </a:rPr>
               <a:t>Train Data &amp; Evalution Data</a:t>
             </a:r>
-            <a:endParaRPr sz="3200">
+            <a:endParaRPr sz="3000">
               <a:latin typeface="Arial"/>
               <a:ea typeface="Arial"/>
               <a:cs typeface="Arial"/>
@@ -19986,15 +19981,15 @@
               <a:buNone/>
             </a:pPr>
             <a:r>
-              <a:rPr lang="zh-TW" sz="3200">
+              <a:rPr lang="zh-TW" sz="3000">
                 <a:latin typeface="Arial"/>
                 <a:ea typeface="Arial"/>
                 <a:cs typeface="Arial"/>
                 <a:sym typeface="Arial"/>
               </a:rPr>
-              <a:t>Train Result</a:t>
+              <a:t>Result</a:t>
             </a:r>
-            <a:endParaRPr sz="3200">
+            <a:endParaRPr sz="3000">
               <a:latin typeface="Arial"/>
               <a:ea typeface="Arial"/>
               <a:cs typeface="Arial"/>
@@ -20058,7 +20053,7 @@
             <a:tbl>
               <a:tblPr>
                 <a:noFill/>
-                <a:tableStyleId>{033C1521-009F-4937-872D-B6DEB82472AA}</a:tableStyleId>
+                <a:tableStyleId>{41640873-F8D4-4445-B392-D0BC1EA1FC77}</a:tableStyleId>
               </a:tblPr>
               <a:tblGrid>
                 <a:gridCol w="2033125"/>
@@ -20722,7 +20717,7 @@
               <a:buNone/>
             </a:pPr>
             <a:r>
-              <a:rPr lang="zh-TW" sz="3200">
+              <a:rPr lang="zh-TW" sz="3000">
                 <a:latin typeface="Arial"/>
                 <a:ea typeface="Arial"/>
                 <a:cs typeface="Arial"/>
@@ -20730,7 +20725,7 @@
               </a:rPr>
               <a:t>Introduction</a:t>
             </a:r>
-            <a:endParaRPr sz="3200">
+            <a:endParaRPr sz="3000">
               <a:latin typeface="Arial"/>
               <a:ea typeface="Arial"/>
               <a:cs typeface="Arial"/>
@@ -20997,7 +20992,7 @@
               <a:buNone/>
             </a:pPr>
             <a:r>
-              <a:rPr lang="zh-TW" sz="3200">
+              <a:rPr lang="zh-TW" sz="3000">
                 <a:latin typeface="Arial"/>
                 <a:ea typeface="Arial"/>
                 <a:cs typeface="Arial"/>
@@ -21005,7 +21000,7 @@
               </a:rPr>
               <a:t>Introduction</a:t>
             </a:r>
-            <a:endParaRPr sz="3200">
+            <a:endParaRPr sz="3000">
               <a:latin typeface="Arial"/>
               <a:ea typeface="Arial"/>
               <a:cs typeface="Arial"/>
@@ -21272,7 +21267,7 @@
               <a:buNone/>
             </a:pPr>
             <a:r>
-              <a:rPr lang="zh-TW" sz="3200">
+              <a:rPr lang="zh-TW" sz="3000">
                 <a:latin typeface="Arial"/>
                 <a:ea typeface="Arial"/>
                 <a:cs typeface="Arial"/>
@@ -21280,7 +21275,7 @@
               </a:rPr>
               <a:t>Model</a:t>
             </a:r>
-            <a:endParaRPr sz="3200">
+            <a:endParaRPr sz="3000">
               <a:latin typeface="Arial"/>
               <a:ea typeface="Arial"/>
               <a:cs typeface="Arial"/>
@@ -21611,7 +21606,7 @@
               <a:buNone/>
             </a:pPr>
             <a:r>
-              <a:rPr lang="zh-TW" sz="3200">
+              <a:rPr lang="zh-TW" sz="3000">
                 <a:latin typeface="Arial"/>
                 <a:ea typeface="Arial"/>
                 <a:cs typeface="Arial"/>
@@ -21619,7 +21614,7 @@
               </a:rPr>
               <a:t>Model</a:t>
             </a:r>
-            <a:endParaRPr sz="3200">
+            <a:endParaRPr sz="3000">
               <a:latin typeface="Arial"/>
               <a:ea typeface="Arial"/>
               <a:cs typeface="Arial"/>
@@ -22390,6 +22385,285 @@
 </file>
 
 <file path=ppt/theme/theme1.xml><?xml version="1.0" encoding="utf-8"?>
+<a:theme xmlns:a="http://schemas.openxmlformats.org/drawingml/2006/main" xmlns:r="http://schemas.openxmlformats.org/officeDocument/2006/relationships" name="Streamline">
+  <a:themeElements>
+    <a:clrScheme name="Streamline">
+      <a:dk1>
+        <a:srgbClr val="1A9988"/>
+      </a:dk1>
+      <a:lt1>
+        <a:srgbClr val="FFFFFF"/>
+      </a:lt1>
+      <a:dk2>
+        <a:srgbClr val="1A1A1A"/>
+      </a:dk2>
+      <a:lt2>
+        <a:srgbClr val="E9EDEE"/>
+      </a:lt2>
+      <a:accent1>
+        <a:srgbClr val="595959"/>
+      </a:accent1>
+      <a:accent2>
+        <a:srgbClr val="6AA4C8"/>
+      </a:accent2>
+      <a:accent3>
+        <a:srgbClr val="EB5600"/>
+      </a:accent3>
+      <a:accent4>
+        <a:srgbClr val="A2FFE8"/>
+      </a:accent4>
+      <a:accent5>
+        <a:srgbClr val="1C3678"/>
+      </a:accent5>
+      <a:accent6>
+        <a:srgbClr val="FFB8A2"/>
+      </a:accent6>
+      <a:hlink>
+        <a:srgbClr val="1C3678"/>
+      </a:hlink>
+      <a:folHlink>
+        <a:srgbClr val="1C3678"/>
+      </a:folHlink>
+    </a:clrScheme>
+    <a:fontScheme name="Office">
+      <a:majorFont>
+        <a:latin typeface="Arial"/>
+        <a:ea typeface=""/>
+        <a:cs typeface=""/>
+        <a:font script="Jpan" typeface="ＭＳ Ｐゴシック"/>
+        <a:font script="Hang" typeface="맑은 고딕"/>
+        <a:font script="Hans" typeface="宋体"/>
+        <a:font script="Hant" typeface="新細明體"/>
+        <a:font script="Arab" typeface="Times New Roman"/>
+        <a:font script="Hebr" typeface="Times New Roman"/>
+        <a:font script="Thai" typeface="Angsana New"/>
+        <a:font script="Ethi" typeface="Nyala"/>
+        <a:font script="Beng" typeface="Vrinda"/>
+        <a:font script="Gujr" typeface="Shruti"/>
+        <a:font script="Khmr" typeface="MoolBoran"/>
+        <a:font script="Knda" typeface="Tunga"/>
+        <a:font script="Guru" typeface="Raavi"/>
+        <a:font script="Cans" typeface="Euphemia"/>
+        <a:font script="Cher" typeface="Plantagenet Cherokee"/>
+        <a:font script="Yiii" typeface="Microsoft Yi Baiti"/>
+        <a:font script="Tibt" typeface="Microsoft Himalaya"/>
+        <a:font script="Thaa" typeface="MV Boli"/>
+        <a:font script="Deva" typeface="Mangal"/>
+        <a:font script="Telu" typeface="Gautami"/>
+        <a:font script="Taml" typeface="Latha"/>
+        <a:font script="Syrc" typeface="Estrangelo Edessa"/>
+        <a:font script="Orya" typeface="Kalinga"/>
+        <a:font script="Mlym" typeface="Kartika"/>
+        <a:font script="Laoo" typeface="DokChampa"/>
+        <a:font script="Sinh" typeface="Iskoola Pota"/>
+        <a:font script="Mong" typeface="Mongolian Baiti"/>
+        <a:font script="Viet" typeface="Times New Roman"/>
+        <a:font script="Uigh" typeface="Microsoft Uighur"/>
+        <a:font script="Geor" typeface="Sylfaen"/>
+      </a:majorFont>
+      <a:minorFont>
+        <a:latin typeface="Arial"/>
+        <a:ea typeface=""/>
+        <a:cs typeface=""/>
+        <a:font script="Jpan" typeface="ＭＳ Ｐゴシック"/>
+        <a:font script="Hang" typeface="맑은 고딕"/>
+        <a:font script="Hans" typeface="宋体"/>
+        <a:font script="Hant" typeface="新細明體"/>
+        <a:font script="Arab" typeface="Arial"/>
+        <a:font script="Hebr" typeface="Arial"/>
+        <a:font script="Thai" typeface="Cordia New"/>
+        <a:font script="Ethi" typeface="Nyala"/>
+        <a:font script="Beng" typeface="Vrinda"/>
+        <a:font script="Gujr" typeface="Shruti"/>
+        <a:font script="Khmr" typeface="DaunPenh"/>
+        <a:font script="Knda" typeface="Tunga"/>
+        <a:font script="Guru" typeface="Raavi"/>
+        <a:font script="Cans" typeface="Euphemia"/>
+        <a:font script="Cher" typeface="Plantagenet Cherokee"/>
+        <a:font script="Yiii" typeface="Microsoft Yi Baiti"/>
+        <a:font script="Tibt" typeface="Microsoft Himalaya"/>
+        <a:font script="Thaa" typeface="MV Boli"/>
+        <a:font script="Deva" typeface="Mangal"/>
+        <a:font script="Telu" typeface="Gautami"/>
+        <a:font script="Taml" typeface="Latha"/>
+        <a:font script="Syrc" typeface="Estrangelo Edessa"/>
+        <a:font script="Orya" typeface="Kalinga"/>
+        <a:font script="Mlym" typeface="Kartika"/>
+        <a:font script="Laoo" typeface="DokChampa"/>
+        <a:font script="Sinh" typeface="Iskoola Pota"/>
+        <a:font script="Mong" typeface="Mongolian Baiti"/>
+        <a:font script="Viet" typeface="Arial"/>
+        <a:font script="Uigh" typeface="Microsoft Uighur"/>
+        <a:font script="Geor" typeface="Sylfaen"/>
+      </a:minorFont>
+    </a:fontScheme>
+    <a:fmtScheme name="Office">
+      <a:fillStyleLst>
+        <a:solidFill>
+          <a:schemeClr val="phClr"/>
+        </a:solidFill>
+        <a:gradFill rotWithShape="1">
+          <a:gsLst>
+            <a:gs pos="0">
+              <a:schemeClr val="phClr">
+                <a:tint val="50000"/>
+                <a:satMod val="300000"/>
+              </a:schemeClr>
+            </a:gs>
+            <a:gs pos="35000">
+              <a:schemeClr val="phClr">
+                <a:tint val="37000"/>
+                <a:satMod val="300000"/>
+              </a:schemeClr>
+            </a:gs>
+            <a:gs pos="100000">
+              <a:schemeClr val="phClr">
+                <a:tint val="15000"/>
+                <a:satMod val="350000"/>
+              </a:schemeClr>
+            </a:gs>
+          </a:gsLst>
+          <a:lin ang="16200000" scaled="1"/>
+        </a:gradFill>
+        <a:gradFill rotWithShape="1">
+          <a:gsLst>
+            <a:gs pos="0">
+              <a:schemeClr val="phClr">
+                <a:tint val="100000"/>
+                <a:shade val="100000"/>
+                <a:satMod val="130000"/>
+              </a:schemeClr>
+            </a:gs>
+            <a:gs pos="100000">
+              <a:schemeClr val="phClr">
+                <a:tint val="50000"/>
+                <a:shade val="100000"/>
+                <a:satMod val="350000"/>
+              </a:schemeClr>
+            </a:gs>
+          </a:gsLst>
+          <a:lin ang="16200000" scaled="0"/>
+        </a:gradFill>
+      </a:fillStyleLst>
+      <a:lnStyleLst>
+        <a:ln w="9525" cap="flat" cmpd="sng" algn="ctr">
+          <a:solidFill>
+            <a:schemeClr val="phClr">
+              <a:shade val="95000"/>
+              <a:satMod val="105000"/>
+            </a:schemeClr>
+          </a:solidFill>
+          <a:prstDash val="solid"/>
+        </a:ln>
+        <a:ln w="25400" cap="flat" cmpd="sng" algn="ctr">
+          <a:solidFill>
+            <a:schemeClr val="phClr"/>
+          </a:solidFill>
+          <a:prstDash val="solid"/>
+        </a:ln>
+        <a:ln w="38100" cap="flat" cmpd="sng" algn="ctr">
+          <a:solidFill>
+            <a:schemeClr val="phClr"/>
+          </a:solidFill>
+          <a:prstDash val="solid"/>
+        </a:ln>
+      </a:lnStyleLst>
+      <a:effectStyleLst>
+        <a:effectStyle>
+          <a:effectLst>
+            <a:outerShdw blurRad="40000" dist="20000" dir="5400000" rotWithShape="0">
+              <a:srgbClr val="000000">
+                <a:alpha val="38000"/>
+              </a:srgbClr>
+            </a:outerShdw>
+          </a:effectLst>
+        </a:effectStyle>
+        <a:effectStyle>
+          <a:effectLst>
+            <a:outerShdw blurRad="40000" dist="23000" dir="5400000" rotWithShape="0">
+              <a:srgbClr val="000000">
+                <a:alpha val="35000"/>
+              </a:srgbClr>
+            </a:outerShdw>
+          </a:effectLst>
+        </a:effectStyle>
+        <a:effectStyle>
+          <a:effectLst>
+            <a:outerShdw blurRad="40000" dist="23000" dir="5400000" rotWithShape="0">
+              <a:srgbClr val="000000">
+                <a:alpha val="35000"/>
+              </a:srgbClr>
+            </a:outerShdw>
+          </a:effectLst>
+          <a:scene3d>
+            <a:camera prst="orthographicFront">
+              <a:rot lat="0" lon="0" rev="0"/>
+            </a:camera>
+            <a:lightRig rig="threePt" dir="t">
+              <a:rot lat="0" lon="0" rev="1200000"/>
+            </a:lightRig>
+          </a:scene3d>
+          <a:sp3d>
+            <a:bevelT w="63500" h="25400"/>
+          </a:sp3d>
+        </a:effectStyle>
+      </a:effectStyleLst>
+      <a:bgFillStyleLst>
+        <a:solidFill>
+          <a:schemeClr val="phClr"/>
+        </a:solidFill>
+        <a:gradFill rotWithShape="1">
+          <a:gsLst>
+            <a:gs pos="0">
+              <a:schemeClr val="phClr">
+                <a:tint val="40000"/>
+                <a:satMod val="350000"/>
+              </a:schemeClr>
+            </a:gs>
+            <a:gs pos="40000">
+              <a:schemeClr val="phClr">
+                <a:tint val="45000"/>
+                <a:shade val="99000"/>
+                <a:satMod val="350000"/>
+              </a:schemeClr>
+            </a:gs>
+            <a:gs pos="100000">
+              <a:schemeClr val="phClr">
+                <a:shade val="20000"/>
+                <a:satMod val="255000"/>
+              </a:schemeClr>
+            </a:gs>
+          </a:gsLst>
+          <a:path path="circle">
+            <a:fillToRect l="50000" t="-80000" r="50000" b="180000"/>
+          </a:path>
+        </a:gradFill>
+        <a:gradFill rotWithShape="1">
+          <a:gsLst>
+            <a:gs pos="0">
+              <a:schemeClr val="phClr">
+                <a:tint val="80000"/>
+                <a:satMod val="300000"/>
+              </a:schemeClr>
+            </a:gs>
+            <a:gs pos="100000">
+              <a:schemeClr val="phClr">
+                <a:shade val="30000"/>
+                <a:satMod val="200000"/>
+              </a:schemeClr>
+            </a:gs>
+          </a:gsLst>
+          <a:path path="circle">
+            <a:fillToRect l="50000" t="50000" r="50000" b="50000"/>
+          </a:path>
+        </a:gradFill>
+      </a:bgFillStyleLst>
+    </a:fmtScheme>
+  </a:themeElements>
+</a:theme>
+</file>
+
+<file path=ppt/theme/theme2.xml><?xml version="1.0" encoding="utf-8"?>
 <a:theme xmlns:a="http://schemas.openxmlformats.org/drawingml/2006/main" xmlns:r="http://schemas.openxmlformats.org/officeDocument/2006/relationships">
   <a:themeElements>
     <a:clrScheme name="Default">
@@ -22666,283 +22940,4 @@
     </a:fmtScheme>
   </a:themeElements>
 </a:theme>
-</file>
-
-<file path=ppt/theme/theme2.xml><?xml version="1.0" encoding="utf-8"?>
-<a:theme xmlns:a="http://schemas.openxmlformats.org/drawingml/2006/main" xmlns:r="http://schemas.openxmlformats.org/officeDocument/2006/relationships" name="Streamline">
-  <a:themeElements>
-    <a:clrScheme name="Streamline">
-      <a:dk1>
-        <a:srgbClr val="1A9988"/>
-      </a:dk1>
-      <a:lt1>
-        <a:srgbClr val="FFFFFF"/>
-      </a:lt1>
-      <a:dk2>
-        <a:srgbClr val="1A1A1A"/>
-      </a:dk2>
-      <a:lt2>
-        <a:srgbClr val="E9EDEE"/>
-      </a:lt2>
-      <a:accent1>
-        <a:srgbClr val="595959"/>
-      </a:accent1>
-      <a:accent2>
-        <a:srgbClr val="6AA4C8"/>
-      </a:accent2>
-      <a:accent3>
-        <a:srgbClr val="EB5600"/>
-      </a:accent3>
-      <a:accent4>
-        <a:srgbClr val="A2FFE8"/>
-      </a:accent4>
-      <a:accent5>
-        <a:srgbClr val="1C3678"/>
-      </a:accent5>
-      <a:accent6>
-        <a:srgbClr val="FFB8A2"/>
-      </a:accent6>
-      <a:hlink>
-        <a:srgbClr val="1C3678"/>
-      </a:hlink>
-      <a:folHlink>
-        <a:srgbClr val="1C3678"/>
-      </a:folHlink>
-    </a:clrScheme>
-    <a:fontScheme name="Office">
-      <a:majorFont>
-        <a:latin typeface="Arial"/>
-        <a:ea typeface=""/>
-        <a:cs typeface=""/>
-        <a:font script="Jpan" typeface="ＭＳ Ｐゴシック"/>
-        <a:font script="Hang" typeface="맑은 고딕"/>
-        <a:font script="Hans" typeface="宋体"/>
-        <a:font script="Hant" typeface="新細明體"/>
-        <a:font script="Arab" typeface="Times New Roman"/>
-        <a:font script="Hebr" typeface="Times New Roman"/>
-        <a:font script="Thai" typeface="Angsana New"/>
-        <a:font script="Ethi" typeface="Nyala"/>
-        <a:font script="Beng" typeface="Vrinda"/>
-        <a:font script="Gujr" typeface="Shruti"/>
-        <a:font script="Khmr" typeface="MoolBoran"/>
-        <a:font script="Knda" typeface="Tunga"/>
-        <a:font script="Guru" typeface="Raavi"/>
-        <a:font script="Cans" typeface="Euphemia"/>
-        <a:font script="Cher" typeface="Plantagenet Cherokee"/>
-        <a:font script="Yiii" typeface="Microsoft Yi Baiti"/>
-        <a:font script="Tibt" typeface="Microsoft Himalaya"/>
-        <a:font script="Thaa" typeface="MV Boli"/>
-        <a:font script="Deva" typeface="Mangal"/>
-        <a:font script="Telu" typeface="Gautami"/>
-        <a:font script="Taml" typeface="Latha"/>
-        <a:font script="Syrc" typeface="Estrangelo Edessa"/>
-        <a:font script="Orya" typeface="Kalinga"/>
-        <a:font script="Mlym" typeface="Kartika"/>
-        <a:font script="Laoo" typeface="DokChampa"/>
-        <a:font script="Sinh" typeface="Iskoola Pota"/>
-        <a:font script="Mong" typeface="Mongolian Baiti"/>
-        <a:font script="Viet" typeface="Times New Roman"/>
-        <a:font script="Uigh" typeface="Microsoft Uighur"/>
-        <a:font script="Geor" typeface="Sylfaen"/>
-      </a:majorFont>
-      <a:minorFont>
-        <a:latin typeface="Arial"/>
-        <a:ea typeface=""/>
-        <a:cs typeface=""/>
-        <a:font script="Jpan" typeface="ＭＳ Ｐゴシック"/>
-        <a:font script="Hang" typeface="맑은 고딕"/>
-        <a:font script="Hans" typeface="宋体"/>
-        <a:font script="Hant" typeface="新細明體"/>
-        <a:font script="Arab" typeface="Arial"/>
-        <a:font script="Hebr" typeface="Arial"/>
-        <a:font script="Thai" typeface="Cordia New"/>
-        <a:font script="Ethi" typeface="Nyala"/>
-        <a:font script="Beng" typeface="Vrinda"/>
-        <a:font script="Gujr" typeface="Shruti"/>
-        <a:font script="Khmr" typeface="DaunPenh"/>
-        <a:font script="Knda" typeface="Tunga"/>
-        <a:font script="Guru" typeface="Raavi"/>
-        <a:font script="Cans" typeface="Euphemia"/>
-        <a:font script="Cher" typeface="Plantagenet Cherokee"/>
-        <a:font script="Yiii" typeface="Microsoft Yi Baiti"/>
-        <a:font script="Tibt" typeface="Microsoft Himalaya"/>
-        <a:font script="Thaa" typeface="MV Boli"/>
-        <a:font script="Deva" typeface="Mangal"/>
-        <a:font script="Telu" typeface="Gautami"/>
-        <a:font script="Taml" typeface="Latha"/>
-        <a:font script="Syrc" typeface="Estrangelo Edessa"/>
-        <a:font script="Orya" typeface="Kalinga"/>
-        <a:font script="Mlym" typeface="Kartika"/>
-        <a:font script="Laoo" typeface="DokChampa"/>
-        <a:font script="Sinh" typeface="Iskoola Pota"/>
-        <a:font script="Mong" typeface="Mongolian Baiti"/>
-        <a:font script="Viet" typeface="Arial"/>
-        <a:font script="Uigh" typeface="Microsoft Uighur"/>
-        <a:font script="Geor" typeface="Sylfaen"/>
-      </a:minorFont>
-    </a:fontScheme>
-    <a:fmtScheme name="Office">
-      <a:fillStyleLst>
-        <a:solidFill>
-          <a:schemeClr val="phClr"/>
-        </a:solidFill>
-        <a:gradFill rotWithShape="1">
-          <a:gsLst>
-            <a:gs pos="0">
-              <a:schemeClr val="phClr">
-                <a:tint val="50000"/>
-                <a:satMod val="300000"/>
-              </a:schemeClr>
-            </a:gs>
-            <a:gs pos="35000">
-              <a:schemeClr val="phClr">
-                <a:tint val="37000"/>
-                <a:satMod val="300000"/>
-              </a:schemeClr>
-            </a:gs>
-            <a:gs pos="100000">
-              <a:schemeClr val="phClr">
-                <a:tint val="15000"/>
-                <a:satMod val="350000"/>
-              </a:schemeClr>
-            </a:gs>
-          </a:gsLst>
-          <a:lin ang="16200000" scaled="1"/>
-        </a:gradFill>
-        <a:gradFill rotWithShape="1">
-          <a:gsLst>
-            <a:gs pos="0">
-              <a:schemeClr val="phClr">
-                <a:tint val="100000"/>
-                <a:shade val="100000"/>
-                <a:satMod val="130000"/>
-              </a:schemeClr>
-            </a:gs>
-            <a:gs pos="100000">
-              <a:schemeClr val="phClr">
-                <a:tint val="50000"/>
-                <a:shade val="100000"/>
-                <a:satMod val="350000"/>
-              </a:schemeClr>
-            </a:gs>
-          </a:gsLst>
-          <a:lin ang="16200000" scaled="0"/>
-        </a:gradFill>
-      </a:fillStyleLst>
-      <a:lnStyleLst>
-        <a:ln w="9525" cap="flat" cmpd="sng" algn="ctr">
-          <a:solidFill>
-            <a:schemeClr val="phClr">
-              <a:shade val="95000"/>
-              <a:satMod val="105000"/>
-            </a:schemeClr>
-          </a:solidFill>
-          <a:prstDash val="solid"/>
-        </a:ln>
-        <a:ln w="25400" cap="flat" cmpd="sng" algn="ctr">
-          <a:solidFill>
-            <a:schemeClr val="phClr"/>
-          </a:solidFill>
-          <a:prstDash val="solid"/>
-        </a:ln>
-        <a:ln w="38100" cap="flat" cmpd="sng" algn="ctr">
-          <a:solidFill>
-            <a:schemeClr val="phClr"/>
-          </a:solidFill>
-          <a:prstDash val="solid"/>
-        </a:ln>
-      </a:lnStyleLst>
-      <a:effectStyleLst>
-        <a:effectStyle>
-          <a:effectLst>
-            <a:outerShdw blurRad="40000" dist="20000" dir="5400000" rotWithShape="0">
-              <a:srgbClr val="000000">
-                <a:alpha val="38000"/>
-              </a:srgbClr>
-            </a:outerShdw>
-          </a:effectLst>
-        </a:effectStyle>
-        <a:effectStyle>
-          <a:effectLst>
-            <a:outerShdw blurRad="40000" dist="23000" dir="5400000" rotWithShape="0">
-              <a:srgbClr val="000000">
-                <a:alpha val="35000"/>
-              </a:srgbClr>
-            </a:outerShdw>
-          </a:effectLst>
-        </a:effectStyle>
-        <a:effectStyle>
-          <a:effectLst>
-            <a:outerShdw blurRad="40000" dist="23000" dir="5400000" rotWithShape="0">
-              <a:srgbClr val="000000">
-                <a:alpha val="35000"/>
-              </a:srgbClr>
-            </a:outerShdw>
-          </a:effectLst>
-          <a:scene3d>
-            <a:camera prst="orthographicFront">
-              <a:rot lat="0" lon="0" rev="0"/>
-            </a:camera>
-            <a:lightRig rig="threePt" dir="t">
-              <a:rot lat="0" lon="0" rev="1200000"/>
-            </a:lightRig>
-          </a:scene3d>
-          <a:sp3d>
-            <a:bevelT w="63500" h="25400"/>
-          </a:sp3d>
-        </a:effectStyle>
-      </a:effectStyleLst>
-      <a:bgFillStyleLst>
-        <a:solidFill>
-          <a:schemeClr val="phClr"/>
-        </a:solidFill>
-        <a:gradFill rotWithShape="1">
-          <a:gsLst>
-            <a:gs pos="0">
-              <a:schemeClr val="phClr">
-                <a:tint val="40000"/>
-                <a:satMod val="350000"/>
-              </a:schemeClr>
-            </a:gs>
-            <a:gs pos="40000">
-              <a:schemeClr val="phClr">
-                <a:tint val="45000"/>
-                <a:shade val="99000"/>
-                <a:satMod val="350000"/>
-              </a:schemeClr>
-            </a:gs>
-            <a:gs pos="100000">
-              <a:schemeClr val="phClr">
-                <a:shade val="20000"/>
-                <a:satMod val="255000"/>
-              </a:schemeClr>
-            </a:gs>
-          </a:gsLst>
-          <a:path path="circle">
-            <a:fillToRect l="50000" t="-80000" r="50000" b="180000"/>
-          </a:path>
-        </a:gradFill>
-        <a:gradFill rotWithShape="1">
-          <a:gsLst>
-            <a:gs pos="0">
-              <a:schemeClr val="phClr">
-                <a:tint val="80000"/>
-                <a:satMod val="300000"/>
-              </a:schemeClr>
-            </a:gs>
-            <a:gs pos="100000">
-              <a:schemeClr val="phClr">
-                <a:shade val="30000"/>
-                <a:satMod val="200000"/>
-              </a:schemeClr>
-            </a:gs>
-          </a:gsLst>
-          <a:path path="circle">
-            <a:fillToRect l="50000" t="50000" r="50000" b="50000"/>
-          </a:path>
-        </a:gradFill>
-      </a:bgFillStyleLst>
-    </a:fmtScheme>
-  </a:themeElements>
-</a:theme>
 </file>
--- a/IR資訊檢索_第9組_FinalProject.pptx
+++ b/IR資訊檢索_第9組_FinalProject.pptx
@@ -13314,7 +13314,7 @@
             <a:tbl>
               <a:tblPr>
                 <a:noFill/>
-                <a:tableStyleId>{41640873-F8D4-4445-B392-D0BC1EA1FC77}</a:tableStyleId>
+                <a:tableStyleId>{5510422C-934F-4354-8EBF-AFEED36D79B3}</a:tableStyleId>
               </a:tblPr>
               <a:tblGrid>
                 <a:gridCol w="384200"/>
@@ -14965,7 +14965,7 @@
             <a:tbl>
               <a:tblPr>
                 <a:noFill/>
-                <a:tableStyleId>{41640873-F8D4-4445-B392-D0BC1EA1FC77}</a:tableStyleId>
+                <a:tableStyleId>{5510422C-934F-4354-8EBF-AFEED36D79B3}</a:tableStyleId>
               </a:tblPr>
               <a:tblGrid>
                 <a:gridCol w="382850"/>
@@ -16739,7 +16739,7 @@
             <a:tbl>
               <a:tblPr>
                 <a:noFill/>
-                <a:tableStyleId>{41640873-F8D4-4445-B392-D0BC1EA1FC77}</a:tableStyleId>
+                <a:tableStyleId>{5510422C-934F-4354-8EBF-AFEED36D79B3}</a:tableStyleId>
               </a:tblPr>
               <a:tblGrid>
                 <a:gridCol w="396325"/>
@@ -18026,7 +18026,7 @@
             <a:tbl>
               <a:tblPr>
                 <a:noFill/>
-                <a:tableStyleId>{41640873-F8D4-4445-B392-D0BC1EA1FC77}</a:tableStyleId>
+                <a:tableStyleId>{5510422C-934F-4354-8EBF-AFEED36D79B3}</a:tableStyleId>
               </a:tblPr>
               <a:tblGrid>
                 <a:gridCol w="382850"/>
@@ -19102,7 +19102,7 @@
             <a:tbl>
               <a:tblPr>
                 <a:noFill/>
-                <a:tableStyleId>{41640873-F8D4-4445-B392-D0BC1EA1FC77}</a:tableStyleId>
+                <a:tableStyleId>{5510422C-934F-4354-8EBF-AFEED36D79B3}</a:tableStyleId>
               </a:tblPr>
               <a:tblGrid>
                 <a:gridCol w="2404050"/>
@@ -19232,7 +19232,7 @@
                             <a:schemeClr val="dk2"/>
                           </a:solidFill>
                         </a:rPr>
-                        <a:t>ms-marco-MiniLM-L-6-v2</a:t>
+                        <a:t>distilroberta-base</a:t>
                       </a:r>
                       <a:endParaRPr>
                         <a:solidFill>
@@ -20053,7 +20053,7 @@
             <a:tbl>
               <a:tblPr>
                 <a:noFill/>
-                <a:tableStyleId>{41640873-F8D4-4445-B392-D0BC1EA1FC77}</a:tableStyleId>
+                <a:tableStyleId>{5510422C-934F-4354-8EBF-AFEED36D79B3}</a:tableStyleId>
               </a:tblPr>
               <a:tblGrid>
                 <a:gridCol w="2033125"/>
@@ -22385,6 +22385,285 @@
 </file>
 
 <file path=ppt/theme/theme1.xml><?xml version="1.0" encoding="utf-8"?>
+<a:theme xmlns:a="http://schemas.openxmlformats.org/drawingml/2006/main" xmlns:r="http://schemas.openxmlformats.org/officeDocument/2006/relationships">
+  <a:themeElements>
+    <a:clrScheme name="Default">
+      <a:dk1>
+        <a:srgbClr val="000000"/>
+      </a:dk1>
+      <a:lt1>
+        <a:srgbClr val="FFFFFF"/>
+      </a:lt1>
+      <a:dk2>
+        <a:srgbClr val="158158"/>
+      </a:dk2>
+      <a:lt2>
+        <a:srgbClr val="F3F3F3"/>
+      </a:lt2>
+      <a:accent1>
+        <a:srgbClr val="058DC7"/>
+      </a:accent1>
+      <a:accent2>
+        <a:srgbClr val="50B432"/>
+      </a:accent2>
+      <a:accent3>
+        <a:srgbClr val="ED561B"/>
+      </a:accent3>
+      <a:accent4>
+        <a:srgbClr val="EDEF00"/>
+      </a:accent4>
+      <a:accent5>
+        <a:srgbClr val="24CBE5"/>
+      </a:accent5>
+      <a:accent6>
+        <a:srgbClr val="64E572"/>
+      </a:accent6>
+      <a:hlink>
+        <a:srgbClr val="2200CC"/>
+      </a:hlink>
+      <a:folHlink>
+        <a:srgbClr val="551A8B"/>
+      </a:folHlink>
+    </a:clrScheme>
+    <a:fontScheme name="Office">
+      <a:majorFont>
+        <a:latin typeface="Arial"/>
+        <a:ea typeface=""/>
+        <a:cs typeface=""/>
+        <a:font script="Jpan" typeface="ＭＳ Ｐゴシック"/>
+        <a:font script="Hang" typeface="맑은 고딕"/>
+        <a:font script="Hans" typeface="宋体"/>
+        <a:font script="Hant" typeface="新細明體"/>
+        <a:font script="Arab" typeface="Times New Roman"/>
+        <a:font script="Hebr" typeface="Times New Roman"/>
+        <a:font script="Thai" typeface="Angsana New"/>
+        <a:font script="Ethi" typeface="Nyala"/>
+        <a:font script="Beng" typeface="Vrinda"/>
+        <a:font script="Gujr" typeface="Shruti"/>
+        <a:font script="Khmr" typeface="MoolBoran"/>
+        <a:font script="Knda" typeface="Tunga"/>
+        <a:font script="Guru" typeface="Raavi"/>
+        <a:font script="Cans" typeface="Euphemia"/>
+        <a:font script="Cher" typeface="Plantagenet Cherokee"/>
+        <a:font script="Yiii" typeface="Microsoft Yi Baiti"/>
+        <a:font script="Tibt" typeface="Microsoft Himalaya"/>
+        <a:font script="Thaa" typeface="MV Boli"/>
+        <a:font script="Deva" typeface="Mangal"/>
+        <a:font script="Telu" typeface="Gautami"/>
+        <a:font script="Taml" typeface="Latha"/>
+        <a:font script="Syrc" typeface="Estrangelo Edessa"/>
+        <a:font script="Orya" typeface="Kalinga"/>
+        <a:font script="Mlym" typeface="Kartika"/>
+        <a:font script="Laoo" typeface="DokChampa"/>
+        <a:font script="Sinh" typeface="Iskoola Pota"/>
+        <a:font script="Mong" typeface="Mongolian Baiti"/>
+        <a:font script="Viet" typeface="Times New Roman"/>
+        <a:font script="Uigh" typeface="Microsoft Uighur"/>
+        <a:font script="Geor" typeface="Sylfaen"/>
+      </a:majorFont>
+      <a:minorFont>
+        <a:latin typeface="Arial"/>
+        <a:ea typeface=""/>
+        <a:cs typeface=""/>
+        <a:font script="Jpan" typeface="ＭＳ Ｐゴシック"/>
+        <a:font script="Hang" typeface="맑은 고딕"/>
+        <a:font script="Hans" typeface="宋体"/>
+        <a:font script="Hant" typeface="新細明體"/>
+        <a:font script="Arab" typeface="Arial"/>
+        <a:font script="Hebr" typeface="Arial"/>
+        <a:font script="Thai" typeface="Cordia New"/>
+        <a:font script="Ethi" typeface="Nyala"/>
+        <a:font script="Beng" typeface="Vrinda"/>
+        <a:font script="Gujr" typeface="Shruti"/>
+        <a:font script="Khmr" typeface="DaunPenh"/>
+        <a:font script="Knda" typeface="Tunga"/>
+        <a:font script="Guru" typeface="Raavi"/>
+        <a:font script="Cans" typeface="Euphemia"/>
+        <a:font script="Cher" typeface="Plantagenet Cherokee"/>
+        <a:font script="Yiii" typeface="Microsoft Yi Baiti"/>
+        <a:font script="Tibt" typeface="Microsoft Himalaya"/>
+        <a:font script="Thaa" typeface="MV Boli"/>
+        <a:font script="Deva" typeface="Mangal"/>
+        <a:font script="Telu" typeface="Gautami"/>
+        <a:font script="Taml" typeface="Latha"/>
+        <a:font script="Syrc" typeface="Estrangelo Edessa"/>
+        <a:font script="Orya" typeface="Kalinga"/>
+        <a:font script="Mlym" typeface="Kartika"/>
+        <a:font script="Laoo" typeface="DokChampa"/>
+        <a:font script="Sinh" typeface="Iskoola Pota"/>
+        <a:font script="Mong" typeface="Mongolian Baiti"/>
+        <a:font script="Viet" typeface="Arial"/>
+        <a:font script="Uigh" typeface="Microsoft Uighur"/>
+        <a:font script="Geor" typeface="Sylfaen"/>
+      </a:minorFont>
+    </a:fontScheme>
+    <a:fmtScheme name="Office">
+      <a:fillStyleLst>
+        <a:solidFill>
+          <a:schemeClr val="phClr"/>
+        </a:solidFill>
+        <a:gradFill rotWithShape="1">
+          <a:gsLst>
+            <a:gs pos="0">
+              <a:schemeClr val="phClr">
+                <a:tint val="50000"/>
+                <a:satMod val="300000"/>
+              </a:schemeClr>
+            </a:gs>
+            <a:gs pos="35000">
+              <a:schemeClr val="phClr">
+                <a:tint val="37000"/>
+                <a:satMod val="300000"/>
+              </a:schemeClr>
+            </a:gs>
+            <a:gs pos="100000">
+              <a:schemeClr val="phClr">
+                <a:tint val="15000"/>
+                <a:satMod val="350000"/>
+              </a:schemeClr>
+            </a:gs>
+          </a:gsLst>
+          <a:lin ang="16200000" scaled="1"/>
+        </a:gradFill>
+        <a:gradFill rotWithShape="1">
+          <a:gsLst>
+            <a:gs pos="0">
+              <a:schemeClr val="phClr">
+                <a:tint val="100000"/>
+                <a:shade val="100000"/>
+                <a:satMod val="130000"/>
+              </a:schemeClr>
+            </a:gs>
+            <a:gs pos="100000">
+              <a:schemeClr val="phClr">
+                <a:tint val="50000"/>
+                <a:shade val="100000"/>
+                <a:satMod val="350000"/>
+              </a:schemeClr>
+            </a:gs>
+          </a:gsLst>
+          <a:lin ang="16200000" scaled="0"/>
+        </a:gradFill>
+      </a:fillStyleLst>
+      <a:lnStyleLst>
+        <a:ln w="9525" cap="flat" cmpd="sng" algn="ctr">
+          <a:solidFill>
+            <a:schemeClr val="phClr">
+              <a:shade val="95000"/>
+              <a:satMod val="105000"/>
+            </a:schemeClr>
+          </a:solidFill>
+          <a:prstDash val="solid"/>
+        </a:ln>
+        <a:ln w="25400" cap="flat" cmpd="sng" algn="ctr">
+          <a:solidFill>
+            <a:schemeClr val="phClr"/>
+          </a:solidFill>
+          <a:prstDash val="solid"/>
+        </a:ln>
+        <a:ln w="38100" cap="flat" cmpd="sng" algn="ctr">
+          <a:solidFill>
+            <a:schemeClr val="phClr"/>
+          </a:solidFill>
+          <a:prstDash val="solid"/>
+        </a:ln>
+      </a:lnStyleLst>
+      <a:effectStyleLst>
+        <a:effectStyle>
+          <a:effectLst>
+            <a:outerShdw blurRad="40000" dist="20000" dir="5400000" rotWithShape="0">
+              <a:srgbClr val="000000">
+                <a:alpha val="38000"/>
+              </a:srgbClr>
+            </a:outerShdw>
+          </a:effectLst>
+        </a:effectStyle>
+        <a:effectStyle>
+          <a:effectLst>
+            <a:outerShdw blurRad="40000" dist="23000" dir="5400000" rotWithShape="0">
+              <a:srgbClr val="000000">
+                <a:alpha val="35000"/>
+              </a:srgbClr>
+            </a:outerShdw>
+          </a:effectLst>
+        </a:effectStyle>
+        <a:effectStyle>
+          <a:effectLst>
+            <a:outerShdw blurRad="40000" dist="23000" dir="5400000" rotWithShape="0">
+              <a:srgbClr val="000000">
+                <a:alpha val="35000"/>
+              </a:srgbClr>
+            </a:outerShdw>
+          </a:effectLst>
+          <a:scene3d>
+            <a:camera prst="orthographicFront">
+              <a:rot lat="0" lon="0" rev="0"/>
+            </a:camera>
+            <a:lightRig rig="threePt" dir="t">
+              <a:rot lat="0" lon="0" rev="1200000"/>
+            </a:lightRig>
+          </a:scene3d>
+          <a:sp3d>
+            <a:bevelT w="63500" h="25400"/>
+          </a:sp3d>
+        </a:effectStyle>
+      </a:effectStyleLst>
+      <a:bgFillStyleLst>
+        <a:solidFill>
+          <a:schemeClr val="phClr"/>
+        </a:solidFill>
+        <a:gradFill rotWithShape="1">
+          <a:gsLst>
+            <a:gs pos="0">
+              <a:schemeClr val="phClr">
+                <a:tint val="40000"/>
+                <a:satMod val="350000"/>
+              </a:schemeClr>
+            </a:gs>
+            <a:gs pos="40000">
+              <a:schemeClr val="phClr">
+                <a:tint val="45000"/>
+                <a:shade val="99000"/>
+                <a:satMod val="350000"/>
+              </a:schemeClr>
+            </a:gs>
+            <a:gs pos="100000">
+              <a:schemeClr val="phClr">
+                <a:shade val="20000"/>
+                <a:satMod val="255000"/>
+              </a:schemeClr>
+            </a:gs>
+          </a:gsLst>
+          <a:path path="circle">
+            <a:fillToRect l="50000" t="-80000" r="50000" b="180000"/>
+          </a:path>
+        </a:gradFill>
+        <a:gradFill rotWithShape="1">
+          <a:gsLst>
+            <a:gs pos="0">
+              <a:schemeClr val="phClr">
+                <a:tint val="80000"/>
+                <a:satMod val="300000"/>
+              </a:schemeClr>
+            </a:gs>
+            <a:gs pos="100000">
+              <a:schemeClr val="phClr">
+                <a:shade val="30000"/>
+                <a:satMod val="200000"/>
+              </a:schemeClr>
+            </a:gs>
+          </a:gsLst>
+          <a:path path="circle">
+            <a:fillToRect l="50000" t="50000" r="50000" b="50000"/>
+          </a:path>
+        </a:gradFill>
+      </a:bgFillStyleLst>
+    </a:fmtScheme>
+  </a:themeElements>
+</a:theme>
+</file>
+
+<file path=ppt/theme/theme2.xml><?xml version="1.0" encoding="utf-8"?>
 <a:theme xmlns:a="http://schemas.openxmlformats.org/drawingml/2006/main" xmlns:r="http://schemas.openxmlformats.org/officeDocument/2006/relationships" name="Streamline">
   <a:themeElements>
     <a:clrScheme name="Streamline">
@@ -22661,283 +22940,4 @@
     </a:fmtScheme>
   </a:themeElements>
 </a:theme>
-</file>
-
-<file path=ppt/theme/theme2.xml><?xml version="1.0" encoding="utf-8"?>
-<a:theme xmlns:a="http://schemas.openxmlformats.org/drawingml/2006/main" xmlns:r="http://schemas.openxmlformats.org/officeDocument/2006/relationships">
-  <a:themeElements>
-    <a:clrScheme name="Default">
-      <a:dk1>
-        <a:srgbClr val="000000"/>
-      </a:dk1>
-      <a:lt1>
-        <a:srgbClr val="FFFFFF"/>
-      </a:lt1>
-      <a:dk2>
-        <a:srgbClr val="158158"/>
-      </a:dk2>
-      <a:lt2>
-        <a:srgbClr val="F3F3F3"/>
-      </a:lt2>
-      <a:accent1>
-        <a:srgbClr val="058DC7"/>
-      </a:accent1>
-      <a:accent2>
-        <a:srgbClr val="50B432"/>
-      </a:accent2>
-      <a:accent3>
-        <a:srgbClr val="ED561B"/>
-      </a:accent3>
-      <a:accent4>
-        <a:srgbClr val="EDEF00"/>
-      </a:accent4>
-      <a:accent5>
-        <a:srgbClr val="24CBE5"/>
-      </a:accent5>
-      <a:accent6>
-        <a:srgbClr val="64E572"/>
-      </a:accent6>
-      <a:hlink>
-        <a:srgbClr val="2200CC"/>
-      </a:hlink>
-      <a:folHlink>
-        <a:srgbClr val="551A8B"/>
-      </a:folHlink>
-    </a:clrScheme>
-    <a:fontScheme name="Office">
-      <a:majorFont>
-        <a:latin typeface="Arial"/>
-        <a:ea typeface=""/>
-        <a:cs typeface=""/>
-        <a:font script="Jpan" typeface="ＭＳ Ｐゴシック"/>
-        <a:font script="Hang" typeface="맑은 고딕"/>
-        <a:font script="Hans" typeface="宋体"/>
-        <a:font script="Hant" typeface="新細明體"/>
-        <a:font script="Arab" typeface="Times New Roman"/>
-        <a:font script="Hebr" typeface="Times New Roman"/>
-        <a:font script="Thai" typeface="Angsana New"/>
-        <a:font script="Ethi" typeface="Nyala"/>
-        <a:font script="Beng" typeface="Vrinda"/>
-        <a:font script="Gujr" typeface="Shruti"/>
-        <a:font script="Khmr" typeface="MoolBoran"/>
-        <a:font script="Knda" typeface="Tunga"/>
-        <a:font script="Guru" typeface="Raavi"/>
-        <a:font script="Cans" typeface="Euphemia"/>
-        <a:font script="Cher" typeface="Plantagenet Cherokee"/>
-        <a:font script="Yiii" typeface="Microsoft Yi Baiti"/>
-        <a:font script="Tibt" typeface="Microsoft Himalaya"/>
-        <a:font script="Thaa" typeface="MV Boli"/>
-        <a:font script="Deva" typeface="Mangal"/>
-        <a:font script="Telu" typeface="Gautami"/>
-        <a:font script="Taml" typeface="Latha"/>
-        <a:font script="Syrc" typeface="Estrangelo Edessa"/>
-        <a:font script="Orya" typeface="Kalinga"/>
-        <a:font script="Mlym" typeface="Kartika"/>
-        <a:font script="Laoo" typeface="DokChampa"/>
-        <a:font script="Sinh" typeface="Iskoola Pota"/>
-        <a:font script="Mong" typeface="Mongolian Baiti"/>
-        <a:font script="Viet" typeface="Times New Roman"/>
-        <a:font script="Uigh" typeface="Microsoft Uighur"/>
-        <a:font script="Geor" typeface="Sylfaen"/>
-      </a:majorFont>
-      <a:minorFont>
-        <a:latin typeface="Arial"/>
-        <a:ea typeface=""/>
-        <a:cs typeface=""/>
-        <a:font script="Jpan" typeface="ＭＳ Ｐゴシック"/>
-        <a:font script="Hang" typeface="맑은 고딕"/>
-        <a:font script="Hans" typeface="宋体"/>
-        <a:font script="Hant" typeface="新細明體"/>
-        <a:font script="Arab" typeface="Arial"/>
-        <a:font script="Hebr" typeface="Arial"/>
-        <a:font script="Thai" typeface="Cordia New"/>
-        <a:font script="Ethi" typeface="Nyala"/>
-        <a:font script="Beng" typeface="Vrinda"/>
-        <a:font script="Gujr" typeface="Shruti"/>
-        <a:font script="Khmr" typeface="DaunPenh"/>
-        <a:font script="Knda" typeface="Tunga"/>
-        <a:font script="Guru" typeface="Raavi"/>
-        <a:font script="Cans" typeface="Euphemia"/>
-        <a:font script="Cher" typeface="Plantagenet Cherokee"/>
-        <a:font script="Yiii" typeface="Microsoft Yi Baiti"/>
-        <a:font script="Tibt" typeface="Microsoft Himalaya"/>
-        <a:font script="Thaa" typeface="MV Boli"/>
-        <a:font script="Deva" typeface="Mangal"/>
-        <a:font script="Telu" typeface="Gautami"/>
-        <a:font script="Taml" typeface="Latha"/>
-        <a:font script="Syrc" typeface="Estrangelo Edessa"/>
-        <a:font script="Orya" typeface="Kalinga"/>
-        <a:font script="Mlym" typeface="Kartika"/>
-        <a:font script="Laoo" typeface="DokChampa"/>
-        <a:font script="Sinh" typeface="Iskoola Pota"/>
-        <a:font script="Mong" typeface="Mongolian Baiti"/>
-        <a:font script="Viet" typeface="Arial"/>
-        <a:font script="Uigh" typeface="Microsoft Uighur"/>
-        <a:font script="Geor" typeface="Sylfaen"/>
-      </a:minorFont>
-    </a:fontScheme>
-    <a:fmtScheme name="Office">
-      <a:fillStyleLst>
-        <a:solidFill>
-          <a:schemeClr val="phClr"/>
-        </a:solidFill>
-        <a:gradFill rotWithShape="1">
-          <a:gsLst>
-            <a:gs pos="0">
-              <a:schemeClr val="phClr">
-                <a:tint val="50000"/>
-                <a:satMod val="300000"/>
-              </a:schemeClr>
-            </a:gs>
-            <a:gs pos="35000">
-              <a:schemeClr val="phClr">
-                <a:tint val="37000"/>
-                <a:satMod val="300000"/>
-              </a:schemeClr>
-            </a:gs>
-            <a:gs pos="100000">
-              <a:schemeClr val="phClr">
-                <a:tint val="15000"/>
-                <a:satMod val="350000"/>
-              </a:schemeClr>
-            </a:gs>
-          </a:gsLst>
-          <a:lin ang="16200000" scaled="1"/>
-        </a:gradFill>
-        <a:gradFill rotWithShape="1">
-          <a:gsLst>
-            <a:gs pos="0">
-              <a:schemeClr val="phClr">
-                <a:tint val="100000"/>
-                <a:shade val="100000"/>
-                <a:satMod val="130000"/>
-              </a:schemeClr>
-            </a:gs>
-            <a:gs pos="100000">
-              <a:schemeClr val="phClr">
-                <a:tint val="50000"/>
-                <a:shade val="100000"/>
-                <a:satMod val="350000"/>
-              </a:schemeClr>
-            </a:gs>
-          </a:gsLst>
-          <a:lin ang="16200000" scaled="0"/>
-        </a:gradFill>
-      </a:fillStyleLst>
-      <a:lnStyleLst>
-        <a:ln w="9525" cap="flat" cmpd="sng" algn="ctr">
-          <a:solidFill>
-            <a:schemeClr val="phClr">
-              <a:shade val="95000"/>
-              <a:satMod val="105000"/>
-            </a:schemeClr>
-          </a:solidFill>
-          <a:prstDash val="solid"/>
-        </a:ln>
-        <a:ln w="25400" cap="flat" cmpd="sng" algn="ctr">
-          <a:solidFill>
-            <a:schemeClr val="phClr"/>
-          </a:solidFill>
-          <a:prstDash val="solid"/>
-        </a:ln>
-        <a:ln w="38100" cap="flat" cmpd="sng" algn="ctr">
-          <a:solidFill>
-            <a:schemeClr val="phClr"/>
-          </a:solidFill>
-          <a:prstDash val="solid"/>
-        </a:ln>
-      </a:lnStyleLst>
-      <a:effectStyleLst>
-        <a:effectStyle>
-          <a:effectLst>
-            <a:outerShdw blurRad="40000" dist="20000" dir="5400000" rotWithShape="0">
-              <a:srgbClr val="000000">
-                <a:alpha val="38000"/>
-              </a:srgbClr>
-            </a:outerShdw>
-          </a:effectLst>
-        </a:effectStyle>
-        <a:effectStyle>
-          <a:effectLst>
-            <a:outerShdw blurRad="40000" dist="23000" dir="5400000" rotWithShape="0">
-              <a:srgbClr val="000000">
-                <a:alpha val="35000"/>
-              </a:srgbClr>
-            </a:outerShdw>
-          </a:effectLst>
-        </a:effectStyle>
-        <a:effectStyle>
-          <a:effectLst>
-            <a:outerShdw blurRad="40000" dist="23000" dir="5400000" rotWithShape="0">
-              <a:srgbClr val="000000">
-                <a:alpha val="35000"/>
-              </a:srgbClr>
-            </a:outerShdw>
-          </a:effectLst>
-          <a:scene3d>
-            <a:camera prst="orthographicFront">
-              <a:rot lat="0" lon="0" rev="0"/>
-            </a:camera>
-            <a:lightRig rig="threePt" dir="t">
-              <a:rot lat="0" lon="0" rev="1200000"/>
-            </a:lightRig>
-          </a:scene3d>
-          <a:sp3d>
-            <a:bevelT w="63500" h="25400"/>
-          </a:sp3d>
-        </a:effectStyle>
-      </a:effectStyleLst>
-      <a:bgFillStyleLst>
-        <a:solidFill>
-          <a:schemeClr val="phClr"/>
-        </a:solidFill>
-        <a:gradFill rotWithShape="1">
-          <a:gsLst>
-            <a:gs pos="0">
-              <a:schemeClr val="phClr">
-                <a:tint val="40000"/>
-                <a:satMod val="350000"/>
-              </a:schemeClr>
-            </a:gs>
-            <a:gs pos="40000">
-              <a:schemeClr val="phClr">
-                <a:tint val="45000"/>
-                <a:shade val="99000"/>
-                <a:satMod val="350000"/>
-              </a:schemeClr>
-            </a:gs>
-            <a:gs pos="100000">
-              <a:schemeClr val="phClr">
-                <a:shade val="20000"/>
-                <a:satMod val="255000"/>
-              </a:schemeClr>
-            </a:gs>
-          </a:gsLst>
-          <a:path path="circle">
-            <a:fillToRect l="50000" t="-80000" r="50000" b="180000"/>
-          </a:path>
-        </a:gradFill>
-        <a:gradFill rotWithShape="1">
-          <a:gsLst>
-            <a:gs pos="0">
-              <a:schemeClr val="phClr">
-                <a:tint val="80000"/>
-                <a:satMod val="300000"/>
-              </a:schemeClr>
-            </a:gs>
-            <a:gs pos="100000">
-              <a:schemeClr val="phClr">
-                <a:shade val="30000"/>
-                <a:satMod val="200000"/>
-              </a:schemeClr>
-            </a:gs>
-          </a:gsLst>
-          <a:path path="circle">
-            <a:fillToRect l="50000" t="50000" r="50000" b="50000"/>
-          </a:path>
-        </a:gradFill>
-      </a:bgFillStyleLst>
-    </a:fmtScheme>
-  </a:themeElements>
-</a:theme>
 </file>